--- a/개인프로젝트.pptx
+++ b/개인프로젝트.pptx
@@ -2,7 +2,7 @@
 <file path=ppt/presentation.xml><?xml version="1.0" encoding="utf-8"?>
 <p:presentation xmlns:r="http://schemas.openxmlformats.org/officeDocument/2006/relationships" xmlns:c="http://schemas.openxmlformats.org/drawingml/2006/chart" xmlns:a="http://schemas.openxmlformats.org/drawingml/2006/main" xmlns:dgm="http://schemas.openxmlformats.org/drawingml/2006/diagram" xmlns:dsp="http://schemas.microsoft.com/office/drawing/2008/diagram" xmlns:p="http://schemas.openxmlformats.org/presentationml/2006/main" removePersonalInfoOnSave="1" saveSubsetFonts="1">
   <p:sldMasterIdLst>
-    <p:sldMasterId id="2147483709" r:id="rId1"/>
+    <p:sldMasterId id="2147483685" r:id="rId1"/>
   </p:sldMasterIdLst>
   <p:notesMasterIdLst>
     <p:notesMasterId r:id="rId2"/>
@@ -27,6 +27,9 @@
     <p:sldId id="269" r:id="rId17"/>
     <p:sldId id="270" r:id="rId18"/>
     <p:sldId id="271" r:id="rId19"/>
+    <p:sldId id="272" r:id="rId20"/>
+    <p:sldId id="273" r:id="rId21"/>
+    <p:sldId id="274" r:id="rId22"/>
   </p:sldIdLst>
   <p:sldSz cx="12192000" cy="6858000"/>
   <p:notesSz cx="6858000" cy="9144000"/>
@@ -229,7 +232,7 @@
               <a:pPr lvl="0">
                 <a:defRPr lang="ko-KR" altLang="en-US"/>
               </a:pPr>
-              <a:t>10/16/2017</a:t>
+              <a:t>11/13/2017</a:t>
             </a:fld>
             <a:endParaRPr lang="ko-KR">
               <a:latin typeface="맑은 고딕"/>
@@ -429,7 +432,7 @@
               <a:pPr lvl="0">
                 <a:defRPr lang="ko-KR" altLang="en-US"/>
               </a:pPr>
-              <a:t>10/16/2017</a:t>
+              <a:t>11/13/2017</a:t>
             </a:fld>
             <a:endParaRPr lang="ko-KR" altLang="en-US"/>
           </a:p>
@@ -6479,6 +6482,432 @@
       </p:grpSpPr>
       <p:sp>
         <p:nvSpPr>
+          <p:cNvPr id="2" name="제목 1"/>
+          <p:cNvSpPr>
+            <a:spLocks noGrp="1"/>
+          </p:cNvSpPr>
+          <p:nvPr>
+            <p:ph type="title" idx="0"/>
+          </p:nvPr>
+        </p:nvSpPr>
+        <p:spPr/>
+        <p:txBody>
+          <a:bodyPr/>
+          <a:lstStyle/>
+          <a:p>
+            <a:pPr>
+              <a:defRPr lang="ko-KR" altLang="en-US"/>
+            </a:pPr>
+            <a:r>
+              <a:rPr lang="en-US" altLang="ko-KR"/>
+              <a:t>Mysql Table </a:t>
+            </a:r>
+            <a:r>
+              <a:rPr lang="ko-KR" altLang="en-US"/>
+              <a:t>구성</a:t>
+            </a:r>
+            <a:endParaRPr lang="ko-KR" altLang="en-US"/>
+          </a:p>
+        </p:txBody>
+      </p:sp>
+      <p:sp>
+        <p:nvSpPr>
+          <p:cNvPr id="3" name="내용 개체 틀 2"/>
+          <p:cNvSpPr>
+            <a:spLocks noGrp="1"/>
+          </p:cNvSpPr>
+          <p:nvPr>
+            <p:ph idx="1"/>
+          </p:nvPr>
+        </p:nvSpPr>
+        <p:spPr/>
+        <p:txBody>
+          <a:bodyPr/>
+          <a:lstStyle/>
+          <a:p>
+            <a:pPr>
+              <a:buNone/>
+              <a:defRPr lang="ko-KR" altLang="en-US"/>
+            </a:pPr>
+            <a:r>
+              <a:rPr lang="en-US" altLang="ko-KR"/>
+              <a:t>Table </a:t>
+            </a:r>
+            <a:r>
+              <a:rPr lang="ko-KR" altLang="en-US"/>
+              <a:t>명 = </a:t>
+            </a:r>
+            <a:r>
+              <a:rPr lang="en-US" altLang="ko-KR"/>
+              <a:t>dev_info, footprint, first_footprint</a:t>
+            </a:r>
+            <a:endParaRPr lang="en-US" altLang="ko-KR"/>
+          </a:p>
+          <a:p>
+            <a:pPr>
+              <a:buNone/>
+              <a:defRPr lang="ko-KR" altLang="en-US"/>
+            </a:pPr>
+            <a:endParaRPr lang="en-US" altLang="ko-KR"/>
+          </a:p>
+          <a:p>
+            <a:pPr>
+              <a:buNone/>
+              <a:defRPr lang="ko-KR" altLang="en-US"/>
+            </a:pPr>
+            <a:r>
+              <a:rPr lang="en-US" altLang="ko-KR"/>
+              <a:t>dev_info</a:t>
+            </a:r>
+            <a:r>
+              <a:rPr lang="ko-KR" altLang="en-US"/>
+              <a:t> -&gt;</a:t>
+            </a:r>
+            <a:r>
+              <a:rPr lang="en-US" altLang="ko-KR"/>
+              <a:t>mac</a:t>
+            </a:r>
+            <a:r>
+              <a:rPr lang="ko-KR" altLang="en-US"/>
+              <a:t>주소와 </a:t>
+            </a:r>
+            <a:r>
+              <a:rPr lang="en-US" altLang="ko-KR"/>
+              <a:t>name</a:t>
+            </a:r>
+            <a:r>
+              <a:rPr lang="ko-KR" altLang="en-US"/>
+              <a:t>이 저장됨</a:t>
+            </a:r>
+            <a:endParaRPr lang="ko-KR" altLang="en-US"/>
+          </a:p>
+          <a:p>
+            <a:pPr>
+              <a:buNone/>
+              <a:defRPr lang="ko-KR" altLang="en-US"/>
+            </a:pPr>
+            <a:endParaRPr lang="ko-KR" altLang="en-US"/>
+          </a:p>
+          <a:p>
+            <a:pPr>
+              <a:buNone/>
+              <a:defRPr lang="ko-KR" altLang="en-US"/>
+            </a:pPr>
+            <a:r>
+              <a:rPr lang="en-US" altLang="ko-KR"/>
+              <a:t>footprint -&gt; mac</a:t>
+            </a:r>
+            <a:r>
+              <a:rPr lang="ko-KR" altLang="en-US"/>
+              <a:t>주소와 현재감지시간이 저장된다. (</a:t>
+            </a:r>
+            <a:r>
+              <a:rPr lang="en-US" altLang="ko-KR"/>
+              <a:t>mac,time)</a:t>
+            </a:r>
+            <a:endParaRPr lang="en-US" altLang="ko-KR"/>
+          </a:p>
+          <a:p>
+            <a:pPr>
+              <a:buNone/>
+              <a:defRPr lang="ko-KR" altLang="en-US"/>
+            </a:pPr>
+            <a:endParaRPr lang="ko-KR" altLang="en-US"/>
+          </a:p>
+          <a:p>
+            <a:pPr>
+              <a:buNone/>
+              <a:defRPr lang="ko-KR" altLang="en-US"/>
+            </a:pPr>
+            <a:r>
+              <a:rPr lang="en-US" altLang="ko-KR"/>
+              <a:t>first_footprintf -&gt; dev</a:t>
+            </a:r>
+            <a:r>
+              <a:rPr lang="ko-KR" altLang="en-US"/>
+              <a:t>의 최초 감지 시간이 저장된다.(</a:t>
+            </a:r>
+            <a:r>
+              <a:rPr lang="en-US" altLang="ko-KR"/>
+              <a:t>mac,time)</a:t>
+            </a:r>
+            <a:endParaRPr lang="en-US" altLang="ko-KR"/>
+          </a:p>
+        </p:txBody>
+      </p:sp>
+    </p:spTree>
+  </p:cSld>
+  <p:clrMapOvr>
+    <a:masterClrMapping/>
+  </p:clrMapOvr>
+  <mc:AlternateContent xmlns:mc="http://schemas.openxmlformats.org/markup-compatibility/2006">
+    <mc:Choice xmlns:p14="http://schemas.microsoft.com/office/powerpoint/2010/main" Requires="p14">
+      <p:transition xmlns:mc="http://schemas.openxmlformats.org/markup-compatibility/2006" xmlns:p14="http://schemas.microsoft.com/office/powerpoint/2010/main" mc:Ignorable="p14" p14:dur="500"/>
+    </mc:Choice>
+    <mc:Fallback>
+      <p:transition/>
+    </mc:Fallback>
+  </mc:AlternateContent>
+</p:sld>
+</file>
+
+<file path=ppt/slides/slide13.xml><?xml version="1.0" encoding="utf-8"?>
+<p:sld xmlns:r="http://schemas.openxmlformats.org/officeDocument/2006/relationships" xmlns:c="http://schemas.openxmlformats.org/drawingml/2006/chart" xmlns:a="http://schemas.openxmlformats.org/drawingml/2006/main" xmlns:dgm="http://schemas.openxmlformats.org/drawingml/2006/diagram" xmlns:dsp="http://schemas.microsoft.com/office/drawing/2008/diagram" xmlns:p="http://schemas.openxmlformats.org/presentationml/2006/main">
+  <p:cSld>
+    <p:spTree>
+      <p:nvGrpSpPr>
+        <p:cNvPr id="1" name=""/>
+        <p:cNvGrpSpPr/>
+        <p:nvPr/>
+      </p:nvGrpSpPr>
+      <p:grpSpPr>
+        <a:xfrm>
+          <a:off x="0" y="0"/>
+          <a:ext cx="0" cy="0"/>
+          <a:chOff x="0" y="0"/>
+          <a:chExt cx="0" cy="0"/>
+        </a:xfrm>
+      </p:grpSpPr>
+      <p:sp>
+        <p:nvSpPr>
+          <p:cNvPr id="2" name="제목 1"/>
+          <p:cNvSpPr>
+            <a:spLocks noGrp="1"/>
+          </p:cNvSpPr>
+          <p:nvPr>
+            <p:ph type="title" idx="0"/>
+          </p:nvPr>
+        </p:nvSpPr>
+        <p:spPr/>
+        <p:txBody>
+          <a:bodyPr/>
+          <a:lstStyle/>
+          <a:p>
+            <a:pPr>
+              <a:defRPr lang="ko-KR" altLang="en-US"/>
+            </a:pPr>
+            <a:r>
+              <a:rPr lang="ko-KR" altLang="en-US"/>
+              <a:t>동작원리</a:t>
+            </a:r>
+            <a:endParaRPr lang="ko-KR" altLang="en-US"/>
+          </a:p>
+        </p:txBody>
+      </p:sp>
+      <p:sp>
+        <p:nvSpPr>
+          <p:cNvPr id="3" name="내용 개체 틀 2"/>
+          <p:cNvSpPr>
+            <a:spLocks noGrp="1"/>
+          </p:cNvSpPr>
+          <p:nvPr>
+            <p:ph idx="1"/>
+          </p:nvPr>
+        </p:nvSpPr>
+        <p:spPr/>
+        <p:txBody>
+          <a:bodyPr/>
+          <a:lstStyle/>
+          <a:p>
+            <a:pPr>
+              <a:defRPr lang="ko-KR" altLang="en-US"/>
+            </a:pPr>
+            <a:r>
+              <a:rPr lang="ko-KR" altLang="en-US"/>
+              <a:t>1. </a:t>
+            </a:r>
+            <a:r>
+              <a:rPr lang="en-US" altLang="ko-KR"/>
+              <a:t>pcap</a:t>
+            </a:r>
+            <a:r>
+              <a:rPr lang="ko-KR" altLang="en-US"/>
+              <a:t>을 통해 </a:t>
+            </a:r>
+            <a:r>
+              <a:rPr lang="en-US" altLang="ko-KR"/>
+              <a:t>probe request</a:t>
+            </a:r>
+            <a:r>
+              <a:rPr lang="ko-KR" altLang="en-US"/>
+              <a:t>를 감지한다. </a:t>
+            </a:r>
+            <a:endParaRPr lang="ko-KR" altLang="en-US"/>
+          </a:p>
+          <a:p>
+            <a:pPr>
+              <a:defRPr lang="ko-KR" altLang="en-US"/>
+            </a:pPr>
+            <a:r>
+              <a:rPr lang="ko-KR" altLang="en-US"/>
+              <a:t>2. 주소록에 등록되어있는 </a:t>
+            </a:r>
+            <a:r>
+              <a:rPr lang="en-US" altLang="ko-KR"/>
+              <a:t>mac</a:t>
+            </a:r>
+            <a:r>
+              <a:rPr lang="ko-KR" altLang="en-US"/>
+              <a:t>과 대조한다.</a:t>
+            </a:r>
+            <a:endParaRPr lang="ko-KR" altLang="en-US"/>
+          </a:p>
+          <a:p>
+            <a:pPr>
+              <a:defRPr lang="ko-KR" altLang="en-US"/>
+            </a:pPr>
+            <a:r>
+              <a:rPr lang="ko-KR" altLang="en-US"/>
+              <a:t>3. 없으면 새로 등록하면서 </a:t>
+            </a:r>
+            <a:r>
+              <a:rPr lang="en-US" altLang="ko-KR"/>
+              <a:t>first_footprint</a:t>
+            </a:r>
+            <a:r>
+              <a:rPr lang="ko-KR" altLang="en-US"/>
+              <a:t>를 남긴다.</a:t>
+            </a:r>
+            <a:endParaRPr lang="ko-KR" altLang="en-US"/>
+          </a:p>
+          <a:p>
+            <a:pPr>
+              <a:buNone/>
+              <a:defRPr lang="ko-KR" altLang="en-US"/>
+            </a:pPr>
+            <a:r>
+              <a:rPr lang="ko-KR" altLang="en-US"/>
+              <a:t>      처음 등록인데 주소록에 있다면 인사한다.</a:t>
+            </a:r>
+            <a:endParaRPr lang="ko-KR" altLang="en-US"/>
+          </a:p>
+          <a:p>
+            <a:pPr>
+              <a:defRPr lang="ko-KR" altLang="en-US"/>
+            </a:pPr>
+            <a:r>
+              <a:rPr lang="ko-KR" altLang="en-US"/>
+              <a:t>4. 있다면 </a:t>
+            </a:r>
+            <a:r>
+              <a:rPr lang="en-US" altLang="ko-KR"/>
+              <a:t>first_footprint</a:t>
+            </a:r>
+            <a:r>
+              <a:rPr lang="ko-KR" altLang="en-US"/>
+              <a:t>와 현재 들어온 시간을 비교한다.</a:t>
+            </a:r>
+            <a:endParaRPr lang="ko-KR" altLang="en-US"/>
+          </a:p>
+          <a:p>
+            <a:pPr>
+              <a:buNone/>
+              <a:defRPr lang="ko-KR" altLang="en-US"/>
+            </a:pPr>
+            <a:r>
+              <a:rPr lang="ko-KR" altLang="en-US"/>
+              <a:t>   </a:t>
+            </a:r>
+            <a:r>
+              <a:rPr lang="en-US" altLang="ko-KR"/>
+              <a:t> </a:t>
+            </a:r>
+            <a:r>
+              <a:rPr lang="ko-KR" altLang="en-US"/>
+              <a:t> </a:t>
+            </a:r>
+            <a:r>
+              <a:rPr lang="en-US" altLang="ko-KR"/>
+              <a:t> </a:t>
+            </a:r>
+            <a:r>
+              <a:rPr lang="ko-KR" altLang="en-US"/>
+              <a:t>비교시 5분차이가 난다면 새로 인사를 하고 그렇지 않다면</a:t>
+            </a:r>
+            <a:endParaRPr lang="ko-KR" altLang="en-US"/>
+          </a:p>
+          <a:p>
+            <a:pPr>
+              <a:buNone/>
+              <a:defRPr lang="ko-KR" altLang="en-US"/>
+            </a:pPr>
+            <a:r>
+              <a:rPr lang="ko-KR" altLang="en-US"/>
+              <a:t>      </a:t>
+            </a:r>
+            <a:r>
+              <a:rPr lang="en-US" altLang="ko-KR"/>
+              <a:t>first_footprint</a:t>
+            </a:r>
+            <a:r>
+              <a:rPr lang="ko-KR" altLang="en-US"/>
+              <a:t>를 갱신한다.</a:t>
+            </a:r>
+            <a:endParaRPr lang="ko-KR" altLang="en-US"/>
+          </a:p>
+          <a:p>
+            <a:pPr>
+              <a:defRPr lang="ko-KR" altLang="en-US"/>
+            </a:pPr>
+            <a:r>
+              <a:rPr lang="ko-KR" altLang="en-US"/>
+              <a:t>5. </a:t>
+            </a:r>
+            <a:r>
+              <a:rPr lang="en-US" altLang="ko-KR"/>
+              <a:t>dev</a:t>
+            </a:r>
+            <a:r>
+              <a:rPr lang="ko-KR" altLang="en-US"/>
+              <a:t>정보나 유동정보는 </a:t>
+            </a:r>
+            <a:r>
+              <a:rPr lang="en-US" altLang="ko-KR"/>
+              <a:t>web</a:t>
+            </a:r>
+            <a:r>
+              <a:rPr lang="ko-KR" altLang="en-US"/>
+              <a:t>에서 확인가능하다</a:t>
+            </a:r>
+            <a:endParaRPr lang="ko-KR" altLang="en-US"/>
+          </a:p>
+        </p:txBody>
+      </p:sp>
+    </p:spTree>
+  </p:cSld>
+  <p:clrMapOvr>
+    <a:masterClrMapping/>
+  </p:clrMapOvr>
+  <mc:AlternateContent xmlns:mc="http://schemas.openxmlformats.org/markup-compatibility/2006">
+    <mc:Choice xmlns:p14="http://schemas.microsoft.com/office/powerpoint/2010/main" Requires="p14">
+      <p:transition xmlns:mc="http://schemas.openxmlformats.org/markup-compatibility/2006" xmlns:p14="http://schemas.microsoft.com/office/powerpoint/2010/main" mc:Ignorable="p14" p14:dur="500"/>
+    </mc:Choice>
+    <mc:Fallback>
+      <p:transition/>
+    </mc:Fallback>
+  </mc:AlternateContent>
+</p:sld>
+</file>
+
+<file path=ppt/slides/slide14.xml><?xml version="1.0" encoding="utf-8"?>
+<p:sld xmlns:r="http://schemas.openxmlformats.org/officeDocument/2006/relationships" xmlns:c="http://schemas.openxmlformats.org/drawingml/2006/chart" xmlns:a="http://schemas.openxmlformats.org/drawingml/2006/main" xmlns:dgm="http://schemas.openxmlformats.org/drawingml/2006/diagram" xmlns:dsp="http://schemas.microsoft.com/office/drawing/2008/diagram" xmlns:p="http://schemas.openxmlformats.org/presentationml/2006/main">
+  <p:cSld>
+    <p:spTree>
+      <p:nvGrpSpPr>
+        <p:cNvPr id="1" name=""/>
+        <p:cNvGrpSpPr/>
+        <p:nvPr/>
+      </p:nvGrpSpPr>
+      <p:grpSpPr>
+        <a:xfrm>
+          <a:off x="0" y="0"/>
+          <a:ext cx="0" cy="0"/>
+          <a:chOff x="0" y="0"/>
+          <a:chExt cx="0" cy="0"/>
+        </a:xfrm>
+      </p:grpSpPr>
+      <p:sp>
+        <p:nvSpPr>
           <p:cNvPr id="2" name="Rectangle 6"/>
           <p:cNvSpPr>
             <a:spLocks noChangeArrowheads="1"/>
@@ -6782,7 +7211,7 @@
 </p:sld>
 </file>
 
-<file path=ppt/slides/slide13.xml><?xml version="1.0" encoding="utf-8"?>
+<file path=ppt/slides/slide15.xml><?xml version="1.0" encoding="utf-8"?>
 <p:sld xmlns:r="http://schemas.openxmlformats.org/officeDocument/2006/relationships" xmlns:c="http://schemas.openxmlformats.org/drawingml/2006/chart" xmlns:a="http://schemas.openxmlformats.org/drawingml/2006/main" xmlns:dgm="http://schemas.openxmlformats.org/drawingml/2006/diagram" xmlns:dsp="http://schemas.microsoft.com/office/drawing/2008/diagram" xmlns:p="http://schemas.openxmlformats.org/presentationml/2006/main">
   <p:cSld>
     <p:spTree>
@@ -6867,7 +7296,7 @@
 </p:sld>
 </file>
 
-<file path=ppt/slides/slide14.xml><?xml version="1.0" encoding="utf-8"?>
+<file path=ppt/slides/slide16.xml><?xml version="1.0" encoding="utf-8"?>
 <p:sld xmlns:r="http://schemas.openxmlformats.org/officeDocument/2006/relationships" xmlns:c="http://schemas.openxmlformats.org/drawingml/2006/chart" xmlns:a="http://schemas.openxmlformats.org/drawingml/2006/main" xmlns:dgm="http://schemas.openxmlformats.org/drawingml/2006/diagram" xmlns:dsp="http://schemas.microsoft.com/office/drawing/2008/diagram" xmlns:p="http://schemas.openxmlformats.org/presentationml/2006/main">
   <p:cSld>
     <p:spTree>
@@ -7189,7 +7618,7 @@
 </p:sld>
 </file>
 
-<file path=ppt/slides/slide15.xml><?xml version="1.0" encoding="utf-8"?>
+<file path=ppt/slides/slide17.xml><?xml version="1.0" encoding="utf-8"?>
 <p:sld xmlns:r="http://schemas.openxmlformats.org/officeDocument/2006/relationships" xmlns:c="http://schemas.openxmlformats.org/drawingml/2006/chart" xmlns:a="http://schemas.openxmlformats.org/drawingml/2006/main" xmlns:dgm="http://schemas.openxmlformats.org/drawingml/2006/diagram" xmlns:dsp="http://schemas.microsoft.com/office/drawing/2008/diagram" xmlns:p="http://schemas.openxmlformats.org/presentationml/2006/main">
   <p:cSld>
     <p:spTree>
@@ -7358,7 +7787,865 @@
 </p:sld>
 </file>
 
-<file path=ppt/slides/slide16.xml><?xml version="1.0" encoding="utf-8"?>
+<file path=ppt/slides/slide18.xml><?xml version="1.0" encoding="utf-8"?>
+<p:sld xmlns:r="http://schemas.openxmlformats.org/officeDocument/2006/relationships" xmlns:c="http://schemas.openxmlformats.org/drawingml/2006/chart" xmlns:a="http://schemas.openxmlformats.org/drawingml/2006/main" xmlns:dgm="http://schemas.openxmlformats.org/drawingml/2006/diagram" xmlns:dsp="http://schemas.microsoft.com/office/drawing/2008/diagram" xmlns:p="http://schemas.openxmlformats.org/presentationml/2006/main">
+  <p:cSld>
+    <p:spTree>
+      <p:nvGrpSpPr>
+        <p:cNvPr id="1" name=""/>
+        <p:cNvGrpSpPr/>
+        <p:nvPr/>
+      </p:nvGrpSpPr>
+      <p:grpSpPr>
+        <a:xfrm>
+          <a:off x="0" y="0"/>
+          <a:ext cx="0" cy="0"/>
+          <a:chOff x="0" y="0"/>
+          <a:chExt cx="0" cy="0"/>
+        </a:xfrm>
+      </p:grpSpPr>
+      <p:sp>
+        <p:nvSpPr>
+          <p:cNvPr id="2" name="제목 1"/>
+          <p:cNvSpPr>
+            <a:spLocks noGrp="1"/>
+          </p:cNvSpPr>
+          <p:nvPr>
+            <p:ph type="title" idx="0"/>
+          </p:nvPr>
+        </p:nvSpPr>
+        <p:spPr/>
+        <p:txBody>
+          <a:bodyPr/>
+          <a:lstStyle/>
+          <a:p>
+            <a:pPr>
+              <a:defRPr lang="ko-KR" altLang="en-US"/>
+            </a:pPr>
+            <a:r>
+              <a:rPr lang="ko-KR" altLang="en-US"/>
+              <a:t>일정표</a:t>
+            </a:r>
+            <a:endParaRPr lang="ko-KR" altLang="en-US"/>
+          </a:p>
+        </p:txBody>
+      </p:sp>
+      <p:graphicFrame>
+        <p:nvGraphicFramePr>
+          <p:cNvPr id="3" name=""/>
+          <p:cNvGraphicFramePr>
+            <a:graphicFrameLocks noGrp="1"/>
+          </p:cNvGraphicFramePr>
+          <p:nvPr>
+            <p:ph idx="1"/>
+          </p:nvPr>
+        </p:nvGraphicFramePr>
+        <p:xfrm>
+          <a:off x="1295400" y="1828800"/>
+          <a:ext cx="9608359" cy="3337560"/>
+        </p:xfrm>
+        <a:graphic>
+          <a:graphicData uri="http://schemas.openxmlformats.org/drawingml/2006/table">
+            <a:tbl>
+              <a:tblPr firstRow="1" bandRow="1">
+                <a:tableStyleId>{01A66EDD-3DAB-4C5B-A090-DC80EC1FD486}</a:tableStyleId>
+              </a:tblPr>
+              <a:tblGrid>
+                <a:gridCol w="2259330"/>
+                <a:gridCol w="1588308"/>
+                <a:gridCol w="1920240"/>
+                <a:gridCol w="1920240"/>
+                <a:gridCol w="1920240"/>
+              </a:tblGrid>
+              <a:tr h="370840">
+                <a:tc>
+                  <a:txBody>
+                    <a:bodyPr vert="horz" wrap="square" lIns="91440" tIns="45720" rIns="91440" bIns="45720" anchor="t" anchorCtr="0">
+                      <a:spAutoFit/>
+                    </a:bodyPr>
+                    <a:p>
+                      <a:pPr algn="ctr">
+                        <a:defRPr lang="ko-KR" altLang="en-US"/>
+                      </a:pPr>
+                      <a:r>
+                        <a:rPr lang="ko-KR" altLang="en-US"/>
+                        <a:t>프로젝트 내용/일자</a:t>
+                      </a:r>
+                      <a:endParaRPr lang="ko-KR" altLang="en-US"/>
+                    </a:p>
+                  </a:txBody>
+                  <a:tcPr marL="91440" marR="91440"/>
+                </a:tc>
+                <a:tc>
+                  <a:txBody>
+                    <a:bodyPr vert="horz" wrap="square" lIns="91440" tIns="45720" rIns="91440" bIns="45720" anchor="t" anchorCtr="0">
+                      <a:spAutoFit/>
+                    </a:bodyPr>
+                    <a:p>
+                      <a:pPr algn="ctr">
+                        <a:defRPr lang="ko-KR" altLang="en-US"/>
+                      </a:pPr>
+                      <a:r>
+                        <a:rPr lang="ko-KR" altLang="en-US"/>
+                        <a:t>17.11.06</a:t>
+                      </a:r>
+                      <a:endParaRPr lang="ko-KR" altLang="en-US"/>
+                    </a:p>
+                  </a:txBody>
+                  <a:tcPr marL="91440" marR="91440"/>
+                </a:tc>
+                <a:tc>
+                  <a:txBody>
+                    <a:bodyPr vert="horz" wrap="square" lIns="91440" tIns="45720" rIns="91440" bIns="45720" anchor="t" anchorCtr="0">
+                      <a:spAutoFit/>
+                    </a:bodyPr>
+                    <a:p>
+                      <a:pPr algn="ctr">
+                        <a:defRPr lang="ko-KR" altLang="en-US"/>
+                      </a:pPr>
+                      <a:r>
+                        <a:rPr lang="ko-KR" altLang="en-US"/>
+                        <a:t>17.11.13</a:t>
+                      </a:r>
+                      <a:endParaRPr lang="ko-KR" altLang="en-US"/>
+                    </a:p>
+                  </a:txBody>
+                  <a:tcPr marL="91440" marR="91440"/>
+                </a:tc>
+                <a:tc>
+                  <a:txBody>
+                    <a:bodyPr vert="horz" wrap="square" lIns="91440" tIns="45720" rIns="91440" bIns="45720" anchor="t" anchorCtr="0">
+                      <a:spAutoFit/>
+                    </a:bodyPr>
+                    <a:p>
+                      <a:pPr algn="ctr">
+                        <a:defRPr lang="ko-KR" altLang="en-US"/>
+                      </a:pPr>
+                      <a:r>
+                        <a:rPr lang="ko-KR" altLang="en-US"/>
+                        <a:t>17.11.20</a:t>
+                      </a:r>
+                      <a:endParaRPr lang="ko-KR" altLang="en-US"/>
+                    </a:p>
+                  </a:txBody>
+                  <a:tcPr marL="91440" marR="91440"/>
+                </a:tc>
+                <a:tc>
+                  <a:txBody>
+                    <a:bodyPr vert="horz" wrap="square" lIns="91440" tIns="45720" rIns="91440" bIns="45720" anchor="t" anchorCtr="0">
+                      <a:spAutoFit/>
+                    </a:bodyPr>
+                    <a:p>
+                      <a:pPr algn="ctr">
+                        <a:defRPr lang="ko-KR" altLang="en-US"/>
+                      </a:pPr>
+                      <a:r>
+                        <a:rPr lang="ko-KR" altLang="en-US"/>
+                        <a:t>17.11.27</a:t>
+                      </a:r>
+                      <a:endParaRPr lang="ko-KR" altLang="en-US"/>
+                    </a:p>
+                  </a:txBody>
+                  <a:tcPr marL="91440" marR="91440"/>
+                </a:tc>
+              </a:tr>
+              <a:tr h="370840">
+                <a:tc>
+                  <a:txBody>
+                    <a:bodyPr vert="horz" wrap="square" lIns="91440" tIns="45720" rIns="91440" bIns="45720" anchor="t" anchorCtr="0">
+                      <a:spAutoFit/>
+                    </a:bodyPr>
+                    <a:p>
+                      <a:pPr>
+                        <a:defRPr lang="ko-KR" altLang="en-US"/>
+                      </a:pPr>
+                      <a:r>
+                        <a:rPr lang="en-US" altLang="ko-KR"/>
+                        <a:t>DB</a:t>
+                      </a:r>
+                      <a:r>
+                        <a:rPr lang="ko-KR" altLang="en-US"/>
+                        <a:t>구성</a:t>
+                      </a:r>
+                      <a:endParaRPr lang="ko-KR" altLang="en-US"/>
+                    </a:p>
+                  </a:txBody>
+                  <a:tcPr marL="91440" marR="91440"/>
+                </a:tc>
+                <a:tc>
+                  <a:txBody>
+                    <a:bodyPr vert="horz" wrap="square" lIns="91440" tIns="45720" rIns="91440" bIns="45720" anchor="t" anchorCtr="0">
+                      <a:spAutoFit/>
+                    </a:bodyPr>
+                    <a:p>
+                      <a:pPr>
+                        <a:defRPr lang="ko-KR" altLang="en-US"/>
+                      </a:pPr>
+                      <a:r>
+                        <a:rPr lang="ko-KR" altLang="en-US"/>
+                        <a:t>완료</a:t>
+                      </a:r>
+                      <a:endParaRPr lang="ko-KR" altLang="en-US"/>
+                    </a:p>
+                  </a:txBody>
+                  <a:tcPr marL="91440" marR="91440"/>
+                </a:tc>
+                <a:tc>
+                  <a:txBody>
+                    <a:bodyPr vert="horz" wrap="square" lIns="91440" tIns="45720" rIns="91440" bIns="45720" anchor="t" anchorCtr="0">
+                      <a:spAutoFit/>
+                    </a:bodyPr>
+                    <a:p>
+                      <a:pPr>
+                        <a:defRPr lang="ko-KR" altLang="en-US"/>
+                      </a:pPr>
+                      <a:endParaRPr lang="ko-KR" altLang="en-US"/>
+                    </a:p>
+                  </a:txBody>
+                  <a:tcPr marL="91440" marR="91440"/>
+                </a:tc>
+                <a:tc>
+                  <a:txBody>
+                    <a:bodyPr vert="horz" wrap="square" lIns="91440" tIns="45720" rIns="91440" bIns="45720" anchor="t" anchorCtr="0">
+                      <a:spAutoFit/>
+                    </a:bodyPr>
+                    <a:p>
+                      <a:pPr>
+                        <a:defRPr lang="ko-KR" altLang="en-US"/>
+                      </a:pPr>
+                      <a:endParaRPr lang="ko-KR" altLang="en-US"/>
+                    </a:p>
+                  </a:txBody>
+                  <a:tcPr marL="91440" marR="91440"/>
+                </a:tc>
+                <a:tc>
+                  <a:txBody>
+                    <a:bodyPr vert="horz" wrap="square" lIns="91440" tIns="45720" rIns="91440" bIns="45720" anchor="t" anchorCtr="0">
+                      <a:spAutoFit/>
+                    </a:bodyPr>
+                    <a:p>
+                      <a:pPr>
+                        <a:defRPr lang="ko-KR" altLang="en-US"/>
+                      </a:pPr>
+                      <a:endParaRPr lang="ko-KR" altLang="en-US"/>
+                    </a:p>
+                  </a:txBody>
+                  <a:tcPr marL="91440" marR="91440"/>
+                </a:tc>
+              </a:tr>
+              <a:tr h="370840">
+                <a:tc>
+                  <a:txBody>
+                    <a:bodyPr vert="horz" wrap="square" lIns="91440" tIns="45720" rIns="91440" bIns="45720" anchor="t" anchorCtr="0">
+                      <a:spAutoFit/>
+                    </a:bodyPr>
+                    <a:p>
+                      <a:pPr>
+                        <a:defRPr lang="ko-KR" altLang="en-US"/>
+                      </a:pPr>
+                      <a:r>
+                        <a:rPr lang="en-US" altLang="ko-KR"/>
+                        <a:t>Tcpdump</a:t>
+                      </a:r>
+                      <a:r>
+                        <a:rPr lang="ko-KR" altLang="en-US"/>
+                        <a:t> 제작</a:t>
+                      </a:r>
+                      <a:endParaRPr lang="ko-KR" altLang="en-US"/>
+                    </a:p>
+                  </a:txBody>
+                  <a:tcPr marL="91440" marR="91440"/>
+                </a:tc>
+                <a:tc>
+                  <a:txBody>
+                    <a:bodyPr vert="horz" wrap="square" lIns="91440" tIns="45720" rIns="91440" bIns="45720" anchor="t" anchorCtr="0">
+                      <a:spAutoFit/>
+                    </a:bodyPr>
+                    <a:p>
+                      <a:pPr>
+                        <a:defRPr lang="ko-KR" altLang="en-US"/>
+                      </a:pPr>
+                      <a:r>
+                        <a:rPr lang="ko-KR" altLang="en-US"/>
+                        <a:t>완료</a:t>
+                      </a:r>
+                      <a:endParaRPr lang="ko-KR" altLang="en-US"/>
+                    </a:p>
+                  </a:txBody>
+                  <a:tcPr marL="91440" marR="91440"/>
+                </a:tc>
+                <a:tc>
+                  <a:txBody>
+                    <a:bodyPr vert="horz" wrap="square" lIns="91440" tIns="45720" rIns="91440" bIns="45720" anchor="t" anchorCtr="0">
+                      <a:spAutoFit/>
+                    </a:bodyPr>
+                    <a:p>
+                      <a:pPr>
+                        <a:defRPr lang="ko-KR" altLang="en-US"/>
+                      </a:pPr>
+                      <a:r>
+                        <a:rPr lang="ko-KR" altLang="en-US"/>
+                        <a:t>완료</a:t>
+                      </a:r>
+                      <a:endParaRPr lang="ko-KR" altLang="en-US"/>
+                    </a:p>
+                  </a:txBody>
+                  <a:tcPr marL="91440" marR="91440"/>
+                </a:tc>
+                <a:tc>
+                  <a:txBody>
+                    <a:bodyPr vert="horz" wrap="square" lIns="91440" tIns="45720" rIns="91440" bIns="45720" anchor="t" anchorCtr="0">
+                      <a:spAutoFit/>
+                    </a:bodyPr>
+                    <a:p>
+                      <a:pPr>
+                        <a:defRPr lang="ko-KR" altLang="en-US"/>
+                      </a:pPr>
+                      <a:endParaRPr lang="ko-KR" altLang="en-US"/>
+                    </a:p>
+                  </a:txBody>
+                  <a:tcPr marL="91440" marR="91440"/>
+                </a:tc>
+                <a:tc>
+                  <a:txBody>
+                    <a:bodyPr vert="horz" wrap="square" lIns="91440" tIns="45720" rIns="91440" bIns="45720" anchor="t" anchorCtr="0">
+                      <a:spAutoFit/>
+                    </a:bodyPr>
+                    <a:p>
+                      <a:pPr>
+                        <a:defRPr lang="ko-KR" altLang="en-US"/>
+                      </a:pPr>
+                      <a:endParaRPr lang="ko-KR" altLang="en-US"/>
+                    </a:p>
+                  </a:txBody>
+                  <a:tcPr marL="91440" marR="91440"/>
+                </a:tc>
+              </a:tr>
+              <a:tr h="370840">
+                <a:tc>
+                  <a:txBody>
+                    <a:bodyPr vert="horz" wrap="square" lIns="91440" tIns="45720" rIns="91440" bIns="45720" anchor="t" anchorCtr="0">
+                      <a:spAutoFit/>
+                    </a:bodyPr>
+                    <a:p>
+                      <a:pPr>
+                        <a:defRPr lang="ko-KR" altLang="en-US"/>
+                      </a:pPr>
+                      <a:r>
+                        <a:rPr lang="en-US" altLang="ko-KR"/>
+                        <a:t>Sound </a:t>
+                      </a:r>
+                      <a:r>
+                        <a:rPr lang="ko-KR" altLang="en-US"/>
+                        <a:t>제작</a:t>
+                      </a:r>
+                      <a:endParaRPr lang="ko-KR" altLang="en-US"/>
+                    </a:p>
+                  </a:txBody>
+                  <a:tcPr marL="91440" marR="91440"/>
+                </a:tc>
+                <a:tc>
+                  <a:txBody>
+                    <a:bodyPr vert="horz" wrap="square" lIns="91440" tIns="45720" rIns="91440" bIns="45720" anchor="t" anchorCtr="0">
+                      <a:spAutoFit/>
+                    </a:bodyPr>
+                    <a:p>
+                      <a:pPr>
+                        <a:defRPr lang="ko-KR" altLang="en-US"/>
+                      </a:pPr>
+                      <a:r>
+                        <a:rPr lang="ko-KR" altLang="en-US"/>
+                        <a:t>진행</a:t>
+                      </a:r>
+                      <a:endParaRPr lang="ko-KR" altLang="en-US"/>
+                    </a:p>
+                  </a:txBody>
+                  <a:tcPr marL="91440" marR="91440"/>
+                </a:tc>
+                <a:tc>
+                  <a:txBody>
+                    <a:bodyPr vert="horz" wrap="square" lIns="91440" tIns="45720" rIns="91440" bIns="45720" anchor="t" anchorCtr="0">
+                      <a:spAutoFit/>
+                    </a:bodyPr>
+                    <a:p>
+                      <a:pPr>
+                        <a:defRPr lang="ko-KR" altLang="en-US"/>
+                      </a:pPr>
+                      <a:r>
+                        <a:rPr lang="ko-KR" altLang="en-US"/>
+                        <a:t>진행</a:t>
+                      </a:r>
+                      <a:endParaRPr lang="ko-KR" altLang="en-US"/>
+                    </a:p>
+                  </a:txBody>
+                  <a:tcPr marL="91440" marR="91440"/>
+                </a:tc>
+                <a:tc>
+                  <a:txBody>
+                    <a:bodyPr vert="horz" wrap="square" lIns="91440" tIns="45720" rIns="91440" bIns="45720" anchor="t" anchorCtr="0">
+                      <a:spAutoFit/>
+                    </a:bodyPr>
+                    <a:p>
+                      <a:pPr>
+                        <a:defRPr lang="ko-KR" altLang="en-US"/>
+                      </a:pPr>
+                      <a:endParaRPr lang="ko-KR" altLang="en-US"/>
+                    </a:p>
+                  </a:txBody>
+                  <a:tcPr marL="91440" marR="91440"/>
+                </a:tc>
+                <a:tc>
+                  <a:txBody>
+                    <a:bodyPr vert="horz" wrap="square" lIns="91440" tIns="45720" rIns="91440" bIns="45720" anchor="t" anchorCtr="0">
+                      <a:spAutoFit/>
+                    </a:bodyPr>
+                    <a:p>
+                      <a:pPr>
+                        <a:defRPr lang="ko-KR" altLang="en-US"/>
+                      </a:pPr>
+                      <a:endParaRPr lang="ko-KR" altLang="en-US"/>
+                    </a:p>
+                  </a:txBody>
+                  <a:tcPr marL="91440" marR="91440"/>
+                </a:tc>
+              </a:tr>
+              <a:tr h="370840">
+                <a:tc>
+                  <a:txBody>
+                    <a:bodyPr vert="horz" wrap="square" lIns="91440" tIns="45720" rIns="91440" bIns="45720" anchor="t" anchorCtr="0">
+                      <a:spAutoFit/>
+                    </a:bodyPr>
+                    <a:p>
+                      <a:pPr>
+                        <a:defRPr lang="ko-KR" altLang="en-US"/>
+                      </a:pPr>
+                      <a:r>
+                        <a:rPr lang="ko-KR" altLang="en-US"/>
+                        <a:t>각종 연동</a:t>
+                      </a:r>
+                      <a:endParaRPr lang="ko-KR" altLang="en-US"/>
+                    </a:p>
+                  </a:txBody>
+                  <a:tcPr marL="91440" marR="91440"/>
+                </a:tc>
+                <a:tc>
+                  <a:txBody>
+                    <a:bodyPr vert="horz" wrap="square" lIns="91440" tIns="45720" rIns="91440" bIns="45720" anchor="t" anchorCtr="0">
+                      <a:spAutoFit/>
+                    </a:bodyPr>
+                    <a:p>
+                      <a:pPr>
+                        <a:defRPr lang="ko-KR" altLang="en-US"/>
+                      </a:pPr>
+                      <a:r>
+                        <a:rPr lang="ko-KR" altLang="en-US"/>
+                        <a:t>진행</a:t>
+                      </a:r>
+                      <a:endParaRPr lang="ko-KR" altLang="en-US"/>
+                    </a:p>
+                  </a:txBody>
+                  <a:tcPr marL="91440" marR="91440"/>
+                </a:tc>
+                <a:tc>
+                  <a:txBody>
+                    <a:bodyPr vert="horz" wrap="square" lIns="91440" tIns="45720" rIns="91440" bIns="45720" anchor="t" anchorCtr="0">
+                      <a:spAutoFit/>
+                    </a:bodyPr>
+                    <a:p>
+                      <a:pPr>
+                        <a:defRPr lang="ko-KR" altLang="en-US"/>
+                      </a:pPr>
+                      <a:r>
+                        <a:rPr lang="ko-KR" altLang="en-US"/>
+                        <a:t>진행</a:t>
+                      </a:r>
+                      <a:endParaRPr lang="ko-KR" altLang="en-US"/>
+                    </a:p>
+                  </a:txBody>
+                  <a:tcPr marL="91440" marR="91440"/>
+                </a:tc>
+                <a:tc>
+                  <a:txBody>
+                    <a:bodyPr vert="horz" wrap="square" lIns="91440" tIns="45720" rIns="91440" bIns="45720" anchor="t" anchorCtr="0">
+                      <a:spAutoFit/>
+                    </a:bodyPr>
+                    <a:p>
+                      <a:pPr>
+                        <a:defRPr lang="ko-KR" altLang="en-US"/>
+                      </a:pPr>
+                      <a:endParaRPr lang="ko-KR" altLang="en-US"/>
+                    </a:p>
+                  </a:txBody>
+                  <a:tcPr marL="91440" marR="91440"/>
+                </a:tc>
+                <a:tc>
+                  <a:txBody>
+                    <a:bodyPr vert="horz" wrap="square" lIns="91440" tIns="45720" rIns="91440" bIns="45720" anchor="t" anchorCtr="0">
+                      <a:spAutoFit/>
+                    </a:bodyPr>
+                    <a:p>
+                      <a:pPr>
+                        <a:defRPr lang="ko-KR" altLang="en-US"/>
+                      </a:pPr>
+                      <a:endParaRPr lang="ko-KR" altLang="en-US"/>
+                    </a:p>
+                  </a:txBody>
+                  <a:tcPr marL="91440" marR="91440"/>
+                </a:tc>
+              </a:tr>
+              <a:tr h="370840">
+                <a:tc>
+                  <a:txBody>
+                    <a:bodyPr vert="horz" wrap="square" lIns="91440" tIns="45720" rIns="91440" bIns="45720" anchor="t" anchorCtr="0">
+                      <a:spAutoFit/>
+                    </a:bodyPr>
+                    <a:p>
+                      <a:pPr>
+                        <a:defRPr lang="ko-KR" altLang="en-US"/>
+                      </a:pPr>
+                      <a:r>
+                        <a:rPr lang="en-US" altLang="ko-KR"/>
+                        <a:t>sayhellow </a:t>
+                      </a:r>
+                      <a:r>
+                        <a:rPr lang="ko-KR" altLang="en-US"/>
+                        <a:t>제작</a:t>
+                      </a:r>
+                      <a:endParaRPr lang="ko-KR" altLang="en-US"/>
+                    </a:p>
+                  </a:txBody>
+                  <a:tcPr marL="91440" marR="91440"/>
+                </a:tc>
+                <a:tc>
+                  <a:txBody>
+                    <a:bodyPr vert="horz" wrap="square" lIns="91440" tIns="45720" rIns="91440" bIns="45720" anchor="t" anchorCtr="0">
+                      <a:spAutoFit/>
+                    </a:bodyPr>
+                    <a:p>
+                      <a:pPr>
+                        <a:defRPr lang="ko-KR" altLang="en-US"/>
+                      </a:pPr>
+                      <a:r>
+                        <a:rPr lang="ko-KR" altLang="en-US"/>
+                        <a:t>진행</a:t>
+                      </a:r>
+                      <a:endParaRPr lang="ko-KR" altLang="en-US"/>
+                    </a:p>
+                  </a:txBody>
+                  <a:tcPr marL="91440" marR="91440"/>
+                </a:tc>
+                <a:tc>
+                  <a:txBody>
+                    <a:bodyPr vert="horz" wrap="square" lIns="91440" tIns="45720" rIns="91440" bIns="45720" anchor="t" anchorCtr="0">
+                      <a:spAutoFit/>
+                    </a:bodyPr>
+                    <a:p>
+                      <a:pPr>
+                        <a:defRPr lang="ko-KR" altLang="en-US"/>
+                      </a:pPr>
+                      <a:r>
+                        <a:rPr lang="ko-KR" altLang="en-US"/>
+                        <a:t>진행</a:t>
+                      </a:r>
+                      <a:endParaRPr lang="ko-KR" altLang="en-US"/>
+                    </a:p>
+                  </a:txBody>
+                  <a:tcPr marL="91440" marR="91440"/>
+                </a:tc>
+                <a:tc>
+                  <a:txBody>
+                    <a:bodyPr vert="horz" wrap="square" lIns="91440" tIns="45720" rIns="91440" bIns="45720" anchor="t" anchorCtr="0">
+                      <a:spAutoFit/>
+                    </a:bodyPr>
+                    <a:p>
+                      <a:pPr>
+                        <a:defRPr lang="ko-KR" altLang="en-US"/>
+                      </a:pPr>
+                      <a:endParaRPr lang="ko-KR" altLang="en-US"/>
+                    </a:p>
+                  </a:txBody>
+                  <a:tcPr marL="91440" marR="91440"/>
+                </a:tc>
+                <a:tc>
+                  <a:txBody>
+                    <a:bodyPr vert="horz" wrap="square" lIns="91440" tIns="45720" rIns="91440" bIns="45720" anchor="t" anchorCtr="0">
+                      <a:spAutoFit/>
+                    </a:bodyPr>
+                    <a:p>
+                      <a:pPr>
+                        <a:defRPr lang="ko-KR" altLang="en-US"/>
+                      </a:pPr>
+                      <a:endParaRPr lang="ko-KR" altLang="en-US"/>
+                    </a:p>
+                  </a:txBody>
+                  <a:tcPr marL="91440" marR="91440"/>
+                </a:tc>
+              </a:tr>
+              <a:tr h="370840">
+                <a:tc>
+                  <a:txBody>
+                    <a:bodyPr vert="horz" wrap="square" lIns="91440" tIns="45720" rIns="91440" bIns="45720" anchor="t" anchorCtr="0">
+                      <a:spAutoFit/>
+                    </a:bodyPr>
+                    <a:p>
+                      <a:pPr>
+                        <a:defRPr lang="ko-KR" altLang="en-US"/>
+                      </a:pPr>
+                      <a:r>
+                        <a:rPr lang="en-US" altLang="ko-KR"/>
+                        <a:t>Web</a:t>
+                      </a:r>
+                      <a:r>
+                        <a:rPr lang="ko-KR" altLang="en-US"/>
+                        <a:t>제작</a:t>
+                      </a:r>
+                      <a:endParaRPr lang="ko-KR" altLang="en-US"/>
+                    </a:p>
+                  </a:txBody>
+                  <a:tcPr marL="91440" marR="91440"/>
+                </a:tc>
+                <a:tc>
+                  <a:txBody>
+                    <a:bodyPr vert="horz" wrap="square" lIns="91440" tIns="45720" rIns="91440" bIns="45720" anchor="t" anchorCtr="0">
+                      <a:spAutoFit/>
+                    </a:bodyPr>
+                    <a:p>
+                      <a:pPr>
+                        <a:defRPr lang="ko-KR" altLang="en-US"/>
+                      </a:pPr>
+                      <a:r>
+                        <a:rPr lang="ko-KR" altLang="en-US"/>
+                        <a:t>진행</a:t>
+                      </a:r>
+                      <a:endParaRPr lang="ko-KR" altLang="en-US"/>
+                    </a:p>
+                  </a:txBody>
+                  <a:tcPr marL="91440" marR="91440"/>
+                </a:tc>
+                <a:tc>
+                  <a:txBody>
+                    <a:bodyPr vert="horz" wrap="square" lIns="91440" tIns="45720" rIns="91440" bIns="45720" anchor="t" anchorCtr="0">
+                      <a:spAutoFit/>
+                    </a:bodyPr>
+                    <a:p>
+                      <a:pPr>
+                        <a:defRPr lang="ko-KR" altLang="en-US"/>
+                      </a:pPr>
+                      <a:r>
+                        <a:rPr lang="ko-KR" altLang="en-US"/>
+                        <a:t>진행</a:t>
+                      </a:r>
+                      <a:endParaRPr lang="ko-KR" altLang="en-US"/>
+                    </a:p>
+                  </a:txBody>
+                  <a:tcPr marL="91440" marR="91440"/>
+                </a:tc>
+                <a:tc>
+                  <a:txBody>
+                    <a:bodyPr vert="horz" wrap="square" lIns="91440" tIns="45720" rIns="91440" bIns="45720" anchor="t" anchorCtr="0">
+                      <a:spAutoFit/>
+                    </a:bodyPr>
+                    <a:p>
+                      <a:pPr>
+                        <a:defRPr lang="ko-KR" altLang="en-US"/>
+                      </a:pPr>
+                      <a:endParaRPr lang="ko-KR" altLang="en-US"/>
+                    </a:p>
+                  </a:txBody>
+                  <a:tcPr marL="91440" marR="91440"/>
+                </a:tc>
+                <a:tc>
+                  <a:txBody>
+                    <a:bodyPr vert="horz" wrap="square" lIns="91440" tIns="45720" rIns="91440" bIns="45720" anchor="t" anchorCtr="0">
+                      <a:spAutoFit/>
+                    </a:bodyPr>
+                    <a:p>
+                      <a:pPr>
+                        <a:defRPr lang="ko-KR" altLang="en-US"/>
+                      </a:pPr>
+                      <a:endParaRPr lang="ko-KR" altLang="en-US"/>
+                    </a:p>
+                  </a:txBody>
+                  <a:tcPr marL="91440" marR="91440"/>
+                </a:tc>
+              </a:tr>
+              <a:tr h="370840">
+                <a:tc>
+                  <a:txBody>
+                    <a:bodyPr vert="horz" wrap="square" lIns="91440" tIns="45720" rIns="91440" bIns="45720" anchor="t" anchorCtr="0">
+                      <a:spAutoFit/>
+                    </a:bodyPr>
+                    <a:p>
+                      <a:pPr>
+                        <a:defRPr lang="ko-KR" altLang="en-US"/>
+                      </a:pPr>
+                      <a:r>
+                        <a:rPr lang="ko-KR" altLang="en-US"/>
+                        <a:t>동작테스트 및 시연</a:t>
+                      </a:r>
+                      <a:endParaRPr lang="ko-KR" altLang="en-US"/>
+                    </a:p>
+                  </a:txBody>
+                  <a:tcPr marL="91440" marR="91440"/>
+                </a:tc>
+                <a:tc>
+                  <a:txBody>
+                    <a:bodyPr vert="horz" wrap="square" lIns="91440" tIns="45720" rIns="91440" bIns="45720" anchor="t" anchorCtr="0">
+                      <a:spAutoFit/>
+                    </a:bodyPr>
+                    <a:p>
+                      <a:pPr>
+                        <a:defRPr lang="ko-KR" altLang="en-US"/>
+                      </a:pPr>
+                      <a:endParaRPr lang="ko-KR" altLang="en-US"/>
+                    </a:p>
+                  </a:txBody>
+                  <a:tcPr marL="91440" marR="91440"/>
+                </a:tc>
+                <a:tc>
+                  <a:txBody>
+                    <a:bodyPr vert="horz" wrap="square" lIns="91440" tIns="45720" rIns="91440" bIns="45720" anchor="t" anchorCtr="0">
+                      <a:spAutoFit/>
+                    </a:bodyPr>
+                    <a:p>
+                      <a:pPr>
+                        <a:defRPr lang="ko-KR" altLang="en-US"/>
+                      </a:pPr>
+                      <a:r>
+                        <a:rPr lang="ko-KR" altLang="en-US"/>
+                        <a:t>진행</a:t>
+                      </a:r>
+                      <a:endParaRPr lang="ko-KR" altLang="en-US"/>
+                    </a:p>
+                  </a:txBody>
+                  <a:tcPr marL="91440" marR="91440"/>
+                </a:tc>
+                <a:tc>
+                  <a:txBody>
+                    <a:bodyPr vert="horz" wrap="square" lIns="91440" tIns="45720" rIns="91440" bIns="45720" anchor="t" anchorCtr="0">
+                      <a:spAutoFit/>
+                    </a:bodyPr>
+                    <a:p>
+                      <a:pPr>
+                        <a:defRPr lang="ko-KR" altLang="en-US"/>
+                      </a:pPr>
+                      <a:endParaRPr lang="ko-KR" altLang="en-US"/>
+                    </a:p>
+                  </a:txBody>
+                  <a:tcPr marL="91440" marR="91440"/>
+                </a:tc>
+                <a:tc>
+                  <a:txBody>
+                    <a:bodyPr vert="horz" wrap="square" lIns="91440" tIns="45720" rIns="91440" bIns="45720" anchor="t" anchorCtr="0">
+                      <a:spAutoFit/>
+                    </a:bodyPr>
+                    <a:p>
+                      <a:pPr>
+                        <a:defRPr lang="ko-KR" altLang="en-US"/>
+                      </a:pPr>
+                      <a:endParaRPr lang="ko-KR" altLang="en-US"/>
+                    </a:p>
+                  </a:txBody>
+                  <a:tcPr marL="91440" marR="91440"/>
+                </a:tc>
+              </a:tr>
+              <a:tr h="370840">
+                <a:tc>
+                  <a:txBody>
+                    <a:bodyPr vert="horz" wrap="square" lIns="91440" tIns="45720" rIns="91440" bIns="45720" anchor="t" anchorCtr="0">
+                      <a:spAutoFit/>
+                    </a:bodyPr>
+                    <a:p>
+                      <a:pPr>
+                        <a:defRPr lang="ko-KR" altLang="en-US"/>
+                      </a:pPr>
+                      <a:r>
+                        <a:rPr lang="ko-KR" altLang="en-US"/>
+                        <a:t>유지보수</a:t>
+                      </a:r>
+                      <a:endParaRPr lang="ko-KR" altLang="en-US"/>
+                    </a:p>
+                  </a:txBody>
+                  <a:tcPr marL="91440" marR="91440"/>
+                </a:tc>
+                <a:tc>
+                  <a:txBody>
+                    <a:bodyPr vert="horz" wrap="square" lIns="91440" tIns="45720" rIns="91440" bIns="45720" anchor="t" anchorCtr="0">
+                      <a:spAutoFit/>
+                    </a:bodyPr>
+                    <a:p>
+                      <a:pPr>
+                        <a:defRPr lang="ko-KR" altLang="en-US"/>
+                      </a:pPr>
+                      <a:endParaRPr lang="ko-KR" altLang="en-US"/>
+                    </a:p>
+                  </a:txBody>
+                  <a:tcPr marL="91440" marR="91440"/>
+                </a:tc>
+                <a:tc>
+                  <a:txBody>
+                    <a:bodyPr vert="horz" wrap="square" lIns="91440" tIns="45720" rIns="91440" bIns="45720" anchor="t" anchorCtr="0">
+                      <a:spAutoFit/>
+                    </a:bodyPr>
+                    <a:p>
+                      <a:pPr>
+                        <a:defRPr lang="ko-KR" altLang="en-US"/>
+                      </a:pPr>
+                      <a:endParaRPr lang="ko-KR" altLang="en-US"/>
+                    </a:p>
+                  </a:txBody>
+                  <a:tcPr marL="91440" marR="91440"/>
+                </a:tc>
+                <a:tc>
+                  <a:txBody>
+                    <a:bodyPr vert="horz" wrap="square" lIns="91440" tIns="45720" rIns="91440" bIns="45720" anchor="t" anchorCtr="0">
+                      <a:spAutoFit/>
+                    </a:bodyPr>
+                    <a:p>
+                      <a:pPr>
+                        <a:defRPr lang="ko-KR" altLang="en-US"/>
+                      </a:pPr>
+                      <a:endParaRPr lang="ko-KR" altLang="en-US"/>
+                    </a:p>
+                  </a:txBody>
+                  <a:tcPr marL="91440" marR="91440"/>
+                </a:tc>
+                <a:tc>
+                  <a:txBody>
+                    <a:bodyPr vert="horz" wrap="square" lIns="91440" tIns="45720" rIns="91440" bIns="45720" anchor="t" anchorCtr="0">
+                      <a:spAutoFit/>
+                    </a:bodyPr>
+                    <a:p>
+                      <a:pPr>
+                        <a:defRPr lang="ko-KR" altLang="en-US"/>
+                      </a:pPr>
+                      <a:endParaRPr lang="ko-KR" altLang="en-US"/>
+                    </a:p>
+                  </a:txBody>
+                  <a:tcPr marL="91440" marR="91440"/>
+                </a:tc>
+              </a:tr>
+            </a:tbl>
+          </a:graphicData>
+        </a:graphic>
+      </p:graphicFrame>
+    </p:spTree>
+  </p:cSld>
+  <p:clrMapOvr>
+    <a:masterClrMapping/>
+  </p:clrMapOvr>
+  <mc:AlternateContent xmlns:mc="http://schemas.openxmlformats.org/markup-compatibility/2006">
+    <mc:Choice xmlns:p14="http://schemas.microsoft.com/office/powerpoint/2010/main" Requires="p14">
+      <p:transition xmlns:mc="http://schemas.openxmlformats.org/markup-compatibility/2006" xmlns:p14="http://schemas.microsoft.com/office/powerpoint/2010/main" mc:Ignorable="p14" p14:dur="500"/>
+    </mc:Choice>
+    <mc:Fallback>
+      <p:transition/>
+    </mc:Fallback>
+  </mc:AlternateContent>
+</p:sld>
+</file>
+
+<file path=ppt/slides/slide19.xml><?xml version="1.0" encoding="utf-8"?>
 <p:sld xmlns:r="http://schemas.openxmlformats.org/officeDocument/2006/relationships" xmlns:c="http://schemas.openxmlformats.org/drawingml/2006/chart" xmlns:a="http://schemas.openxmlformats.org/drawingml/2006/main" xmlns:dgm="http://schemas.openxmlformats.org/drawingml/2006/diagram" xmlns:dsp="http://schemas.microsoft.com/office/drawing/2008/diagram" xmlns:p="http://schemas.openxmlformats.org/presentationml/2006/main">
   <p:cSld>
     <p:spTree>
@@ -8324,7 +9611,7 @@
           </a:bodyPr>
           <a:lstStyle/>
           <a:p>
-            <a:pPr marL="609600" indent="-609600" defTabSz="426856">
+            <a:pPr marL="609600" indent="-609600" defTabSz="420133">
               <a:lnSpc>
                 <a:spcPct val="150000"/>
               </a:lnSpc>
@@ -8655,7 +9942,7 @@
                 <a:latin typeface="맑은 고딕"/>
                 <a:cs typeface="Arial"/>
               </a:rPr>
-              <a:t>.	</a:t>
+              <a:t>.</a:t>
             </a:r>
             <a:r>
               <a:rPr lang="ko-KR" altLang="en-US" sz="2000" b="1">
@@ -8665,7 +9952,7 @@
                 <a:latin typeface="맑은 고딕"/>
                 <a:cs typeface="Arial"/>
               </a:rPr>
-              <a:t>개발 환경</a:t>
+              <a:t>   개발 환경</a:t>
             </a:r>
             <a:endParaRPr lang="ko-KR" altLang="en-US" sz="2000" b="1">
               <a:solidFill>

--- a/개인프로젝트.pptx
+++ b/개인프로젝트.pptx
@@ -2,7 +2,7 @@
 <file path=ppt/presentation.xml><?xml version="1.0" encoding="utf-8"?>
 <p:presentation xmlns:r="http://schemas.openxmlformats.org/officeDocument/2006/relationships" xmlns:c="http://schemas.openxmlformats.org/drawingml/2006/chart" xmlns:a="http://schemas.openxmlformats.org/drawingml/2006/main" xmlns:dgm="http://schemas.openxmlformats.org/drawingml/2006/diagram" xmlns:dsp="http://schemas.microsoft.com/office/drawing/2008/diagram" xmlns:p="http://schemas.openxmlformats.org/presentationml/2006/main" removePersonalInfoOnSave="1" saveSubsetFonts="1">
   <p:sldMasterIdLst>
-    <p:sldMasterId id="2147483685" r:id="rId1"/>
+    <p:sldMasterId id="2147483677" r:id="rId1"/>
   </p:sldMasterIdLst>
   <p:notesMasterIdLst>
     <p:notesMasterId r:id="rId2"/>
@@ -30,6 +30,10 @@
     <p:sldId id="272" r:id="rId20"/>
     <p:sldId id="273" r:id="rId21"/>
     <p:sldId id="274" r:id="rId22"/>
+    <p:sldId id="275" r:id="rId23"/>
+    <p:sldId id="276" r:id="rId24"/>
+    <p:sldId id="277" r:id="rId25"/>
+    <p:sldId id="278" r:id="rId26"/>
   </p:sldIdLst>
   <p:sldSz cx="12192000" cy="6858000"/>
   <p:notesSz cx="6858000" cy="9144000"/>
@@ -232,7 +236,7 @@
               <a:pPr lvl="0">
                 <a:defRPr lang="ko-KR" altLang="en-US"/>
               </a:pPr>
-              <a:t>11/13/2017</a:t>
+              <a:t>11/20/2017</a:t>
             </a:fld>
             <a:endParaRPr lang="ko-KR">
               <a:latin typeface="맑은 고딕"/>
@@ -432,7 +436,7 @@
               <a:pPr lvl="0">
                 <a:defRPr lang="ko-KR" altLang="en-US"/>
               </a:pPr>
-              <a:t>11/13/2017</a:t>
+              <a:t>11/20/2017</a:t>
             </a:fld>
             <a:endParaRPr lang="ko-KR" altLang="en-US"/>
           </a:p>
@@ -5792,7 +5796,7 @@
               <a:rPr lang="ko-KR" altLang="en-US" sz="4600" b="1"/>
               <a:t>개인 프로젝트</a:t>
             </a:r>
-            <a:endParaRPr lang="en-US" altLang="ko-KR" b="1"/>
+            <a:endParaRPr lang="ko-KR" altLang="en-US" sz="4600" b="1"/>
           </a:p>
           <a:p>
             <a:pPr lvl="0">
@@ -5800,23 +5804,11 @@
             </a:pPr>
             <a:r>
               <a:rPr lang="en-US" altLang="ko-KR" b="1"/>
-              <a:t>   </a:t>
-            </a:r>
-            <a:r>
-              <a:rPr lang="en-US" altLang="ko-KR" sz="2500" b="1"/>
-              <a:t> </a:t>
+              <a:t>  </a:t>
             </a:r>
             <a:r>
               <a:rPr lang="ko-KR" altLang="en-US" sz="2500" b="1"/>
-              <a:t>-패킷을 이용한 </a:t>
-            </a:r>
-            <a:r>
-              <a:rPr lang="en-US" altLang="ko-KR" sz="2500" b="1"/>
-              <a:t>Target</a:t>
-            </a:r>
-            <a:r>
-              <a:rPr lang="ko-KR" altLang="en-US" sz="2500" b="1"/>
-              <a:t> 탐지-</a:t>
+              <a:t>- 패킷을 이용한 사용자 탐지 및 인사-</a:t>
             </a:r>
             <a:br>
               <a:rPr lang="en-US" altLang="ko-KR" sz="2500" b="1"/>
@@ -5973,7 +5965,7 @@
               </a:avLst>
             </a:prstGeom>
             <a:blipFill rotWithShape="1">
-              <a:blip r:embed="rId4"/>
+              <a:blip r:embed="rId3"/>
               <a:tile tx="0" ty="0" sx="100000" sy="100000" flip="none" algn="tl"/>
             </a:blipFill>
             <a:ln>
@@ -6037,7 +6029,7 @@
               </a:avLst>
             </a:prstGeom>
             <a:blipFill rotWithShape="1">
-              <a:blip r:embed="rId5"/>
+              <a:blip r:embed="rId4"/>
               <a:tile tx="0" ty="0" sx="100000" sy="100000" flip="none" algn="tl"/>
             </a:blipFill>
             <a:ln>
@@ -6088,7 +6080,7 @@
               </a:avLst>
             </a:prstGeom>
             <a:blipFill rotWithShape="1">
-              <a:blip r:embed="rId5"/>
+              <a:blip r:embed="rId4"/>
               <a:tile tx="0" ty="0" sx="100000" sy="100000" flip="none" algn="tl"/>
             </a:blipFill>
             <a:ln>
@@ -6151,745 +6143,6 @@
 </file>
 
 <file path=ppt/slides/slide10.xml><?xml version="1.0" encoding="utf-8"?>
-<p:sld xmlns:r="http://schemas.openxmlformats.org/officeDocument/2006/relationships" xmlns:c="http://schemas.openxmlformats.org/drawingml/2006/chart" xmlns:a="http://schemas.openxmlformats.org/drawingml/2006/main" xmlns:dgm="http://schemas.openxmlformats.org/drawingml/2006/diagram" xmlns:dsp="http://schemas.microsoft.com/office/drawing/2008/diagram" xmlns:p="http://schemas.openxmlformats.org/presentationml/2006/main">
-  <p:cSld>
-    <p:spTree>
-      <p:nvGrpSpPr>
-        <p:cNvPr id="1" name=""/>
-        <p:cNvGrpSpPr/>
-        <p:nvPr/>
-      </p:nvGrpSpPr>
-      <p:grpSpPr>
-        <a:xfrm>
-          <a:off x="0" y="0"/>
-          <a:ext cx="0" cy="0"/>
-          <a:chOff x="0" y="0"/>
-          <a:chExt cx="0" cy="0"/>
-        </a:xfrm>
-      </p:grpSpPr>
-      <p:sp>
-        <p:nvSpPr>
-          <p:cNvPr id="2" name="제목 1"/>
-          <p:cNvSpPr>
-            <a:spLocks noGrp="1"/>
-          </p:cNvSpPr>
-          <p:nvPr>
-            <p:ph type="title" idx="0"/>
-          </p:nvPr>
-        </p:nvSpPr>
-        <p:spPr/>
-        <p:txBody>
-          <a:bodyPr/>
-          <a:lstStyle/>
-          <a:p>
-            <a:pPr>
-              <a:defRPr lang="ko-KR" altLang="en-US"/>
-            </a:pPr>
-            <a:r>
-              <a:rPr lang="ko-KR" altLang="en-US"/>
-              <a:t> </a:t>
-            </a:r>
-            <a:r>
-              <a:rPr lang="en-US" altLang="ko-KR"/>
-              <a:t>Probe Request	</a:t>
-            </a:r>
-            <a:endParaRPr lang="en-US" altLang="ko-KR"/>
-          </a:p>
-        </p:txBody>
-      </p:sp>
-      <p:sp>
-        <p:nvSpPr>
-          <p:cNvPr id="3" name="내용 개체 틀 2"/>
-          <p:cNvSpPr>
-            <a:spLocks noGrp="1"/>
-          </p:cNvSpPr>
-          <p:nvPr>
-            <p:ph idx="1"/>
-          </p:nvPr>
-        </p:nvSpPr>
-        <p:spPr>
-          <a:xfrm>
-            <a:off x="1295400" y="5176982"/>
-            <a:ext cx="9601200" cy="995218"/>
-          </a:xfrm>
-        </p:spPr>
-        <p:txBody>
-          <a:bodyPr/>
-          <a:lstStyle/>
-          <a:p>
-            <a:pPr algn="ctr">
-              <a:buNone/>
-              <a:defRPr lang="ko-KR" altLang="en-US"/>
-            </a:pPr>
-            <a:r>
-              <a:rPr lang="en-US" altLang="ko-KR"/>
-              <a:t>AP</a:t>
-            </a:r>
-            <a:r>
-              <a:rPr lang="ko-KR" altLang="en-US"/>
-              <a:t>를 설치하게되면 </a:t>
-            </a:r>
-            <a:r>
-              <a:rPr lang="en-US" altLang="ko-KR"/>
-              <a:t>Wifi</a:t>
-            </a:r>
-            <a:r>
-              <a:rPr lang="ko-KR" altLang="en-US"/>
-              <a:t>를 작동시킨 </a:t>
-            </a:r>
-            <a:r>
-              <a:rPr lang="en-US" altLang="ko-KR"/>
-              <a:t>Station</a:t>
-            </a:r>
-            <a:r>
-              <a:rPr lang="ko-KR" altLang="en-US"/>
-              <a:t>은 </a:t>
-            </a:r>
-            <a:r>
-              <a:rPr lang="en-US" altLang="ko-KR"/>
-              <a:t>AP</a:t>
-            </a:r>
-            <a:r>
-              <a:rPr lang="ko-KR" altLang="en-US"/>
-              <a:t>주변의 </a:t>
-            </a:r>
-            <a:r>
-              <a:rPr lang="en-US" altLang="ko-KR"/>
-              <a:t>Station</a:t>
-            </a:r>
-            <a:r>
-              <a:rPr lang="ko-KR" altLang="en-US"/>
-              <a:t>는 </a:t>
-            </a:r>
-            <a:r>
-              <a:rPr lang="en-US" altLang="ko-KR"/>
-              <a:t>Probe Request</a:t>
-            </a:r>
-            <a:r>
-              <a:rPr lang="ko-KR" altLang="en-US"/>
-              <a:t> 패킷을 발생시킴</a:t>
-            </a:r>
-            <a:endParaRPr lang="ko-KR" altLang="en-US"/>
-          </a:p>
-        </p:txBody>
-      </p:sp>
-      <p:pic>
-        <p:nvPicPr>
-          <p:cNvPr id="4" name=""/>
-          <p:cNvPicPr>
-            <a:picLocks noChangeAspect="1"/>
-          </p:cNvPicPr>
-          <p:nvPr/>
-        </p:nvPicPr>
-        <p:blipFill rotWithShape="1">
-          <a:blip r:embed="rId2"/>
-          <a:stretch>
-            <a:fillRect/>
-          </a:stretch>
-        </p:blipFill>
-        <p:spPr>
-          <a:xfrm>
-            <a:off x="4330853" y="2114949"/>
-            <a:ext cx="2981884" cy="2628102"/>
-          </a:xfrm>
-          <a:prstGeom prst="rect">
-            <a:avLst/>
-          </a:prstGeom>
-        </p:spPr>
-      </p:pic>
-    </p:spTree>
-  </p:cSld>
-  <p:clrMapOvr>
-    <a:masterClrMapping/>
-  </p:clrMapOvr>
-  <mc:AlternateContent xmlns:mc="http://schemas.openxmlformats.org/markup-compatibility/2006">
-    <mc:Choice xmlns:p14="http://schemas.microsoft.com/office/powerpoint/2010/main" Requires="p14">
-      <p:transition xmlns:mc="http://schemas.openxmlformats.org/markup-compatibility/2006" xmlns:p14="http://schemas.microsoft.com/office/powerpoint/2010/main" mc:Ignorable="p14" p14:dur="500"/>
-    </mc:Choice>
-    <mc:Fallback>
-      <p:transition/>
-    </mc:Fallback>
-  </mc:AlternateContent>
-</p:sld>
-</file>
-
-<file path=ppt/slides/slide11.xml><?xml version="1.0" encoding="utf-8"?>
-<p:sld xmlns:r="http://schemas.openxmlformats.org/officeDocument/2006/relationships" xmlns:c="http://schemas.openxmlformats.org/drawingml/2006/chart" xmlns:a="http://schemas.openxmlformats.org/drawingml/2006/main" xmlns:dgm="http://schemas.openxmlformats.org/drawingml/2006/diagram" xmlns:dsp="http://schemas.microsoft.com/office/drawing/2008/diagram" xmlns:p="http://schemas.openxmlformats.org/presentationml/2006/main">
-  <p:cSld>
-    <p:spTree>
-      <p:nvGrpSpPr>
-        <p:cNvPr id="1" name=""/>
-        <p:cNvGrpSpPr/>
-        <p:nvPr/>
-      </p:nvGrpSpPr>
-      <p:grpSpPr>
-        <a:xfrm>
-          <a:off x="0" y="0"/>
-          <a:ext cx="0" cy="0"/>
-          <a:chOff x="0" y="0"/>
-          <a:chExt cx="0" cy="0"/>
-        </a:xfrm>
-      </p:grpSpPr>
-      <p:sp>
-        <p:nvSpPr>
-          <p:cNvPr id="2" name="제목 1"/>
-          <p:cNvSpPr>
-            <a:spLocks noGrp="1"/>
-          </p:cNvSpPr>
-          <p:nvPr>
-            <p:ph type="title" idx="0"/>
-          </p:nvPr>
-        </p:nvSpPr>
-        <p:spPr/>
-        <p:txBody>
-          <a:bodyPr/>
-          <a:lstStyle/>
-          <a:p>
-            <a:pPr>
-              <a:defRPr lang="ko-KR" altLang="en-US"/>
-            </a:pPr>
-            <a:r>
-              <a:rPr lang="en-US" altLang="ko-KR"/>
-              <a:t>Probe Request </a:t>
-            </a:r>
-            <a:r>
-              <a:rPr lang="ko-KR" altLang="en-US"/>
-              <a:t>탐지</a:t>
-            </a:r>
-            <a:endParaRPr lang="ko-KR" altLang="en-US"/>
-          </a:p>
-        </p:txBody>
-      </p:sp>
-      <p:sp>
-        <p:nvSpPr>
-          <p:cNvPr id="3" name="내용 개체 틀 2"/>
-          <p:cNvSpPr>
-            <a:spLocks noGrp="1"/>
-          </p:cNvSpPr>
-          <p:nvPr>
-            <p:ph idx="1"/>
-          </p:nvPr>
-        </p:nvSpPr>
-        <p:spPr>
-          <a:xfrm>
-            <a:off x="1295400" y="4974937"/>
-            <a:ext cx="9601200" cy="1615786"/>
-          </a:xfrm>
-        </p:spPr>
-        <p:txBody>
-          <a:bodyPr/>
-          <a:lstStyle/>
-          <a:p>
-            <a:pPr algn="ctr">
-              <a:buNone/>
-              <a:defRPr lang="ko-KR" altLang="en-US"/>
-            </a:pPr>
-            <a:r>
-              <a:rPr lang="en-US" altLang="ko-KR"/>
-              <a:t>AP</a:t>
-            </a:r>
-            <a:r>
-              <a:rPr lang="ko-KR" altLang="en-US"/>
-              <a:t>를 탐색하기위한 </a:t>
-            </a:r>
-            <a:r>
-              <a:rPr lang="en-US" altLang="ko-KR"/>
-              <a:t>Probe Request</a:t>
-            </a:r>
-            <a:r>
-              <a:rPr lang="ko-KR" altLang="en-US"/>
-              <a:t> 패킷을 탐지하여 </a:t>
-            </a:r>
-            <a:endParaRPr lang="ko-KR" altLang="en-US"/>
-          </a:p>
-          <a:p>
-            <a:pPr algn="ctr">
-              <a:buNone/>
-              <a:defRPr lang="ko-KR" altLang="en-US"/>
-            </a:pPr>
-            <a:r>
-              <a:rPr lang="ko-KR" altLang="en-US"/>
-              <a:t>특정한 </a:t>
-            </a:r>
-            <a:r>
-              <a:rPr lang="en-US" altLang="ko-KR"/>
-              <a:t>Target</a:t>
-            </a:r>
-            <a:r>
-              <a:rPr lang="ko-KR" altLang="en-US"/>
-              <a:t>의 접근 여부를 알 수 있음</a:t>
-            </a:r>
-            <a:endParaRPr lang="ko-KR" altLang="en-US"/>
-          </a:p>
-        </p:txBody>
-      </p:sp>
-      <p:pic>
-        <p:nvPicPr>
-          <p:cNvPr id="4" name=""/>
-          <p:cNvPicPr>
-            <a:picLocks noChangeAspect="1"/>
-          </p:cNvPicPr>
-          <p:nvPr/>
-        </p:nvPicPr>
-        <p:blipFill rotWithShape="1">
-          <a:blip r:embed="rId2"/>
-          <a:stretch>
-            <a:fillRect/>
-          </a:stretch>
-        </p:blipFill>
-        <p:spPr>
-          <a:xfrm>
-            <a:off x="1748413" y="2285901"/>
-            <a:ext cx="8695173" cy="2286198"/>
-          </a:xfrm>
-          <a:prstGeom prst="rect">
-            <a:avLst/>
-          </a:prstGeom>
-        </p:spPr>
-      </p:pic>
-    </p:spTree>
-  </p:cSld>
-  <p:clrMapOvr>
-    <a:masterClrMapping/>
-  </p:clrMapOvr>
-  <mc:AlternateContent xmlns:mc="http://schemas.openxmlformats.org/markup-compatibility/2006">
-    <mc:Choice xmlns:p14="http://schemas.microsoft.com/office/powerpoint/2010/main" Requires="p14">
-      <p:transition xmlns:mc="http://schemas.openxmlformats.org/markup-compatibility/2006" xmlns:p14="http://schemas.microsoft.com/office/powerpoint/2010/main" mc:Ignorable="p14" p14:dur="500"/>
-    </mc:Choice>
-    <mc:Fallback>
-      <p:transition/>
-    </mc:Fallback>
-  </mc:AlternateContent>
-</p:sld>
-</file>
-
-<file path=ppt/slides/slide12.xml><?xml version="1.0" encoding="utf-8"?>
-<p:sld xmlns:r="http://schemas.openxmlformats.org/officeDocument/2006/relationships" xmlns:c="http://schemas.openxmlformats.org/drawingml/2006/chart" xmlns:a="http://schemas.openxmlformats.org/drawingml/2006/main" xmlns:dgm="http://schemas.openxmlformats.org/drawingml/2006/diagram" xmlns:dsp="http://schemas.microsoft.com/office/drawing/2008/diagram" xmlns:p="http://schemas.openxmlformats.org/presentationml/2006/main">
-  <p:cSld>
-    <p:spTree>
-      <p:nvGrpSpPr>
-        <p:cNvPr id="1" name=""/>
-        <p:cNvGrpSpPr/>
-        <p:nvPr/>
-      </p:nvGrpSpPr>
-      <p:grpSpPr>
-        <a:xfrm>
-          <a:off x="0" y="0"/>
-          <a:ext cx="0" cy="0"/>
-          <a:chOff x="0" y="0"/>
-          <a:chExt cx="0" cy="0"/>
-        </a:xfrm>
-      </p:grpSpPr>
-      <p:sp>
-        <p:nvSpPr>
-          <p:cNvPr id="2" name="제목 1"/>
-          <p:cNvSpPr>
-            <a:spLocks noGrp="1"/>
-          </p:cNvSpPr>
-          <p:nvPr>
-            <p:ph type="title" idx="0"/>
-          </p:nvPr>
-        </p:nvSpPr>
-        <p:spPr/>
-        <p:txBody>
-          <a:bodyPr/>
-          <a:lstStyle/>
-          <a:p>
-            <a:pPr>
-              <a:defRPr lang="ko-KR" altLang="en-US"/>
-            </a:pPr>
-            <a:r>
-              <a:rPr lang="en-US" altLang="ko-KR"/>
-              <a:t>Mysql Table </a:t>
-            </a:r>
-            <a:r>
-              <a:rPr lang="ko-KR" altLang="en-US"/>
-              <a:t>구성</a:t>
-            </a:r>
-            <a:endParaRPr lang="ko-KR" altLang="en-US"/>
-          </a:p>
-        </p:txBody>
-      </p:sp>
-      <p:sp>
-        <p:nvSpPr>
-          <p:cNvPr id="3" name="내용 개체 틀 2"/>
-          <p:cNvSpPr>
-            <a:spLocks noGrp="1"/>
-          </p:cNvSpPr>
-          <p:nvPr>
-            <p:ph idx="1"/>
-          </p:nvPr>
-        </p:nvSpPr>
-        <p:spPr/>
-        <p:txBody>
-          <a:bodyPr/>
-          <a:lstStyle/>
-          <a:p>
-            <a:pPr>
-              <a:buNone/>
-              <a:defRPr lang="ko-KR" altLang="en-US"/>
-            </a:pPr>
-            <a:r>
-              <a:rPr lang="en-US" altLang="ko-KR"/>
-              <a:t>Table </a:t>
-            </a:r>
-            <a:r>
-              <a:rPr lang="ko-KR" altLang="en-US"/>
-              <a:t>명 = </a:t>
-            </a:r>
-            <a:r>
-              <a:rPr lang="en-US" altLang="ko-KR"/>
-              <a:t>dev_info, footprint, first_footprint</a:t>
-            </a:r>
-            <a:endParaRPr lang="en-US" altLang="ko-KR"/>
-          </a:p>
-          <a:p>
-            <a:pPr>
-              <a:buNone/>
-              <a:defRPr lang="ko-KR" altLang="en-US"/>
-            </a:pPr>
-            <a:endParaRPr lang="en-US" altLang="ko-KR"/>
-          </a:p>
-          <a:p>
-            <a:pPr>
-              <a:buNone/>
-              <a:defRPr lang="ko-KR" altLang="en-US"/>
-            </a:pPr>
-            <a:r>
-              <a:rPr lang="en-US" altLang="ko-KR"/>
-              <a:t>dev_info</a:t>
-            </a:r>
-            <a:r>
-              <a:rPr lang="ko-KR" altLang="en-US"/>
-              <a:t> -&gt;</a:t>
-            </a:r>
-            <a:r>
-              <a:rPr lang="en-US" altLang="ko-KR"/>
-              <a:t>mac</a:t>
-            </a:r>
-            <a:r>
-              <a:rPr lang="ko-KR" altLang="en-US"/>
-              <a:t>주소와 </a:t>
-            </a:r>
-            <a:r>
-              <a:rPr lang="en-US" altLang="ko-KR"/>
-              <a:t>name</a:t>
-            </a:r>
-            <a:r>
-              <a:rPr lang="ko-KR" altLang="en-US"/>
-              <a:t>이 저장됨</a:t>
-            </a:r>
-            <a:endParaRPr lang="ko-KR" altLang="en-US"/>
-          </a:p>
-          <a:p>
-            <a:pPr>
-              <a:buNone/>
-              <a:defRPr lang="ko-KR" altLang="en-US"/>
-            </a:pPr>
-            <a:endParaRPr lang="ko-KR" altLang="en-US"/>
-          </a:p>
-          <a:p>
-            <a:pPr>
-              <a:buNone/>
-              <a:defRPr lang="ko-KR" altLang="en-US"/>
-            </a:pPr>
-            <a:r>
-              <a:rPr lang="en-US" altLang="ko-KR"/>
-              <a:t>footprint -&gt; mac</a:t>
-            </a:r>
-            <a:r>
-              <a:rPr lang="ko-KR" altLang="en-US"/>
-              <a:t>주소와 현재감지시간이 저장된다. (</a:t>
-            </a:r>
-            <a:r>
-              <a:rPr lang="en-US" altLang="ko-KR"/>
-              <a:t>mac,time)</a:t>
-            </a:r>
-            <a:endParaRPr lang="en-US" altLang="ko-KR"/>
-          </a:p>
-          <a:p>
-            <a:pPr>
-              <a:buNone/>
-              <a:defRPr lang="ko-KR" altLang="en-US"/>
-            </a:pPr>
-            <a:endParaRPr lang="ko-KR" altLang="en-US"/>
-          </a:p>
-          <a:p>
-            <a:pPr>
-              <a:buNone/>
-              <a:defRPr lang="ko-KR" altLang="en-US"/>
-            </a:pPr>
-            <a:r>
-              <a:rPr lang="en-US" altLang="ko-KR"/>
-              <a:t>first_footprintf -&gt; dev</a:t>
-            </a:r>
-            <a:r>
-              <a:rPr lang="ko-KR" altLang="en-US"/>
-              <a:t>의 최초 감지 시간이 저장된다.(</a:t>
-            </a:r>
-            <a:r>
-              <a:rPr lang="en-US" altLang="ko-KR"/>
-              <a:t>mac,time)</a:t>
-            </a:r>
-            <a:endParaRPr lang="en-US" altLang="ko-KR"/>
-          </a:p>
-        </p:txBody>
-      </p:sp>
-    </p:spTree>
-  </p:cSld>
-  <p:clrMapOvr>
-    <a:masterClrMapping/>
-  </p:clrMapOvr>
-  <mc:AlternateContent xmlns:mc="http://schemas.openxmlformats.org/markup-compatibility/2006">
-    <mc:Choice xmlns:p14="http://schemas.microsoft.com/office/powerpoint/2010/main" Requires="p14">
-      <p:transition xmlns:mc="http://schemas.openxmlformats.org/markup-compatibility/2006" xmlns:p14="http://schemas.microsoft.com/office/powerpoint/2010/main" mc:Ignorable="p14" p14:dur="500"/>
-    </mc:Choice>
-    <mc:Fallback>
-      <p:transition/>
-    </mc:Fallback>
-  </mc:AlternateContent>
-</p:sld>
-</file>
-
-<file path=ppt/slides/slide13.xml><?xml version="1.0" encoding="utf-8"?>
-<p:sld xmlns:r="http://schemas.openxmlformats.org/officeDocument/2006/relationships" xmlns:c="http://schemas.openxmlformats.org/drawingml/2006/chart" xmlns:a="http://schemas.openxmlformats.org/drawingml/2006/main" xmlns:dgm="http://schemas.openxmlformats.org/drawingml/2006/diagram" xmlns:dsp="http://schemas.microsoft.com/office/drawing/2008/diagram" xmlns:p="http://schemas.openxmlformats.org/presentationml/2006/main">
-  <p:cSld>
-    <p:spTree>
-      <p:nvGrpSpPr>
-        <p:cNvPr id="1" name=""/>
-        <p:cNvGrpSpPr/>
-        <p:nvPr/>
-      </p:nvGrpSpPr>
-      <p:grpSpPr>
-        <a:xfrm>
-          <a:off x="0" y="0"/>
-          <a:ext cx="0" cy="0"/>
-          <a:chOff x="0" y="0"/>
-          <a:chExt cx="0" cy="0"/>
-        </a:xfrm>
-      </p:grpSpPr>
-      <p:sp>
-        <p:nvSpPr>
-          <p:cNvPr id="2" name="제목 1"/>
-          <p:cNvSpPr>
-            <a:spLocks noGrp="1"/>
-          </p:cNvSpPr>
-          <p:nvPr>
-            <p:ph type="title" idx="0"/>
-          </p:nvPr>
-        </p:nvSpPr>
-        <p:spPr/>
-        <p:txBody>
-          <a:bodyPr/>
-          <a:lstStyle/>
-          <a:p>
-            <a:pPr>
-              <a:defRPr lang="ko-KR" altLang="en-US"/>
-            </a:pPr>
-            <a:r>
-              <a:rPr lang="ko-KR" altLang="en-US"/>
-              <a:t>동작원리</a:t>
-            </a:r>
-            <a:endParaRPr lang="ko-KR" altLang="en-US"/>
-          </a:p>
-        </p:txBody>
-      </p:sp>
-      <p:sp>
-        <p:nvSpPr>
-          <p:cNvPr id="3" name="내용 개체 틀 2"/>
-          <p:cNvSpPr>
-            <a:spLocks noGrp="1"/>
-          </p:cNvSpPr>
-          <p:nvPr>
-            <p:ph idx="1"/>
-          </p:nvPr>
-        </p:nvSpPr>
-        <p:spPr/>
-        <p:txBody>
-          <a:bodyPr/>
-          <a:lstStyle/>
-          <a:p>
-            <a:pPr>
-              <a:defRPr lang="ko-KR" altLang="en-US"/>
-            </a:pPr>
-            <a:r>
-              <a:rPr lang="ko-KR" altLang="en-US"/>
-              <a:t>1. </a:t>
-            </a:r>
-            <a:r>
-              <a:rPr lang="en-US" altLang="ko-KR"/>
-              <a:t>pcap</a:t>
-            </a:r>
-            <a:r>
-              <a:rPr lang="ko-KR" altLang="en-US"/>
-              <a:t>을 통해 </a:t>
-            </a:r>
-            <a:r>
-              <a:rPr lang="en-US" altLang="ko-KR"/>
-              <a:t>probe request</a:t>
-            </a:r>
-            <a:r>
-              <a:rPr lang="ko-KR" altLang="en-US"/>
-              <a:t>를 감지한다. </a:t>
-            </a:r>
-            <a:endParaRPr lang="ko-KR" altLang="en-US"/>
-          </a:p>
-          <a:p>
-            <a:pPr>
-              <a:defRPr lang="ko-KR" altLang="en-US"/>
-            </a:pPr>
-            <a:r>
-              <a:rPr lang="ko-KR" altLang="en-US"/>
-              <a:t>2. 주소록에 등록되어있는 </a:t>
-            </a:r>
-            <a:r>
-              <a:rPr lang="en-US" altLang="ko-KR"/>
-              <a:t>mac</a:t>
-            </a:r>
-            <a:r>
-              <a:rPr lang="ko-KR" altLang="en-US"/>
-              <a:t>과 대조한다.</a:t>
-            </a:r>
-            <a:endParaRPr lang="ko-KR" altLang="en-US"/>
-          </a:p>
-          <a:p>
-            <a:pPr>
-              <a:defRPr lang="ko-KR" altLang="en-US"/>
-            </a:pPr>
-            <a:r>
-              <a:rPr lang="ko-KR" altLang="en-US"/>
-              <a:t>3. 없으면 새로 등록하면서 </a:t>
-            </a:r>
-            <a:r>
-              <a:rPr lang="en-US" altLang="ko-KR"/>
-              <a:t>first_footprint</a:t>
-            </a:r>
-            <a:r>
-              <a:rPr lang="ko-KR" altLang="en-US"/>
-              <a:t>를 남긴다.</a:t>
-            </a:r>
-            <a:endParaRPr lang="ko-KR" altLang="en-US"/>
-          </a:p>
-          <a:p>
-            <a:pPr>
-              <a:buNone/>
-              <a:defRPr lang="ko-KR" altLang="en-US"/>
-            </a:pPr>
-            <a:r>
-              <a:rPr lang="ko-KR" altLang="en-US"/>
-              <a:t>      처음 등록인데 주소록에 있다면 인사한다.</a:t>
-            </a:r>
-            <a:endParaRPr lang="ko-KR" altLang="en-US"/>
-          </a:p>
-          <a:p>
-            <a:pPr>
-              <a:defRPr lang="ko-KR" altLang="en-US"/>
-            </a:pPr>
-            <a:r>
-              <a:rPr lang="ko-KR" altLang="en-US"/>
-              <a:t>4. 있다면 </a:t>
-            </a:r>
-            <a:r>
-              <a:rPr lang="en-US" altLang="ko-KR"/>
-              <a:t>first_footprint</a:t>
-            </a:r>
-            <a:r>
-              <a:rPr lang="ko-KR" altLang="en-US"/>
-              <a:t>와 현재 들어온 시간을 비교한다.</a:t>
-            </a:r>
-            <a:endParaRPr lang="ko-KR" altLang="en-US"/>
-          </a:p>
-          <a:p>
-            <a:pPr>
-              <a:buNone/>
-              <a:defRPr lang="ko-KR" altLang="en-US"/>
-            </a:pPr>
-            <a:r>
-              <a:rPr lang="ko-KR" altLang="en-US"/>
-              <a:t>   </a:t>
-            </a:r>
-            <a:r>
-              <a:rPr lang="en-US" altLang="ko-KR"/>
-              <a:t> </a:t>
-            </a:r>
-            <a:r>
-              <a:rPr lang="ko-KR" altLang="en-US"/>
-              <a:t> </a:t>
-            </a:r>
-            <a:r>
-              <a:rPr lang="en-US" altLang="ko-KR"/>
-              <a:t> </a:t>
-            </a:r>
-            <a:r>
-              <a:rPr lang="ko-KR" altLang="en-US"/>
-              <a:t>비교시 5분차이가 난다면 새로 인사를 하고 그렇지 않다면</a:t>
-            </a:r>
-            <a:endParaRPr lang="ko-KR" altLang="en-US"/>
-          </a:p>
-          <a:p>
-            <a:pPr>
-              <a:buNone/>
-              <a:defRPr lang="ko-KR" altLang="en-US"/>
-            </a:pPr>
-            <a:r>
-              <a:rPr lang="ko-KR" altLang="en-US"/>
-              <a:t>      </a:t>
-            </a:r>
-            <a:r>
-              <a:rPr lang="en-US" altLang="ko-KR"/>
-              <a:t>first_footprint</a:t>
-            </a:r>
-            <a:r>
-              <a:rPr lang="ko-KR" altLang="en-US"/>
-              <a:t>를 갱신한다.</a:t>
-            </a:r>
-            <a:endParaRPr lang="ko-KR" altLang="en-US"/>
-          </a:p>
-          <a:p>
-            <a:pPr>
-              <a:defRPr lang="ko-KR" altLang="en-US"/>
-            </a:pPr>
-            <a:r>
-              <a:rPr lang="ko-KR" altLang="en-US"/>
-              <a:t>5. </a:t>
-            </a:r>
-            <a:r>
-              <a:rPr lang="en-US" altLang="ko-KR"/>
-              <a:t>dev</a:t>
-            </a:r>
-            <a:r>
-              <a:rPr lang="ko-KR" altLang="en-US"/>
-              <a:t>정보나 유동정보는 </a:t>
-            </a:r>
-            <a:r>
-              <a:rPr lang="en-US" altLang="ko-KR"/>
-              <a:t>web</a:t>
-            </a:r>
-            <a:r>
-              <a:rPr lang="ko-KR" altLang="en-US"/>
-              <a:t>에서 확인가능하다</a:t>
-            </a:r>
-            <a:endParaRPr lang="ko-KR" altLang="en-US"/>
-          </a:p>
-        </p:txBody>
-      </p:sp>
-    </p:spTree>
-  </p:cSld>
-  <p:clrMapOvr>
-    <a:masterClrMapping/>
-  </p:clrMapOvr>
-  <mc:AlternateContent xmlns:mc="http://schemas.openxmlformats.org/markup-compatibility/2006">
-    <mc:Choice xmlns:p14="http://schemas.microsoft.com/office/powerpoint/2010/main" Requires="p14">
-      <p:transition xmlns:mc="http://schemas.openxmlformats.org/markup-compatibility/2006" xmlns:p14="http://schemas.microsoft.com/office/powerpoint/2010/main" mc:Ignorable="p14" p14:dur="500"/>
-    </mc:Choice>
-    <mc:Fallback>
-      <p:transition/>
-    </mc:Fallback>
-  </mc:AlternateContent>
-</p:sld>
-</file>
-
-<file path=ppt/slides/slide14.xml><?xml version="1.0" encoding="utf-8"?>
 <p:sld xmlns:r="http://schemas.openxmlformats.org/officeDocument/2006/relationships" xmlns:c="http://schemas.openxmlformats.org/drawingml/2006/chart" xmlns:a="http://schemas.openxmlformats.org/drawingml/2006/main" xmlns:dgm="http://schemas.openxmlformats.org/drawingml/2006/diagram" xmlns:dsp="http://schemas.microsoft.com/office/drawing/2008/diagram" xmlns:p="http://schemas.openxmlformats.org/presentationml/2006/main">
   <p:cSld>
     <p:spTree>
@@ -7172,7 +6425,7 @@
                 <a:latin typeface="HY견고딕"/>
                 <a:ea typeface="HY견고딕"/>
               </a:rPr>
-              <a:t>시연 영상</a:t>
+              <a:t>프로그램 동작 원리</a:t>
             </a:r>
             <a:endParaRPr lang="ko-KR" altLang="en-US" sz="3200">
               <a:solidFill>
@@ -7211,6 +6464,773 @@
 </p:sld>
 </file>
 
+<file path=ppt/slides/slide11.xml><?xml version="1.0" encoding="utf-8"?>
+<p:sld xmlns:r="http://schemas.openxmlformats.org/officeDocument/2006/relationships" xmlns:c="http://schemas.openxmlformats.org/drawingml/2006/chart" xmlns:a="http://schemas.openxmlformats.org/drawingml/2006/main" xmlns:dgm="http://schemas.openxmlformats.org/drawingml/2006/diagram" xmlns:dsp="http://schemas.microsoft.com/office/drawing/2008/diagram" xmlns:p="http://schemas.openxmlformats.org/presentationml/2006/main">
+  <p:cSld>
+    <p:spTree>
+      <p:nvGrpSpPr>
+        <p:cNvPr id="1" name=""/>
+        <p:cNvGrpSpPr/>
+        <p:nvPr/>
+      </p:nvGrpSpPr>
+      <p:grpSpPr>
+        <a:xfrm>
+          <a:off x="0" y="0"/>
+          <a:ext cx="0" cy="0"/>
+          <a:chOff x="0" y="0"/>
+          <a:chExt cx="0" cy="0"/>
+        </a:xfrm>
+      </p:grpSpPr>
+      <p:sp>
+        <p:nvSpPr>
+          <p:cNvPr id="2" name="제목 1"/>
+          <p:cNvSpPr>
+            <a:spLocks noGrp="1"/>
+          </p:cNvSpPr>
+          <p:nvPr>
+            <p:ph type="title" idx="0"/>
+          </p:nvPr>
+        </p:nvSpPr>
+        <p:spPr/>
+        <p:txBody>
+          <a:bodyPr/>
+          <a:lstStyle/>
+          <a:p>
+            <a:pPr>
+              <a:defRPr lang="ko-KR" altLang="en-US"/>
+            </a:pPr>
+            <a:r>
+              <a:rPr lang="ko-KR" altLang="en-US"/>
+              <a:t>동작 원리</a:t>
+            </a:r>
+            <a:r>
+              <a:rPr lang="en-US" altLang="ko-KR"/>
+              <a:t>	</a:t>
+            </a:r>
+            <a:endParaRPr lang="en-US" altLang="ko-KR"/>
+          </a:p>
+        </p:txBody>
+      </p:sp>
+      <p:sp>
+        <p:nvSpPr>
+          <p:cNvPr id="3" name="내용 개체 틀 2"/>
+          <p:cNvSpPr>
+            <a:spLocks noGrp="1"/>
+          </p:cNvSpPr>
+          <p:nvPr>
+            <p:ph idx="1"/>
+          </p:nvPr>
+        </p:nvSpPr>
+        <p:spPr>
+          <a:xfrm>
+            <a:off x="1295400" y="5176982"/>
+            <a:ext cx="9601200" cy="995218"/>
+          </a:xfrm>
+        </p:spPr>
+        <p:txBody>
+          <a:bodyPr/>
+          <a:lstStyle/>
+          <a:p>
+            <a:pPr algn="ctr">
+              <a:buNone/>
+              <a:defRPr lang="ko-KR" altLang="en-US"/>
+            </a:pPr>
+            <a:r>
+              <a:rPr lang="ko-KR" altLang="en-US"/>
+              <a:t>와이파이를 켜둔 사용자가 라즈베리 파이를 설치해놓은 범위로</a:t>
+            </a:r>
+            <a:endParaRPr lang="ko-KR" altLang="en-US"/>
+          </a:p>
+          <a:p>
+            <a:pPr algn="ctr">
+              <a:buNone/>
+              <a:defRPr lang="ko-KR" altLang="en-US"/>
+            </a:pPr>
+            <a:r>
+              <a:rPr lang="ko-KR" altLang="en-US"/>
+              <a:t> 들어오게되면 등록된 음성파일이 자동으로 재생됨</a:t>
+            </a:r>
+            <a:endParaRPr lang="ko-KR" altLang="en-US"/>
+          </a:p>
+        </p:txBody>
+      </p:sp>
+      <p:grpSp>
+        <p:nvGrpSpPr>
+          <p:cNvPr id="9" name=""/>
+          <p:cNvGrpSpPr/>
+          <p:nvPr/>
+        </p:nvGrpSpPr>
+        <p:grpSpPr>
+          <a:xfrm rot="0">
+            <a:off x="1875764" y="2041630"/>
+            <a:ext cx="2883848" cy="2385079"/>
+            <a:chOff x="1023268" y="1211025"/>
+            <a:chExt cx="4535502" cy="3558080"/>
+          </a:xfrm>
+        </p:grpSpPr>
+        <p:pic>
+          <p:nvPicPr>
+            <p:cNvPr id="5" name=""/>
+            <p:cNvPicPr>
+              <a:picLocks noChangeAspect="1"/>
+            </p:cNvPicPr>
+            <p:nvPr/>
+          </p:nvPicPr>
+          <p:blipFill rotWithShape="1">
+            <a:blip r:embed="rId2"/>
+            <a:srcRect l="900" b="1070"/>
+            <a:stretch>
+              <a:fillRect/>
+            </a:stretch>
+          </p:blipFill>
+          <p:spPr>
+            <a:xfrm>
+              <a:off x="1023268" y="2088894"/>
+              <a:ext cx="1590277" cy="2680211"/>
+            </a:xfrm>
+            <a:prstGeom prst="rect">
+              <a:avLst/>
+            </a:prstGeom>
+          </p:spPr>
+        </p:pic>
+        <p:pic>
+          <p:nvPicPr>
+            <p:cNvPr id="6" name=""/>
+            <p:cNvPicPr>
+              <a:picLocks noChangeAspect="1"/>
+            </p:cNvPicPr>
+            <p:nvPr/>
+          </p:nvPicPr>
+          <p:blipFill rotWithShape="1">
+            <a:blip r:embed="rId3"/>
+            <a:stretch>
+              <a:fillRect/>
+            </a:stretch>
+          </p:blipFill>
+          <p:spPr>
+            <a:xfrm rot="2309108">
+              <a:off x="2463176" y="2715421"/>
+              <a:ext cx="785761" cy="752907"/>
+            </a:xfrm>
+            <a:prstGeom prst="rect">
+              <a:avLst/>
+            </a:prstGeom>
+          </p:spPr>
+        </p:pic>
+        <p:pic>
+          <p:nvPicPr>
+            <p:cNvPr id="7" name=""/>
+            <p:cNvPicPr>
+              <a:picLocks noChangeAspect="1"/>
+            </p:cNvPicPr>
+            <p:nvPr/>
+          </p:nvPicPr>
+          <p:blipFill rotWithShape="1">
+            <a:blip r:embed="rId4"/>
+            <a:stretch>
+              <a:fillRect/>
+            </a:stretch>
+          </p:blipFill>
+          <p:spPr>
+            <a:xfrm rot="20281540">
+              <a:off x="3615399" y="1211025"/>
+              <a:ext cx="1943371" cy="2595061"/>
+            </a:xfrm>
+            <a:prstGeom prst="rect">
+              <a:avLst/>
+            </a:prstGeom>
+          </p:spPr>
+        </p:pic>
+      </p:grpSp>
+      <p:pic>
+        <p:nvPicPr>
+          <p:cNvPr id="8" name=""/>
+          <p:cNvPicPr>
+            <a:picLocks noChangeAspect="1"/>
+          </p:cNvPicPr>
+          <p:nvPr/>
+        </p:nvPicPr>
+        <p:blipFill rotWithShape="1">
+          <a:blip r:embed="rId5"/>
+          <a:stretch>
+            <a:fillRect/>
+          </a:stretch>
+        </p:blipFill>
+        <p:spPr>
+          <a:xfrm>
+            <a:off x="5331998" y="1652969"/>
+            <a:ext cx="1979158" cy="2021370"/>
+          </a:xfrm>
+          <a:prstGeom prst="rect">
+            <a:avLst/>
+          </a:prstGeom>
+        </p:spPr>
+      </p:pic>
+      <p:pic>
+        <p:nvPicPr>
+          <p:cNvPr id="11" name=""/>
+          <p:cNvPicPr>
+            <a:picLocks noChangeAspect="1"/>
+          </p:cNvPicPr>
+          <p:nvPr/>
+        </p:nvPicPr>
+        <p:blipFill rotWithShape="1">
+          <a:blip r:embed="rId6"/>
+          <a:stretch>
+            <a:fillRect/>
+          </a:stretch>
+        </p:blipFill>
+        <p:spPr>
+          <a:xfrm>
+            <a:off x="5874001" y="3655743"/>
+            <a:ext cx="919831" cy="1162876"/>
+          </a:xfrm>
+          <a:prstGeom prst="rect">
+            <a:avLst/>
+          </a:prstGeom>
+        </p:spPr>
+      </p:pic>
+      <p:pic>
+        <p:nvPicPr>
+          <p:cNvPr id="12" name=""/>
+          <p:cNvPicPr>
+            <a:picLocks noChangeAspect="1"/>
+          </p:cNvPicPr>
+          <p:nvPr/>
+        </p:nvPicPr>
+        <p:blipFill rotWithShape="1">
+          <a:blip r:embed="rId7"/>
+          <a:stretch>
+            <a:fillRect/>
+          </a:stretch>
+        </p:blipFill>
+        <p:spPr>
+          <a:xfrm>
+            <a:off x="6762576" y="3885391"/>
+            <a:ext cx="1192414" cy="981448"/>
+          </a:xfrm>
+          <a:prstGeom prst="rect">
+            <a:avLst/>
+          </a:prstGeom>
+        </p:spPr>
+      </p:pic>
+    </p:spTree>
+  </p:cSld>
+  <p:clrMapOvr>
+    <a:masterClrMapping/>
+  </p:clrMapOvr>
+  <mc:AlternateContent xmlns:mc="http://schemas.openxmlformats.org/markup-compatibility/2006">
+    <mc:Choice xmlns:p14="http://schemas.microsoft.com/office/powerpoint/2010/main" Requires="p14">
+      <p:transition xmlns:mc="http://schemas.openxmlformats.org/markup-compatibility/2006" xmlns:p14="http://schemas.microsoft.com/office/powerpoint/2010/main" mc:Ignorable="p14" p14:dur="500"/>
+    </mc:Choice>
+    <mc:Fallback>
+      <p:transition/>
+    </mc:Fallback>
+  </mc:AlternateContent>
+</p:sld>
+</file>
+
+<file path=ppt/slides/slide12.xml><?xml version="1.0" encoding="utf-8"?>
+<p:sld xmlns:r="http://schemas.openxmlformats.org/officeDocument/2006/relationships" xmlns:c="http://schemas.openxmlformats.org/drawingml/2006/chart" xmlns:a="http://schemas.openxmlformats.org/drawingml/2006/main" xmlns:dgm="http://schemas.openxmlformats.org/drawingml/2006/diagram" xmlns:dsp="http://schemas.microsoft.com/office/drawing/2008/diagram" xmlns:p="http://schemas.openxmlformats.org/presentationml/2006/main">
+  <p:cSld>
+    <p:spTree>
+      <p:nvGrpSpPr>
+        <p:cNvPr id="1" name=""/>
+        <p:cNvGrpSpPr/>
+        <p:nvPr/>
+      </p:nvGrpSpPr>
+      <p:grpSpPr>
+        <a:xfrm>
+          <a:off x="0" y="0"/>
+          <a:ext cx="0" cy="0"/>
+          <a:chOff x="0" y="0"/>
+          <a:chExt cx="0" cy="0"/>
+        </a:xfrm>
+      </p:grpSpPr>
+      <p:sp>
+        <p:nvSpPr>
+          <p:cNvPr id="2" name="제목 1"/>
+          <p:cNvSpPr>
+            <a:spLocks noGrp="1"/>
+          </p:cNvSpPr>
+          <p:nvPr>
+            <p:ph type="title" idx="0"/>
+          </p:nvPr>
+        </p:nvSpPr>
+        <p:spPr/>
+        <p:txBody>
+          <a:bodyPr/>
+          <a:lstStyle/>
+          <a:p>
+            <a:pPr>
+              <a:defRPr lang="ko-KR" altLang="en-US"/>
+            </a:pPr>
+            <a:r>
+              <a:rPr lang="ko-KR" altLang="en-US"/>
+              <a:t> </a:t>
+            </a:r>
+            <a:r>
+              <a:rPr lang="en-US" altLang="ko-KR"/>
+              <a:t>Probe Request	</a:t>
+            </a:r>
+            <a:endParaRPr lang="en-US" altLang="ko-KR"/>
+          </a:p>
+        </p:txBody>
+      </p:sp>
+      <p:sp>
+        <p:nvSpPr>
+          <p:cNvPr id="3" name="내용 개체 틀 2"/>
+          <p:cNvSpPr>
+            <a:spLocks noGrp="1"/>
+          </p:cNvSpPr>
+          <p:nvPr>
+            <p:ph idx="1"/>
+          </p:nvPr>
+        </p:nvSpPr>
+        <p:spPr>
+          <a:xfrm>
+            <a:off x="1295400" y="5176982"/>
+            <a:ext cx="9601200" cy="995218"/>
+          </a:xfrm>
+        </p:spPr>
+        <p:txBody>
+          <a:bodyPr/>
+          <a:lstStyle/>
+          <a:p>
+            <a:pPr algn="ctr">
+              <a:buNone/>
+              <a:defRPr lang="ko-KR" altLang="en-US"/>
+            </a:pPr>
+            <a:r>
+              <a:rPr lang="en-US" altLang="ko-KR"/>
+              <a:t>AP</a:t>
+            </a:r>
+            <a:r>
+              <a:rPr lang="ko-KR" altLang="en-US"/>
+              <a:t>를 설치하게되면 </a:t>
+            </a:r>
+            <a:r>
+              <a:rPr lang="en-US" altLang="ko-KR"/>
+              <a:t>Wifi</a:t>
+            </a:r>
+            <a:r>
+              <a:rPr lang="ko-KR" altLang="en-US"/>
+              <a:t>를 작동시킨 </a:t>
+            </a:r>
+            <a:r>
+              <a:rPr lang="en-US" altLang="ko-KR"/>
+              <a:t>Station</a:t>
+            </a:r>
+            <a:r>
+              <a:rPr lang="ko-KR" altLang="en-US"/>
+              <a:t>은 </a:t>
+            </a:r>
+            <a:r>
+              <a:rPr lang="en-US" altLang="ko-KR"/>
+              <a:t>AP</a:t>
+            </a:r>
+            <a:r>
+              <a:rPr lang="ko-KR" altLang="en-US"/>
+              <a:t>주변의 </a:t>
+            </a:r>
+            <a:r>
+              <a:rPr lang="en-US" altLang="ko-KR"/>
+              <a:t>Station</a:t>
+            </a:r>
+            <a:r>
+              <a:rPr lang="ko-KR" altLang="en-US"/>
+              <a:t>는 </a:t>
+            </a:r>
+            <a:r>
+              <a:rPr lang="en-US" altLang="ko-KR"/>
+              <a:t>Probe Request</a:t>
+            </a:r>
+            <a:r>
+              <a:rPr lang="ko-KR" altLang="en-US"/>
+              <a:t> 패킷을 발생시킴</a:t>
+            </a:r>
+            <a:endParaRPr lang="ko-KR" altLang="en-US"/>
+          </a:p>
+        </p:txBody>
+      </p:sp>
+      <p:pic>
+        <p:nvPicPr>
+          <p:cNvPr id="4" name=""/>
+          <p:cNvPicPr>
+            <a:picLocks noChangeAspect="1"/>
+          </p:cNvPicPr>
+          <p:nvPr/>
+        </p:nvPicPr>
+        <p:blipFill rotWithShape="1">
+          <a:blip r:embed="rId2"/>
+          <a:stretch>
+            <a:fillRect/>
+          </a:stretch>
+        </p:blipFill>
+        <p:spPr>
+          <a:xfrm>
+            <a:off x="4330853" y="2114949"/>
+            <a:ext cx="2981884" cy="2628102"/>
+          </a:xfrm>
+          <a:prstGeom prst="rect">
+            <a:avLst/>
+          </a:prstGeom>
+        </p:spPr>
+      </p:pic>
+    </p:spTree>
+  </p:cSld>
+  <p:clrMapOvr>
+    <a:masterClrMapping/>
+  </p:clrMapOvr>
+  <mc:AlternateContent xmlns:mc="http://schemas.openxmlformats.org/markup-compatibility/2006">
+    <mc:Choice xmlns:p14="http://schemas.microsoft.com/office/powerpoint/2010/main" Requires="p14">
+      <p:transition xmlns:mc="http://schemas.openxmlformats.org/markup-compatibility/2006" xmlns:p14="http://schemas.microsoft.com/office/powerpoint/2010/main" mc:Ignorable="p14" p14:dur="500"/>
+    </mc:Choice>
+    <mc:Fallback>
+      <p:transition/>
+    </mc:Fallback>
+  </mc:AlternateContent>
+</p:sld>
+</file>
+
+<file path=ppt/slides/slide13.xml><?xml version="1.0" encoding="utf-8"?>
+<p:sld xmlns:r="http://schemas.openxmlformats.org/officeDocument/2006/relationships" xmlns:c="http://schemas.openxmlformats.org/drawingml/2006/chart" xmlns:a="http://schemas.openxmlformats.org/drawingml/2006/main" xmlns:dgm="http://schemas.openxmlformats.org/drawingml/2006/diagram" xmlns:dsp="http://schemas.microsoft.com/office/drawing/2008/diagram" xmlns:p="http://schemas.openxmlformats.org/presentationml/2006/main">
+  <p:cSld>
+    <p:spTree>
+      <p:nvGrpSpPr>
+        <p:cNvPr id="1" name=""/>
+        <p:cNvGrpSpPr/>
+        <p:nvPr/>
+      </p:nvGrpSpPr>
+      <p:grpSpPr>
+        <a:xfrm>
+          <a:off x="0" y="0"/>
+          <a:ext cx="0" cy="0"/>
+          <a:chOff x="0" y="0"/>
+          <a:chExt cx="0" cy="0"/>
+        </a:xfrm>
+      </p:grpSpPr>
+      <p:sp>
+        <p:nvSpPr>
+          <p:cNvPr id="2" name="제목 1"/>
+          <p:cNvSpPr>
+            <a:spLocks noGrp="1"/>
+          </p:cNvSpPr>
+          <p:nvPr>
+            <p:ph type="title" idx="0"/>
+          </p:nvPr>
+        </p:nvSpPr>
+        <p:spPr/>
+        <p:txBody>
+          <a:bodyPr/>
+          <a:lstStyle/>
+          <a:p>
+            <a:pPr>
+              <a:defRPr lang="ko-KR" altLang="en-US"/>
+            </a:pPr>
+            <a:r>
+              <a:rPr lang="en-US" altLang="ko-KR"/>
+              <a:t>Probe Request </a:t>
+            </a:r>
+            <a:r>
+              <a:rPr lang="ko-KR" altLang="en-US"/>
+              <a:t>탐지</a:t>
+            </a:r>
+            <a:endParaRPr lang="ko-KR" altLang="en-US"/>
+          </a:p>
+        </p:txBody>
+      </p:sp>
+      <p:sp>
+        <p:nvSpPr>
+          <p:cNvPr id="3" name="내용 개체 틀 2"/>
+          <p:cNvSpPr>
+            <a:spLocks noGrp="1"/>
+          </p:cNvSpPr>
+          <p:nvPr>
+            <p:ph idx="1"/>
+          </p:nvPr>
+        </p:nvSpPr>
+        <p:spPr>
+          <a:xfrm>
+            <a:off x="1295400" y="4974937"/>
+            <a:ext cx="9601200" cy="1615786"/>
+          </a:xfrm>
+        </p:spPr>
+        <p:txBody>
+          <a:bodyPr/>
+          <a:lstStyle/>
+          <a:p>
+            <a:pPr algn="ctr">
+              <a:buNone/>
+              <a:defRPr lang="ko-KR" altLang="en-US"/>
+            </a:pPr>
+            <a:r>
+              <a:rPr lang="en-US" altLang="ko-KR"/>
+              <a:t>AP</a:t>
+            </a:r>
+            <a:r>
+              <a:rPr lang="ko-KR" altLang="en-US"/>
+              <a:t>를 탐색하기위한 </a:t>
+            </a:r>
+            <a:r>
+              <a:rPr lang="en-US" altLang="ko-KR"/>
+              <a:t>Probe Request</a:t>
+            </a:r>
+            <a:r>
+              <a:rPr lang="ko-KR" altLang="en-US"/>
+              <a:t> 패킷을 탐지하여 </a:t>
+            </a:r>
+            <a:endParaRPr lang="ko-KR" altLang="en-US"/>
+          </a:p>
+          <a:p>
+            <a:pPr algn="ctr">
+              <a:buNone/>
+              <a:defRPr lang="ko-KR" altLang="en-US"/>
+            </a:pPr>
+            <a:r>
+              <a:rPr lang="ko-KR" altLang="en-US"/>
+              <a:t>특정한 </a:t>
+            </a:r>
+            <a:r>
+              <a:rPr lang="en-US" altLang="ko-KR"/>
+              <a:t>Target</a:t>
+            </a:r>
+            <a:r>
+              <a:rPr lang="ko-KR" altLang="en-US"/>
+              <a:t>의 접근 여부를 알 수 있음</a:t>
+            </a:r>
+            <a:endParaRPr lang="ko-KR" altLang="en-US"/>
+          </a:p>
+        </p:txBody>
+      </p:sp>
+      <p:pic>
+        <p:nvPicPr>
+          <p:cNvPr id="4" name=""/>
+          <p:cNvPicPr>
+            <a:picLocks noChangeAspect="1"/>
+          </p:cNvPicPr>
+          <p:nvPr/>
+        </p:nvPicPr>
+        <p:blipFill rotWithShape="1">
+          <a:blip r:embed="rId2"/>
+          <a:stretch>
+            <a:fillRect/>
+          </a:stretch>
+        </p:blipFill>
+        <p:spPr>
+          <a:xfrm>
+            <a:off x="1748413" y="2285901"/>
+            <a:ext cx="8695173" cy="2286198"/>
+          </a:xfrm>
+          <a:prstGeom prst="rect">
+            <a:avLst/>
+          </a:prstGeom>
+        </p:spPr>
+      </p:pic>
+    </p:spTree>
+  </p:cSld>
+  <p:clrMapOvr>
+    <a:masterClrMapping/>
+  </p:clrMapOvr>
+  <mc:AlternateContent xmlns:mc="http://schemas.openxmlformats.org/markup-compatibility/2006">
+    <mc:Choice xmlns:p14="http://schemas.microsoft.com/office/powerpoint/2010/main" Requires="p14">
+      <p:transition xmlns:mc="http://schemas.openxmlformats.org/markup-compatibility/2006" xmlns:p14="http://schemas.microsoft.com/office/powerpoint/2010/main" mc:Ignorable="p14" p14:dur="500"/>
+    </mc:Choice>
+    <mc:Fallback>
+      <p:transition/>
+    </mc:Fallback>
+  </mc:AlternateContent>
+</p:sld>
+</file>
+
+<file path=ppt/slides/slide14.xml><?xml version="1.0" encoding="utf-8"?>
+<p:sld xmlns:r="http://schemas.openxmlformats.org/officeDocument/2006/relationships" xmlns:c="http://schemas.openxmlformats.org/drawingml/2006/chart" xmlns:a="http://schemas.openxmlformats.org/drawingml/2006/main" xmlns:dgm="http://schemas.openxmlformats.org/drawingml/2006/diagram" xmlns:dsp="http://schemas.microsoft.com/office/drawing/2008/diagram" xmlns:p="http://schemas.openxmlformats.org/presentationml/2006/main">
+  <p:cSld>
+    <p:spTree>
+      <p:nvGrpSpPr>
+        <p:cNvPr id="1" name=""/>
+        <p:cNvGrpSpPr/>
+        <p:nvPr/>
+      </p:nvGrpSpPr>
+      <p:grpSpPr>
+        <a:xfrm>
+          <a:off x="0" y="0"/>
+          <a:ext cx="0" cy="0"/>
+          <a:chOff x="0" y="0"/>
+          <a:chExt cx="0" cy="0"/>
+        </a:xfrm>
+      </p:grpSpPr>
+      <p:sp>
+        <p:nvSpPr>
+          <p:cNvPr id="2" name="제목 1"/>
+          <p:cNvSpPr>
+            <a:spLocks noGrp="1"/>
+          </p:cNvSpPr>
+          <p:nvPr>
+            <p:ph type="title" idx="0"/>
+          </p:nvPr>
+        </p:nvSpPr>
+        <p:spPr/>
+        <p:txBody>
+          <a:bodyPr/>
+          <a:lstStyle/>
+          <a:p>
+            <a:pPr>
+              <a:defRPr lang="ko-KR" altLang="en-US"/>
+            </a:pPr>
+            <a:r>
+              <a:rPr lang="en-US" altLang="ko-KR"/>
+              <a:t>Mysql Table </a:t>
+            </a:r>
+            <a:r>
+              <a:rPr lang="ko-KR" altLang="en-US"/>
+              <a:t>구성</a:t>
+            </a:r>
+            <a:endParaRPr lang="ko-KR" altLang="en-US"/>
+          </a:p>
+        </p:txBody>
+      </p:sp>
+      <p:sp>
+        <p:nvSpPr>
+          <p:cNvPr id="3" name="내용 개체 틀 2"/>
+          <p:cNvSpPr>
+            <a:spLocks noGrp="1"/>
+          </p:cNvSpPr>
+          <p:nvPr>
+            <p:ph idx="1"/>
+          </p:nvPr>
+        </p:nvSpPr>
+        <p:spPr/>
+        <p:txBody>
+          <a:bodyPr/>
+          <a:lstStyle/>
+          <a:p>
+            <a:pPr>
+              <a:buNone/>
+              <a:defRPr lang="ko-KR" altLang="en-US"/>
+            </a:pPr>
+            <a:r>
+              <a:rPr lang="en-US" altLang="ko-KR"/>
+              <a:t>Table </a:t>
+            </a:r>
+            <a:r>
+              <a:rPr lang="ko-KR" altLang="en-US"/>
+              <a:t>명 = </a:t>
+            </a:r>
+            <a:r>
+              <a:rPr lang="en-US" altLang="ko-KR"/>
+              <a:t>dev_info, footprint, first_footprint</a:t>
+            </a:r>
+            <a:endParaRPr lang="en-US" altLang="ko-KR"/>
+          </a:p>
+          <a:p>
+            <a:pPr>
+              <a:buNone/>
+              <a:defRPr lang="ko-KR" altLang="en-US"/>
+            </a:pPr>
+            <a:endParaRPr lang="en-US" altLang="ko-KR"/>
+          </a:p>
+          <a:p>
+            <a:pPr>
+              <a:buNone/>
+              <a:defRPr lang="ko-KR" altLang="en-US"/>
+            </a:pPr>
+            <a:r>
+              <a:rPr lang="en-US" altLang="ko-KR"/>
+              <a:t>dev_info</a:t>
+            </a:r>
+            <a:r>
+              <a:rPr lang="ko-KR" altLang="en-US"/>
+              <a:t> -&gt;</a:t>
+            </a:r>
+            <a:r>
+              <a:rPr lang="en-US" altLang="ko-KR"/>
+              <a:t>mac</a:t>
+            </a:r>
+            <a:r>
+              <a:rPr lang="ko-KR" altLang="en-US"/>
+              <a:t>주소와 </a:t>
+            </a:r>
+            <a:r>
+              <a:rPr lang="en-US" altLang="ko-KR"/>
+              <a:t>name</a:t>
+            </a:r>
+            <a:r>
+              <a:rPr lang="ko-KR" altLang="en-US"/>
+              <a:t>이 저장됨</a:t>
+            </a:r>
+            <a:endParaRPr lang="ko-KR" altLang="en-US"/>
+          </a:p>
+          <a:p>
+            <a:pPr>
+              <a:buNone/>
+              <a:defRPr lang="ko-KR" altLang="en-US"/>
+            </a:pPr>
+            <a:endParaRPr lang="ko-KR" altLang="en-US"/>
+          </a:p>
+          <a:p>
+            <a:pPr>
+              <a:buNone/>
+              <a:defRPr lang="ko-KR" altLang="en-US"/>
+            </a:pPr>
+            <a:r>
+              <a:rPr lang="en-US" altLang="ko-KR"/>
+              <a:t>footprint -&gt; mac</a:t>
+            </a:r>
+            <a:r>
+              <a:rPr lang="ko-KR" altLang="en-US"/>
+              <a:t>주소와 현재감지시간이 저장된다. (</a:t>
+            </a:r>
+            <a:r>
+              <a:rPr lang="en-US" altLang="ko-KR"/>
+              <a:t>mac,time)</a:t>
+            </a:r>
+            <a:endParaRPr lang="en-US" altLang="ko-KR"/>
+          </a:p>
+          <a:p>
+            <a:pPr>
+              <a:buNone/>
+              <a:defRPr lang="ko-KR" altLang="en-US"/>
+            </a:pPr>
+            <a:endParaRPr lang="ko-KR" altLang="en-US"/>
+          </a:p>
+          <a:p>
+            <a:pPr>
+              <a:buNone/>
+              <a:defRPr lang="ko-KR" altLang="en-US"/>
+            </a:pPr>
+            <a:r>
+              <a:rPr lang="en-US" altLang="ko-KR"/>
+              <a:t>first_footprintf -&gt; dev</a:t>
+            </a:r>
+            <a:r>
+              <a:rPr lang="ko-KR" altLang="en-US"/>
+              <a:t>의 최초 감지 시간이 저장된다.(</a:t>
+            </a:r>
+            <a:r>
+              <a:rPr lang="en-US" altLang="ko-KR"/>
+              <a:t>mac,time)</a:t>
+            </a:r>
+            <a:endParaRPr lang="en-US" altLang="ko-KR"/>
+          </a:p>
+        </p:txBody>
+      </p:sp>
+    </p:spTree>
+  </p:cSld>
+  <p:clrMapOvr>
+    <a:masterClrMapping/>
+  </p:clrMapOvr>
+  <mc:AlternateContent xmlns:mc="http://schemas.openxmlformats.org/markup-compatibility/2006">
+    <mc:Choice xmlns:p14="http://schemas.microsoft.com/office/powerpoint/2010/main" Requires="p14">
+      <p:transition xmlns:mc="http://schemas.openxmlformats.org/markup-compatibility/2006" xmlns:p14="http://schemas.microsoft.com/office/powerpoint/2010/main" mc:Ignorable="p14" p14:dur="500"/>
+    </mc:Choice>
+    <mc:Fallback>
+      <p:transition/>
+    </mc:Fallback>
+  </mc:AlternateContent>
+</p:sld>
+</file>
+
 <file path=ppt/slides/slide15.xml><?xml version="1.0" encoding="utf-8"?>
 <p:sld xmlns:r="http://schemas.openxmlformats.org/officeDocument/2006/relationships" xmlns:c="http://schemas.openxmlformats.org/drawingml/2006/chart" xmlns:a="http://schemas.openxmlformats.org/drawingml/2006/main" xmlns:dgm="http://schemas.openxmlformats.org/drawingml/2006/diagram" xmlns:dsp="http://schemas.microsoft.com/office/drawing/2008/diagram" xmlns:p="http://schemas.openxmlformats.org/presentationml/2006/main">
   <p:cSld>
@@ -7248,7 +7268,7 @@
             </a:pPr>
             <a:r>
               <a:rPr lang="ko-KR" altLang="en-US"/>
-              <a:t/>
+              <a:t>동작원리</a:t>
             </a:r>
             <a:endParaRPr lang="ko-KR" altLang="en-US"/>
           </a:p>
@@ -7274,7 +7294,160 @@
             </a:pPr>
             <a:r>
               <a:rPr lang="ko-KR" altLang="en-US"/>
-              <a:t>동영상</a:t>
+              <a:t>1. </a:t>
+            </a:r>
+            <a:r>
+              <a:rPr lang="en-US" altLang="ko-KR"/>
+              <a:t>pcap</a:t>
+            </a:r>
+            <a:r>
+              <a:rPr lang="ko-KR" altLang="en-US"/>
+              <a:t>을 통해 </a:t>
+            </a:r>
+            <a:r>
+              <a:rPr lang="en-US" altLang="ko-KR"/>
+              <a:t>probe request</a:t>
+            </a:r>
+            <a:r>
+              <a:rPr lang="ko-KR" altLang="en-US"/>
+              <a:t>를 감지한다. </a:t>
+            </a:r>
+            <a:endParaRPr lang="ko-KR" altLang="en-US"/>
+          </a:p>
+          <a:p>
+            <a:pPr>
+              <a:defRPr lang="ko-KR" altLang="en-US"/>
+            </a:pPr>
+            <a:r>
+              <a:rPr lang="ko-KR" altLang="en-US"/>
+              <a:t>2. 주소록에 등록되어있는 </a:t>
+            </a:r>
+            <a:r>
+              <a:rPr lang="en-US" altLang="ko-KR"/>
+              <a:t>mac</a:t>
+            </a:r>
+            <a:r>
+              <a:rPr lang="ko-KR" altLang="en-US"/>
+              <a:t>과 대조한다.</a:t>
+            </a:r>
+            <a:endParaRPr lang="ko-KR" altLang="en-US"/>
+          </a:p>
+          <a:p>
+            <a:pPr>
+              <a:defRPr lang="ko-KR" altLang="en-US"/>
+            </a:pPr>
+            <a:r>
+              <a:rPr lang="ko-KR" altLang="en-US"/>
+              <a:t>3. 없으면 새로 등록하면서 </a:t>
+            </a:r>
+            <a:r>
+              <a:rPr lang="en-US" altLang="ko-KR"/>
+              <a:t>first_footprint</a:t>
+            </a:r>
+            <a:r>
+              <a:rPr lang="ko-KR" altLang="en-US"/>
+              <a:t>를 남긴다.</a:t>
+            </a:r>
+            <a:endParaRPr lang="ko-KR" altLang="en-US"/>
+          </a:p>
+          <a:p>
+            <a:pPr>
+              <a:buNone/>
+              <a:defRPr lang="ko-KR" altLang="en-US"/>
+            </a:pPr>
+            <a:r>
+              <a:rPr lang="ko-KR" altLang="en-US"/>
+              <a:t>      처음 등록인데 주소록에 있다면 인사한다.</a:t>
+            </a:r>
+            <a:endParaRPr lang="ko-KR" altLang="en-US"/>
+          </a:p>
+          <a:p>
+            <a:pPr>
+              <a:defRPr lang="ko-KR" altLang="en-US"/>
+            </a:pPr>
+            <a:r>
+              <a:rPr lang="ko-KR" altLang="en-US"/>
+              <a:t>4. 있다면 </a:t>
+            </a:r>
+            <a:r>
+              <a:rPr lang="en-US" altLang="ko-KR"/>
+              <a:t>first_footprint</a:t>
+            </a:r>
+            <a:r>
+              <a:rPr lang="ko-KR" altLang="en-US"/>
+              <a:t>와 현재 들어온 시간을 비교한다.</a:t>
+            </a:r>
+            <a:endParaRPr lang="ko-KR" altLang="en-US"/>
+          </a:p>
+          <a:p>
+            <a:pPr>
+              <a:buNone/>
+              <a:defRPr lang="ko-KR" altLang="en-US"/>
+            </a:pPr>
+            <a:r>
+              <a:rPr lang="ko-KR" altLang="en-US"/>
+              <a:t>   </a:t>
+            </a:r>
+            <a:r>
+              <a:rPr lang="en-US" altLang="ko-KR"/>
+              <a:t> </a:t>
+            </a:r>
+            <a:r>
+              <a:rPr lang="ko-KR" altLang="en-US"/>
+              <a:t> </a:t>
+            </a:r>
+            <a:r>
+              <a:rPr lang="en-US" altLang="ko-KR"/>
+              <a:t> </a:t>
+            </a:r>
+            <a:r>
+              <a:rPr lang="ko-KR" altLang="en-US"/>
+              <a:t>비교시 5분차이가 난다면 새로 인사를 하고 그렇지 않다면</a:t>
+            </a:r>
+            <a:endParaRPr lang="ko-KR" altLang="en-US"/>
+          </a:p>
+          <a:p>
+            <a:pPr>
+              <a:buNone/>
+              <a:defRPr lang="ko-KR" altLang="en-US"/>
+            </a:pPr>
+            <a:r>
+              <a:rPr lang="ko-KR" altLang="en-US"/>
+              <a:t>      </a:t>
+            </a:r>
+            <a:r>
+              <a:rPr lang="en-US" altLang="ko-KR"/>
+              <a:t>first_footprint</a:t>
+            </a:r>
+            <a:r>
+              <a:rPr lang="ko-KR" altLang="en-US"/>
+              <a:t>를 갱신한다.</a:t>
+            </a:r>
+            <a:endParaRPr lang="ko-KR" altLang="en-US"/>
+          </a:p>
+          <a:p>
+            <a:pPr>
+              <a:defRPr lang="ko-KR" altLang="en-US"/>
+            </a:pPr>
+            <a:r>
+              <a:rPr lang="ko-KR" altLang="en-US"/>
+              <a:t>5. </a:t>
+            </a:r>
+            <a:r>
+              <a:rPr lang="en-US" altLang="ko-KR"/>
+              <a:t>dev</a:t>
+            </a:r>
+            <a:r>
+              <a:rPr lang="ko-KR" altLang="en-US"/>
+              <a:t>정보나 유동정보는 </a:t>
+            </a:r>
+            <a:r>
+              <a:rPr lang="en-US" altLang="ko-KR"/>
+              <a:t>web</a:t>
+            </a:r>
+            <a:r>
+              <a:rPr lang="ko-KR" altLang="en-US"/>
+              <a:t>에서 확인가능하다</a:t>
             </a:r>
             <a:endParaRPr lang="ko-KR" altLang="en-US"/>
           </a:p>
@@ -7297,6 +7470,736 @@
 </file>
 
 <file path=ppt/slides/slide16.xml><?xml version="1.0" encoding="utf-8"?>
+<p:sld xmlns:r="http://schemas.openxmlformats.org/officeDocument/2006/relationships" xmlns:c="http://schemas.openxmlformats.org/drawingml/2006/chart" xmlns:a="http://schemas.openxmlformats.org/drawingml/2006/main" xmlns:dgm="http://schemas.openxmlformats.org/drawingml/2006/diagram" xmlns:dsp="http://schemas.microsoft.com/office/drawing/2008/diagram" xmlns:p="http://schemas.openxmlformats.org/presentationml/2006/main">
+  <p:cSld>
+    <p:spTree>
+      <p:nvGrpSpPr>
+        <p:cNvPr id="1" name=""/>
+        <p:cNvGrpSpPr/>
+        <p:nvPr/>
+      </p:nvGrpSpPr>
+      <p:grpSpPr>
+        <a:xfrm>
+          <a:off x="0" y="0"/>
+          <a:ext cx="0" cy="0"/>
+          <a:chOff x="0" y="0"/>
+          <a:chExt cx="0" cy="0"/>
+        </a:xfrm>
+      </p:grpSpPr>
+      <p:sp>
+        <p:nvSpPr>
+          <p:cNvPr id="2" name="제목 1"/>
+          <p:cNvSpPr>
+            <a:spLocks noGrp="1"/>
+          </p:cNvSpPr>
+          <p:nvPr>
+            <p:ph type="title" idx="0"/>
+          </p:nvPr>
+        </p:nvSpPr>
+        <p:spPr/>
+        <p:txBody>
+          <a:bodyPr/>
+          <a:lstStyle/>
+          <a:p>
+            <a:pPr>
+              <a:defRPr lang="ko-KR" altLang="en-US"/>
+            </a:pPr>
+            <a:r>
+              <a:rPr lang="en-US" altLang="ko-KR"/>
+              <a:t>Table </a:t>
+            </a:r>
+            <a:r>
+              <a:rPr lang="ko-KR" altLang="en-US"/>
+              <a:t>구성</a:t>
+            </a:r>
+            <a:endParaRPr lang="ko-KR" altLang="en-US"/>
+          </a:p>
+        </p:txBody>
+      </p:sp>
+      <p:sp>
+        <p:nvSpPr>
+          <p:cNvPr id="7" name=""/>
+          <p:cNvSpPr txBox="1"/>
+          <p:nvPr/>
+        </p:nvSpPr>
+        <p:spPr>
+          <a:xfrm>
+            <a:off x="4572000" y="2020970"/>
+            <a:ext cx="3713510" cy="3320650"/>
+          </a:xfrm>
+          <a:prstGeom prst="rect">
+            <a:avLst/>
+          </a:prstGeom>
+        </p:spPr>
+        <p:txBody>
+          <a:bodyPr wrap="square">
+            <a:spAutoFit/>
+          </a:bodyPr>
+          <a:p>
+            <a:pPr>
+              <a:defRPr lang="ko-KR" altLang="en-US"/>
+            </a:pPr>
+            <a:r>
+              <a:rPr lang="en-US" altLang="ko-KR" sz="2400">
+                <a:latin typeface="맑은 고딕"/>
+                <a:ea typeface="맑은 고딕"/>
+                <a:cs typeface="맑은 고딕"/>
+              </a:rPr>
+              <a:t>create table footprint</a:t>
+            </a:r>
+            <a:endParaRPr lang="en-US" altLang="ko-KR" sz="2400">
+              <a:latin typeface="맑은 고딕"/>
+              <a:ea typeface="맑은 고딕"/>
+              <a:cs typeface="맑은 고딕"/>
+            </a:endParaRPr>
+          </a:p>
+          <a:p>
+            <a:pPr>
+              <a:defRPr lang="ko-KR" altLang="en-US"/>
+            </a:pPr>
+            <a:r>
+              <a:rPr lang="en-US" altLang="ko-KR" sz="2400">
+                <a:latin typeface="맑은 고딕"/>
+                <a:ea typeface="맑은 고딕"/>
+                <a:cs typeface="맑은 고딕"/>
+              </a:rPr>
+              <a:t>(</a:t>
+            </a:r>
+            <a:endParaRPr lang="en-US" altLang="ko-KR" sz="2400">
+              <a:latin typeface="맑은 고딕"/>
+              <a:ea typeface="맑은 고딕"/>
+              <a:cs typeface="맑은 고딕"/>
+            </a:endParaRPr>
+          </a:p>
+          <a:p>
+            <a:pPr>
+              <a:defRPr lang="ko-KR" altLang="en-US"/>
+            </a:pPr>
+            <a:endParaRPr lang="en-US" altLang="ko-KR" sz="2400">
+              <a:latin typeface="맑은 고딕"/>
+              <a:ea typeface="맑은 고딕"/>
+              <a:cs typeface="맑은 고딕"/>
+            </a:endParaRPr>
+          </a:p>
+          <a:p>
+            <a:pPr>
+              <a:defRPr lang="ko-KR" altLang="en-US"/>
+            </a:pPr>
+            <a:endParaRPr lang="en-US" altLang="ko-KR" sz="2400">
+              <a:latin typeface="맑은 고딕"/>
+              <a:ea typeface="맑은 고딕"/>
+              <a:cs typeface="맑은 고딕"/>
+            </a:endParaRPr>
+          </a:p>
+          <a:p>
+            <a:pPr>
+              <a:defRPr lang="ko-KR" altLang="en-US"/>
+            </a:pPr>
+            <a:r>
+              <a:rPr lang="en-US" altLang="ko-KR" sz="2400">
+                <a:latin typeface="맑은 고딕"/>
+                <a:ea typeface="맑은 고딕"/>
+                <a:cs typeface="맑은 고딕"/>
+              </a:rPr>
+              <a:t>   </a:t>
+            </a:r>
+            <a:r>
+              <a:rPr lang="en-US" altLang="ko-KR" sz="2000">
+                <a:latin typeface="맑은 고딕"/>
+                <a:ea typeface="맑은 고딕"/>
+                <a:cs typeface="맑은 고딕"/>
+              </a:rPr>
+              <a:t> mac char(18) not null,</a:t>
+            </a:r>
+            <a:endParaRPr lang="en-US" altLang="ko-KR" sz="2000">
+              <a:latin typeface="맑은 고딕"/>
+              <a:ea typeface="맑은 고딕"/>
+              <a:cs typeface="맑은 고딕"/>
+            </a:endParaRPr>
+          </a:p>
+          <a:p>
+            <a:pPr>
+              <a:defRPr lang="ko-KR" altLang="en-US"/>
+            </a:pPr>
+            <a:r>
+              <a:rPr lang="en-US" altLang="ko-KR" sz="2000">
+                <a:latin typeface="맑은 고딕"/>
+                <a:ea typeface="맑은 고딕"/>
+                <a:cs typeface="맑은 고딕"/>
+              </a:rPr>
+              <a:t>    time char(20) not null</a:t>
+            </a:r>
+            <a:endParaRPr lang="en-US" altLang="ko-KR" sz="2000">
+              <a:latin typeface="맑은 고딕"/>
+              <a:ea typeface="맑은 고딕"/>
+              <a:cs typeface="맑은 고딕"/>
+            </a:endParaRPr>
+          </a:p>
+          <a:p>
+            <a:pPr>
+              <a:defRPr lang="ko-KR" altLang="en-US"/>
+            </a:pPr>
+            <a:endParaRPr lang="en-US" altLang="ko-KR" sz="2400">
+              <a:latin typeface="맑은 고딕"/>
+              <a:ea typeface="맑은 고딕"/>
+              <a:cs typeface="맑은 고딕"/>
+            </a:endParaRPr>
+          </a:p>
+          <a:p>
+            <a:pPr>
+              <a:defRPr lang="ko-KR" altLang="en-US"/>
+            </a:pPr>
+            <a:endParaRPr lang="en-US" altLang="ko-KR" sz="2400">
+              <a:latin typeface="맑은 고딕"/>
+              <a:ea typeface="맑은 고딕"/>
+              <a:cs typeface="맑은 고딕"/>
+            </a:endParaRPr>
+          </a:p>
+          <a:p>
+            <a:pPr>
+              <a:defRPr lang="ko-KR" altLang="en-US"/>
+            </a:pPr>
+            <a:r>
+              <a:rPr lang="en-US" altLang="ko-KR" sz="2400">
+                <a:latin typeface="맑은 고딕"/>
+                <a:ea typeface="맑은 고딕"/>
+                <a:cs typeface="맑은 고딕"/>
+              </a:rPr>
+              <a:t>)</a:t>
+            </a:r>
+            <a:endParaRPr lang="en-US" altLang="ko-KR" sz="2400">
+              <a:latin typeface="맑은 고딕"/>
+              <a:ea typeface="맑은 고딕"/>
+              <a:cs typeface="맑은 고딕"/>
+            </a:endParaRPr>
+          </a:p>
+        </p:txBody>
+      </p:sp>
+      <p:sp>
+        <p:nvSpPr>
+          <p:cNvPr id="8" name=""/>
+          <p:cNvSpPr txBox="1"/>
+          <p:nvPr/>
+        </p:nvSpPr>
+        <p:spPr>
+          <a:xfrm>
+            <a:off x="8194987" y="2029601"/>
+            <a:ext cx="3915558" cy="3258621"/>
+          </a:xfrm>
+          <a:prstGeom prst="rect">
+            <a:avLst/>
+          </a:prstGeom>
+        </p:spPr>
+        <p:txBody>
+          <a:bodyPr wrap="square">
+            <a:spAutoFit/>
+          </a:bodyPr>
+          <a:p>
+            <a:pPr>
+              <a:defRPr lang="ko-KR" altLang="en-US"/>
+            </a:pPr>
+            <a:r>
+              <a:rPr lang="en-US" altLang="ko-KR" sz="2400">
+                <a:latin typeface="맑은 고딕"/>
+                <a:ea typeface="맑은 고딕"/>
+                <a:cs typeface="맑은 고딕"/>
+              </a:rPr>
+              <a:t>create table first_footprint </a:t>
+            </a:r>
+            <a:endParaRPr lang="en-US" altLang="ko-KR" sz="2400">
+              <a:latin typeface="맑은 고딕"/>
+              <a:ea typeface="맑은 고딕"/>
+              <a:cs typeface="맑은 고딕"/>
+            </a:endParaRPr>
+          </a:p>
+          <a:p>
+            <a:pPr>
+              <a:defRPr lang="ko-KR" altLang="en-US"/>
+            </a:pPr>
+            <a:r>
+              <a:rPr lang="en-US" altLang="ko-KR" sz="2400">
+                <a:latin typeface="맑은 고딕"/>
+                <a:ea typeface="맑은 고딕"/>
+                <a:cs typeface="맑은 고딕"/>
+              </a:rPr>
+              <a:t>(</a:t>
+            </a:r>
+            <a:endParaRPr lang="en-US" altLang="ko-KR" sz="2400">
+              <a:latin typeface="맑은 고딕"/>
+              <a:ea typeface="맑은 고딕"/>
+              <a:cs typeface="맑은 고딕"/>
+            </a:endParaRPr>
+          </a:p>
+          <a:p>
+            <a:pPr>
+              <a:defRPr lang="ko-KR" altLang="en-US"/>
+            </a:pPr>
+            <a:endParaRPr lang="en-US" altLang="ko-KR" sz="2400">
+              <a:latin typeface="맑은 고딕"/>
+              <a:ea typeface="맑은 고딕"/>
+              <a:cs typeface="맑은 고딕"/>
+            </a:endParaRPr>
+          </a:p>
+          <a:p>
+            <a:pPr>
+              <a:defRPr lang="ko-KR" altLang="en-US"/>
+            </a:pPr>
+            <a:r>
+              <a:rPr lang="en-US" altLang="ko-KR" sz="2400">
+                <a:latin typeface="맑은 고딕"/>
+                <a:ea typeface="맑은 고딕"/>
+                <a:cs typeface="맑은 고딕"/>
+              </a:rPr>
+              <a:t>  </a:t>
+            </a:r>
+            <a:r>
+              <a:rPr lang="en-US" altLang="ko-KR" sz="2000">
+                <a:latin typeface="맑은 고딕"/>
+                <a:ea typeface="맑은 고딕"/>
+                <a:cs typeface="맑은 고딕"/>
+              </a:rPr>
+              <a:t>  mac char(18) not null,</a:t>
+            </a:r>
+            <a:endParaRPr lang="en-US" altLang="ko-KR" sz="2000">
+              <a:latin typeface="맑은 고딕"/>
+              <a:ea typeface="맑은 고딕"/>
+              <a:cs typeface="맑은 고딕"/>
+            </a:endParaRPr>
+          </a:p>
+          <a:p>
+            <a:pPr>
+              <a:defRPr lang="ko-KR" altLang="en-US"/>
+            </a:pPr>
+            <a:r>
+              <a:rPr lang="en-US" altLang="ko-KR" sz="2000">
+                <a:latin typeface="맑은 고딕"/>
+                <a:ea typeface="맑은 고딕"/>
+                <a:cs typeface="맑은 고딕"/>
+              </a:rPr>
+              <a:t>    time char(20) not null,</a:t>
+            </a:r>
+            <a:endParaRPr lang="en-US" altLang="ko-KR" sz="2000">
+              <a:latin typeface="맑은 고딕"/>
+              <a:ea typeface="맑은 고딕"/>
+              <a:cs typeface="맑은 고딕"/>
+            </a:endParaRPr>
+          </a:p>
+          <a:p>
+            <a:pPr>
+              <a:defRPr lang="ko-KR" altLang="en-US"/>
+            </a:pPr>
+            <a:r>
+              <a:rPr lang="en-US" altLang="ko-KR" sz="2000">
+                <a:latin typeface="맑은 고딕"/>
+                <a:ea typeface="맑은 고딕"/>
+                <a:cs typeface="맑은 고딕"/>
+              </a:rPr>
+              <a:t>    primary key(mac)</a:t>
+            </a:r>
+            <a:endParaRPr lang="en-US" altLang="ko-KR" sz="2400">
+              <a:latin typeface="맑은 고딕"/>
+              <a:ea typeface="맑은 고딕"/>
+              <a:cs typeface="맑은 고딕"/>
+            </a:endParaRPr>
+          </a:p>
+          <a:p>
+            <a:pPr>
+              <a:defRPr lang="ko-KR" altLang="en-US"/>
+            </a:pPr>
+            <a:endParaRPr lang="en-US" altLang="ko-KR" sz="2400">
+              <a:latin typeface="맑은 고딕"/>
+              <a:ea typeface="맑은 고딕"/>
+              <a:cs typeface="맑은 고딕"/>
+            </a:endParaRPr>
+          </a:p>
+          <a:p>
+            <a:pPr>
+              <a:defRPr lang="ko-KR" altLang="en-US"/>
+            </a:pPr>
+            <a:endParaRPr lang="en-US" altLang="ko-KR" sz="2400">
+              <a:latin typeface="맑은 고딕"/>
+              <a:ea typeface="맑은 고딕"/>
+              <a:cs typeface="맑은 고딕"/>
+            </a:endParaRPr>
+          </a:p>
+          <a:p>
+            <a:pPr>
+              <a:defRPr lang="ko-KR" altLang="en-US"/>
+            </a:pPr>
+            <a:r>
+              <a:rPr lang="en-US" altLang="ko-KR" sz="2400">
+                <a:latin typeface="맑은 고딕"/>
+                <a:ea typeface="맑은 고딕"/>
+                <a:cs typeface="맑은 고딕"/>
+              </a:rPr>
+              <a:t>)</a:t>
+            </a:r>
+            <a:endParaRPr lang="ko-KR" altLang="en-US" sz="2400">
+              <a:latin typeface="맑은 고딕"/>
+              <a:ea typeface="맑은 고딕"/>
+              <a:cs typeface="맑은 고딕"/>
+            </a:endParaRPr>
+          </a:p>
+        </p:txBody>
+      </p:sp>
+      <p:sp>
+        <p:nvSpPr>
+          <p:cNvPr id="11" name=""/>
+          <p:cNvSpPr txBox="1"/>
+          <p:nvPr/>
+        </p:nvSpPr>
+        <p:spPr>
+          <a:xfrm>
+            <a:off x="517264" y="2040521"/>
+            <a:ext cx="3238125" cy="3139174"/>
+          </a:xfrm>
+          <a:prstGeom prst="rect">
+            <a:avLst/>
+          </a:prstGeom>
+        </p:spPr>
+        <p:txBody>
+          <a:bodyPr wrap="none">
+            <a:spAutoFit/>
+          </a:bodyPr>
+          <a:p>
+            <a:pPr>
+              <a:defRPr lang="ko-KR" altLang="en-US"/>
+            </a:pPr>
+            <a:r>
+              <a:rPr lang="en-US" altLang="ko-KR" sz="2400">
+                <a:latin typeface="맑은 고딕"/>
+                <a:ea typeface="맑은 고딕"/>
+                <a:cs typeface="맑은 고딕"/>
+              </a:rPr>
+              <a:t>create table dev_info</a:t>
+            </a:r>
+            <a:endParaRPr lang="en-US" altLang="ko-KR" sz="2400">
+              <a:latin typeface="맑은 고딕"/>
+              <a:ea typeface="맑은 고딕"/>
+              <a:cs typeface="맑은 고딕"/>
+            </a:endParaRPr>
+          </a:p>
+          <a:p>
+            <a:pPr>
+              <a:defRPr lang="ko-KR" altLang="en-US"/>
+            </a:pPr>
+            <a:r>
+              <a:rPr lang="en-US" altLang="ko-KR" sz="2400">
+                <a:latin typeface="맑은 고딕"/>
+                <a:ea typeface="맑은 고딕"/>
+                <a:cs typeface="맑은 고딕"/>
+              </a:rPr>
+              <a:t>(</a:t>
+            </a:r>
+            <a:endParaRPr lang="en-US" altLang="ko-KR" sz="2400">
+              <a:latin typeface="맑은 고딕"/>
+              <a:ea typeface="맑은 고딕"/>
+              <a:cs typeface="맑은 고딕"/>
+            </a:endParaRPr>
+          </a:p>
+          <a:p>
+            <a:pPr>
+              <a:defRPr lang="ko-KR" altLang="en-US"/>
+            </a:pPr>
+            <a:endParaRPr lang="en-US" altLang="ko-KR" sz="2400">
+              <a:latin typeface="맑은 고딕"/>
+              <a:ea typeface="맑은 고딕"/>
+              <a:cs typeface="맑은 고딕"/>
+            </a:endParaRPr>
+          </a:p>
+          <a:p>
+            <a:pPr>
+              <a:defRPr lang="ko-KR" altLang="en-US"/>
+            </a:pPr>
+            <a:r>
+              <a:rPr lang="en-US" altLang="ko-KR" sz="2000">
+                <a:latin typeface="맑은 고딕"/>
+                <a:ea typeface="맑은 고딕"/>
+                <a:cs typeface="맑은 고딕"/>
+              </a:rPr>
+              <a:t>    mac char(18) not null, </a:t>
+            </a:r>
+            <a:endParaRPr lang="en-US" altLang="ko-KR" sz="2000">
+              <a:latin typeface="맑은 고딕"/>
+              <a:ea typeface="맑은 고딕"/>
+              <a:cs typeface="맑은 고딕"/>
+            </a:endParaRPr>
+          </a:p>
+          <a:p>
+            <a:pPr>
+              <a:defRPr lang="ko-KR" altLang="en-US"/>
+            </a:pPr>
+            <a:r>
+              <a:rPr lang="en-US" altLang="ko-KR" sz="2000">
+                <a:latin typeface="맑은 고딕"/>
+                <a:ea typeface="맑은 고딕"/>
+                <a:cs typeface="맑은 고딕"/>
+              </a:rPr>
+              <a:t>    name char(15) not null,</a:t>
+            </a:r>
+            <a:endParaRPr lang="en-US" altLang="ko-KR" sz="2000">
+              <a:latin typeface="맑은 고딕"/>
+              <a:ea typeface="맑은 고딕"/>
+              <a:cs typeface="맑은 고딕"/>
+            </a:endParaRPr>
+          </a:p>
+          <a:p>
+            <a:pPr>
+              <a:defRPr lang="ko-KR" altLang="en-US"/>
+            </a:pPr>
+            <a:r>
+              <a:rPr lang="en-US" altLang="ko-KR" sz="2000">
+                <a:latin typeface="맑은 고딕"/>
+                <a:ea typeface="맑은 고딕"/>
+                <a:cs typeface="맑은 고딕"/>
+              </a:rPr>
+              <a:t>    filename varchar(20),</a:t>
+            </a:r>
+            <a:endParaRPr lang="en-US" altLang="ko-KR" sz="2000">
+              <a:latin typeface="맑은 고딕"/>
+              <a:ea typeface="맑은 고딕"/>
+              <a:cs typeface="맑은 고딕"/>
+            </a:endParaRPr>
+          </a:p>
+          <a:p>
+            <a:pPr>
+              <a:defRPr lang="ko-KR" altLang="en-US"/>
+            </a:pPr>
+            <a:r>
+              <a:rPr lang="en-US" altLang="ko-KR" sz="2000">
+                <a:latin typeface="맑은 고딕"/>
+                <a:ea typeface="맑은 고딕"/>
+                <a:cs typeface="맑은 고딕"/>
+              </a:rPr>
+              <a:t>    primary key (mac)</a:t>
+            </a:r>
+            <a:endParaRPr lang="en-US" altLang="ko-KR" sz="2400">
+              <a:latin typeface="맑은 고딕"/>
+              <a:ea typeface="맑은 고딕"/>
+              <a:cs typeface="맑은 고딕"/>
+            </a:endParaRPr>
+          </a:p>
+          <a:p>
+            <a:pPr>
+              <a:defRPr lang="ko-KR" altLang="en-US"/>
+            </a:pPr>
+            <a:endParaRPr lang="en-US" altLang="ko-KR" sz="2400">
+              <a:latin typeface="맑은 고딕"/>
+              <a:ea typeface="맑은 고딕"/>
+              <a:cs typeface="맑은 고딕"/>
+            </a:endParaRPr>
+          </a:p>
+          <a:p>
+            <a:pPr>
+              <a:defRPr lang="ko-KR" altLang="en-US"/>
+            </a:pPr>
+            <a:r>
+              <a:rPr lang="en-US" altLang="ko-KR" sz="2400">
+                <a:latin typeface="맑은 고딕"/>
+                <a:ea typeface="맑은 고딕"/>
+                <a:cs typeface="맑은 고딕"/>
+              </a:rPr>
+              <a:t>)</a:t>
+            </a:r>
+            <a:endParaRPr lang="en-US" altLang="ko-KR" sz="2400">
+              <a:latin typeface="맑은 고딕"/>
+              <a:ea typeface="맑은 고딕"/>
+              <a:cs typeface="맑은 고딕"/>
+            </a:endParaRPr>
+          </a:p>
+        </p:txBody>
+      </p:sp>
+    </p:spTree>
+  </p:cSld>
+  <p:clrMapOvr>
+    <a:masterClrMapping/>
+  </p:clrMapOvr>
+  <mc:AlternateContent xmlns:mc="http://schemas.openxmlformats.org/markup-compatibility/2006">
+    <mc:Choice xmlns:p14="http://schemas.microsoft.com/office/powerpoint/2010/main" Requires="p14">
+      <p:transition xmlns:mc="http://schemas.openxmlformats.org/markup-compatibility/2006" xmlns:p14="http://schemas.microsoft.com/office/powerpoint/2010/main" mc:Ignorable="p14" p14:dur="500"/>
+    </mc:Choice>
+    <mc:Fallback>
+      <p:transition/>
+    </mc:Fallback>
+  </mc:AlternateContent>
+</p:sld>
+</file>
+
+<file path=ppt/slides/slide17.xml><?xml version="1.0" encoding="utf-8"?>
+<p:sld xmlns:r="http://schemas.openxmlformats.org/officeDocument/2006/relationships" xmlns:c="http://schemas.openxmlformats.org/drawingml/2006/chart" xmlns:a="http://schemas.openxmlformats.org/drawingml/2006/main" xmlns:dgm="http://schemas.openxmlformats.org/drawingml/2006/diagram" xmlns:dsp="http://schemas.microsoft.com/office/drawing/2008/diagram" xmlns:p="http://schemas.openxmlformats.org/presentationml/2006/main">
+  <p:cSld>
+    <p:spTree>
+      <p:nvGrpSpPr>
+        <p:cNvPr id="1" name=""/>
+        <p:cNvGrpSpPr/>
+        <p:nvPr/>
+      </p:nvGrpSpPr>
+      <p:grpSpPr>
+        <a:xfrm>
+          <a:off x="0" y="0"/>
+          <a:ext cx="0" cy="0"/>
+          <a:chOff x="0" y="0"/>
+          <a:chExt cx="0" cy="0"/>
+        </a:xfrm>
+      </p:grpSpPr>
+      <p:sp>
+        <p:nvSpPr>
+          <p:cNvPr id="2" name="제목 1"/>
+          <p:cNvSpPr>
+            <a:spLocks noGrp="1"/>
+          </p:cNvSpPr>
+          <p:nvPr>
+            <p:ph type="title" idx="0"/>
+          </p:nvPr>
+        </p:nvSpPr>
+        <p:spPr/>
+        <p:txBody>
+          <a:bodyPr/>
+          <a:lstStyle/>
+          <a:p>
+            <a:pPr>
+              <a:defRPr lang="ko-KR" altLang="en-US"/>
+            </a:pPr>
+            <a:r>
+              <a:rPr lang="en-US" altLang="ko-KR"/>
+              <a:t>Table </a:t>
+            </a:r>
+            <a:r>
+              <a:rPr lang="ko-KR" altLang="en-US"/>
+              <a:t>구성</a:t>
+            </a:r>
+            <a:endParaRPr lang="ko-KR" altLang="en-US"/>
+          </a:p>
+        </p:txBody>
+      </p:sp>
+      <p:pic>
+        <p:nvPicPr>
+          <p:cNvPr id="36" name=""/>
+          <p:cNvPicPr>
+            <a:picLocks noChangeAspect="1"/>
+          </p:cNvPicPr>
+          <p:nvPr/>
+        </p:nvPicPr>
+        <p:blipFill rotWithShape="1">
+          <a:blip r:embed="rId2"/>
+          <a:stretch>
+            <a:fillRect/>
+          </a:stretch>
+        </p:blipFill>
+        <p:spPr>
+          <a:xfrm>
+            <a:off x="1099653" y="1714260"/>
+            <a:ext cx="10134125" cy="5004505"/>
+          </a:xfrm>
+          <a:prstGeom prst="rect">
+            <a:avLst/>
+          </a:prstGeom>
+        </p:spPr>
+      </p:pic>
+    </p:spTree>
+  </p:cSld>
+  <p:clrMapOvr>
+    <a:masterClrMapping/>
+  </p:clrMapOvr>
+  <mc:AlternateContent xmlns:mc="http://schemas.openxmlformats.org/markup-compatibility/2006">
+    <mc:Choice xmlns:p14="http://schemas.microsoft.com/office/powerpoint/2010/main" Requires="p14">
+      <p:transition xmlns:mc="http://schemas.openxmlformats.org/markup-compatibility/2006" xmlns:p14="http://schemas.microsoft.com/office/powerpoint/2010/main" mc:Ignorable="p14" p14:dur="500"/>
+    </mc:Choice>
+    <mc:Fallback>
+      <p:transition/>
+    </mc:Fallback>
+  </mc:AlternateContent>
+</p:sld>
+</file>
+
+<file path=ppt/slides/slide18.xml><?xml version="1.0" encoding="utf-8"?>
+<p:sld xmlns:r="http://schemas.openxmlformats.org/officeDocument/2006/relationships" xmlns:c="http://schemas.openxmlformats.org/drawingml/2006/chart" xmlns:a="http://schemas.openxmlformats.org/drawingml/2006/main" xmlns:dgm="http://schemas.openxmlformats.org/drawingml/2006/diagram" xmlns:dsp="http://schemas.microsoft.com/office/drawing/2008/diagram" xmlns:p="http://schemas.openxmlformats.org/presentationml/2006/main">
+  <p:cSld>
+    <p:spTree>
+      <p:nvGrpSpPr>
+        <p:cNvPr id="1" name=""/>
+        <p:cNvGrpSpPr/>
+        <p:nvPr/>
+      </p:nvGrpSpPr>
+      <p:grpSpPr>
+        <a:xfrm>
+          <a:off x="0" y="0"/>
+          <a:ext cx="0" cy="0"/>
+          <a:chOff x="0" y="0"/>
+          <a:chExt cx="0" cy="0"/>
+        </a:xfrm>
+      </p:grpSpPr>
+      <p:sp>
+        <p:nvSpPr>
+          <p:cNvPr id="2" name="제목 1"/>
+          <p:cNvSpPr>
+            <a:spLocks noGrp="1"/>
+          </p:cNvSpPr>
+          <p:nvPr>
+            <p:ph type="title" idx="0"/>
+          </p:nvPr>
+        </p:nvSpPr>
+        <p:spPr/>
+        <p:txBody>
+          <a:bodyPr/>
+          <a:lstStyle/>
+          <a:p>
+            <a:pPr>
+              <a:defRPr lang="ko-KR" altLang="en-US"/>
+            </a:pPr>
+            <a:r>
+              <a:rPr lang="en-US" altLang="ko-KR"/>
+              <a:t>Table </a:t>
+            </a:r>
+            <a:r>
+              <a:rPr lang="ko-KR" altLang="en-US"/>
+              <a:t>구성</a:t>
+            </a:r>
+            <a:endParaRPr lang="ko-KR" altLang="en-US"/>
+          </a:p>
+        </p:txBody>
+      </p:sp>
+      <p:pic>
+        <p:nvPicPr>
+          <p:cNvPr id="5" name=""/>
+          <p:cNvPicPr>
+            <a:picLocks noChangeAspect="1"/>
+          </p:cNvPicPr>
+          <p:nvPr/>
+        </p:nvPicPr>
+        <p:blipFill rotWithShape="1">
+          <a:blip r:embed="rId2"/>
+          <a:stretch>
+            <a:fillRect/>
+          </a:stretch>
+        </p:blipFill>
+        <p:spPr>
+          <a:xfrm>
+            <a:off x="1290157" y="1703235"/>
+            <a:ext cx="9756004" cy="4415266"/>
+          </a:xfrm>
+          <a:prstGeom prst="rect">
+            <a:avLst/>
+          </a:prstGeom>
+        </p:spPr>
+      </p:pic>
+    </p:spTree>
+  </p:cSld>
+  <p:clrMapOvr>
+    <a:masterClrMapping/>
+  </p:clrMapOvr>
+  <mc:AlternateContent xmlns:mc="http://schemas.openxmlformats.org/markup-compatibility/2006">
+    <mc:Choice xmlns:p14="http://schemas.microsoft.com/office/powerpoint/2010/main" Requires="p14">
+      <p:transition xmlns:mc="http://schemas.openxmlformats.org/markup-compatibility/2006" xmlns:p14="http://schemas.microsoft.com/office/powerpoint/2010/main" mc:Ignorable="p14" p14:dur="500"/>
+    </mc:Choice>
+    <mc:Fallback>
+      <p:transition/>
+    </mc:Fallback>
+  </mc:AlternateContent>
+</p:sld>
+</file>
+
+<file path=ppt/slides/slide19.xml><?xml version="1.0" encoding="utf-8"?>
 <p:sld xmlns:r="http://schemas.openxmlformats.org/officeDocument/2006/relationships" xmlns:c="http://schemas.openxmlformats.org/drawingml/2006/chart" xmlns:a="http://schemas.openxmlformats.org/drawingml/2006/main" xmlns:dgm="http://schemas.openxmlformats.org/drawingml/2006/diagram" xmlns:dsp="http://schemas.microsoft.com/office/drawing/2008/diagram" xmlns:p="http://schemas.openxmlformats.org/presentationml/2006/main">
   <p:cSld>
     <p:spTree>
@@ -7579,7 +8482,7 @@
                 <a:latin typeface="HY견고딕"/>
                 <a:ea typeface="HY견고딕"/>
               </a:rPr>
-              <a:t>향후 계획</a:t>
+              <a:t>시연 영상</a:t>
             </a:r>
             <a:endParaRPr lang="ko-KR" altLang="en-US" sz="3200">
               <a:solidFill>
@@ -7618,7 +8521,7 @@
 </p:sld>
 </file>
 
-<file path=ppt/slides/slide17.xml><?xml version="1.0" encoding="utf-8"?>
+<file path=ppt/slides/slide2.xml><?xml version="1.0" encoding="utf-8"?>
 <p:sld xmlns:r="http://schemas.openxmlformats.org/officeDocument/2006/relationships" xmlns:c="http://schemas.openxmlformats.org/drawingml/2006/chart" xmlns:a="http://schemas.openxmlformats.org/drawingml/2006/main" xmlns:dgm="http://schemas.openxmlformats.org/drawingml/2006/diagram" xmlns:dsp="http://schemas.microsoft.com/office/drawing/2008/diagram" xmlns:p="http://schemas.openxmlformats.org/presentationml/2006/main">
   <p:cSld>
     <p:spTree>
@@ -7637,6 +8540,1115 @@
       </p:grpSpPr>
       <p:sp>
         <p:nvSpPr>
+          <p:cNvPr id="2" name="직사각형 1"/>
+          <p:cNvSpPr/>
+          <p:nvPr/>
+        </p:nvSpPr>
+        <p:spPr>
+          <a:xfrm>
+            <a:off x="0" y="1362807"/>
+            <a:ext cx="12192000" cy="79131"/>
+          </a:xfrm>
+          <a:prstGeom prst="rect">
+            <a:avLst/>
+          </a:prstGeom>
+          <a:blipFill rotWithShape="1">
+            <a:blip r:embed="rId2"/>
+            <a:tile tx="0" ty="0" sx="100000" sy="100000" flip="none" algn="tl"/>
+          </a:blipFill>
+          <a:ln>
+            <a:noFill/>
+          </a:ln>
+        </p:spPr>
+        <p:style>
+          <a:lnRef idx="2">
+            <a:schemeClr val="accent3">
+              <a:shade val="50000"/>
+            </a:schemeClr>
+          </a:lnRef>
+          <a:fillRef idx="1">
+            <a:schemeClr val="accent3"/>
+          </a:fillRef>
+          <a:effectRef idx="0">
+            <a:schemeClr val="accent3"/>
+          </a:effectRef>
+          <a:fontRef idx="minor">
+            <a:schemeClr val="lt1"/>
+          </a:fontRef>
+        </p:style>
+        <p:txBody>
+          <a:bodyPr anchor="ctr"/>
+          <a:lstStyle/>
+          <a:p>
+            <a:pPr algn="ctr">
+              <a:defRPr lang="ko-KR" altLang="en-US"/>
+            </a:pPr>
+            <a:endParaRPr lang="ko-KR" altLang="en-US"/>
+          </a:p>
+        </p:txBody>
+      </p:sp>
+      <p:sp>
+        <p:nvSpPr>
+          <p:cNvPr id="3" name="직사각형 2"/>
+          <p:cNvSpPr/>
+          <p:nvPr/>
+        </p:nvSpPr>
+        <p:spPr>
+          <a:xfrm>
+            <a:off x="0" y="1441938"/>
+            <a:ext cx="12192000" cy="79131"/>
+          </a:xfrm>
+          <a:prstGeom prst="rect">
+            <a:avLst/>
+          </a:prstGeom>
+          <a:blipFill rotWithShape="1">
+            <a:blip r:embed="rId3"/>
+            <a:tile tx="0" ty="0" sx="100000" sy="100000" flip="none" algn="tl"/>
+          </a:blipFill>
+          <a:ln>
+            <a:noFill/>
+          </a:ln>
+        </p:spPr>
+        <p:style>
+          <a:lnRef idx="2">
+            <a:schemeClr val="accent3">
+              <a:shade val="50000"/>
+            </a:schemeClr>
+          </a:lnRef>
+          <a:fillRef idx="1">
+            <a:schemeClr val="accent3"/>
+          </a:fillRef>
+          <a:effectRef idx="0">
+            <a:schemeClr val="accent3"/>
+          </a:effectRef>
+          <a:fontRef idx="minor">
+            <a:schemeClr val="lt1"/>
+          </a:fontRef>
+        </p:style>
+        <p:txBody>
+          <a:bodyPr anchor="ctr"/>
+          <a:lstStyle/>
+          <a:p>
+            <a:pPr algn="ctr">
+              <a:defRPr lang="ko-KR" altLang="en-US"/>
+            </a:pPr>
+            <a:endParaRPr lang="ko-KR" altLang="en-US"/>
+          </a:p>
+        </p:txBody>
+      </p:sp>
+      <p:pic>
+        <p:nvPicPr>
+          <p:cNvPr id="6" name="Picture 3"/>
+          <p:cNvPicPr>
+            <a:picLocks noChangeAspect="1" noChangeArrowheads="1"/>
+          </p:cNvPicPr>
+          <p:nvPr/>
+        </p:nvPicPr>
+        <p:blipFill rotWithShape="1">
+          <a:blip r:embed="rId4"/>
+          <a:srcRect/>
+          <a:stretch>
+            <a:fillRect/>
+          </a:stretch>
+        </p:blipFill>
+        <p:spPr>
+          <a:xfrm>
+            <a:off x="-7937" y="-30769"/>
+            <a:ext cx="12199938" cy="1403956"/>
+          </a:xfrm>
+          <a:prstGeom prst="rect">
+            <a:avLst/>
+          </a:prstGeom>
+          <a:noFill/>
+          <a:ln>
+            <a:noFill/>
+          </a:ln>
+        </p:spPr>
+      </p:pic>
+      <p:sp>
+        <p:nvSpPr>
+          <p:cNvPr id="7" name="Line 4"/>
+          <p:cNvSpPr>
+            <a:spLocks noChangeShapeType="1"/>
+          </p:cNvSpPr>
+          <p:nvPr/>
+        </p:nvSpPr>
+        <p:spPr>
+          <a:xfrm>
+            <a:off x="1936750" y="1604963"/>
+            <a:ext cx="7431088" cy="0"/>
+          </a:xfrm>
+          <a:prstGeom prst="line">
+            <a:avLst/>
+          </a:prstGeom>
+          <a:noFill/>
+          <a:ln w="12700">
+            <a:solidFill>
+              <a:schemeClr val="bg2"/>
+            </a:solidFill>
+            <a:round/>
+            <a:tailEnd type="oval" w="lg" len="lg"/>
+          </a:ln>
+          <a:effectLst/>
+        </p:spPr>
+        <p:txBody>
+          <a:bodyPr wrap="square" anchor="ctr"/>
+          <a:lstStyle/>
+          <a:p>
+            <a:pPr>
+              <a:defRPr lang="ko-KR"/>
+            </a:pPr>
+            <a:endParaRPr lang="ko-KR" altLang="en-US">
+              <a:latin typeface="+mj-ea"/>
+              <a:ea typeface="+mj-ea"/>
+            </a:endParaRPr>
+          </a:p>
+        </p:txBody>
+      </p:sp>
+      <p:sp>
+        <p:nvSpPr>
+          <p:cNvPr id="8" name="Rectangle 6"/>
+          <p:cNvSpPr>
+            <a:spLocks noChangeArrowheads="1"/>
+          </p:cNvSpPr>
+          <p:nvPr/>
+        </p:nvSpPr>
+        <p:spPr>
+          <a:xfrm>
+            <a:off x="-7938" y="518160"/>
+            <a:ext cx="1952626" cy="604203"/>
+          </a:xfrm>
+          <a:prstGeom prst="rect">
+            <a:avLst/>
+          </a:prstGeom>
+          <a:solidFill>
+            <a:schemeClr val="tx1">
+              <a:lumMod val="65000"/>
+              <a:lumOff val="35000"/>
+            </a:schemeClr>
+          </a:solidFill>
+          <a:ln>
+            <a:noFill/>
+          </a:ln>
+          <a:effectLst/>
+        </p:spPr>
+        <p:txBody>
+          <a:bodyPr wrap="none" anchor="ctr"/>
+          <a:lstStyle/>
+          <a:p>
+            <a:pPr algn="ctr">
+              <a:lnSpc>
+                <a:spcPct val="90000"/>
+              </a:lnSpc>
+              <a:spcBef>
+                <a:spcPct val="30000"/>
+              </a:spcBef>
+              <a:buFont typeface="Wingdings"/>
+              <a:buNone/>
+              <a:defRPr lang="ko-KR"/>
+            </a:pPr>
+            <a:endParaRPr lang="ko-KR" altLang="ko-KR" b="1">
+              <a:solidFill>
+                <a:schemeClr val="bg1"/>
+              </a:solidFill>
+              <a:latin typeface="+mj-ea"/>
+              <a:ea typeface="+mj-ea"/>
+              <a:cs typeface="Arial"/>
+            </a:endParaRPr>
+          </a:p>
+        </p:txBody>
+      </p:sp>
+      <p:sp>
+        <p:nvSpPr>
+          <p:cNvPr id="9" name="Text Box 7"/>
+          <p:cNvSpPr txBox="1">
+            <a:spLocks noChangeArrowheads="1"/>
+          </p:cNvSpPr>
+          <p:nvPr/>
+        </p:nvSpPr>
+        <p:spPr>
+          <a:xfrm>
+            <a:off x="896620" y="609600"/>
+            <a:ext cx="2442845" cy="636270"/>
+          </a:xfrm>
+          <a:prstGeom prst="rect">
+            <a:avLst/>
+          </a:prstGeom>
+          <a:noFill/>
+          <a:ln>
+            <a:noFill/>
+          </a:ln>
+          <a:effectLst/>
+        </p:spPr>
+        <p:txBody>
+          <a:bodyPr wrap="none">
+            <a:spAutoFit/>
+          </a:bodyPr>
+          <a:lstStyle>
+            <a:lvl1pPr latinLnBrk="1">
+              <a:lnSpc>
+                <a:spcPct val="90000"/>
+              </a:lnSpc>
+              <a:spcBef>
+                <a:spcPts val="1000"/>
+              </a:spcBef>
+              <a:buFont typeface="Arial"/>
+              <a:buChar char="•"/>
+              <a:defRPr sz="2800">
+                <a:solidFill>
+                  <a:schemeClr val="tx1"/>
+                </a:solidFill>
+                <a:latin typeface="Calibri"/>
+                <a:ea typeface="맑은 고딕"/>
+              </a:defRPr>
+            </a:lvl1pPr>
+            <a:lvl2pPr marL="742950" indent="-285750" latinLnBrk="1">
+              <a:lnSpc>
+                <a:spcPct val="90000"/>
+              </a:lnSpc>
+              <a:spcBef>
+                <a:spcPts val="500"/>
+              </a:spcBef>
+              <a:buFont typeface="Arial"/>
+              <a:buChar char="•"/>
+              <a:defRPr sz="2400">
+                <a:solidFill>
+                  <a:schemeClr val="tx1"/>
+                </a:solidFill>
+                <a:latin typeface="Calibri"/>
+                <a:ea typeface="맑은 고딕"/>
+              </a:defRPr>
+            </a:lvl2pPr>
+            <a:lvl3pPr marL="1143000" indent="-228600" latinLnBrk="1">
+              <a:lnSpc>
+                <a:spcPct val="90000"/>
+              </a:lnSpc>
+              <a:spcBef>
+                <a:spcPts val="500"/>
+              </a:spcBef>
+              <a:buFont typeface="Arial"/>
+              <a:buChar char="•"/>
+              <a:defRPr sz="2000">
+                <a:solidFill>
+                  <a:schemeClr val="tx1"/>
+                </a:solidFill>
+                <a:latin typeface="Calibri"/>
+                <a:ea typeface="맑은 고딕"/>
+              </a:defRPr>
+            </a:lvl3pPr>
+            <a:lvl4pPr marL="1600200" indent="-228600" latinLnBrk="1">
+              <a:lnSpc>
+                <a:spcPct val="90000"/>
+              </a:lnSpc>
+              <a:spcBef>
+                <a:spcPts val="500"/>
+              </a:spcBef>
+              <a:buFont typeface="Arial"/>
+              <a:buChar char="•"/>
+              <a:defRPr>
+                <a:solidFill>
+                  <a:schemeClr val="tx1"/>
+                </a:solidFill>
+                <a:latin typeface="Calibri"/>
+                <a:ea typeface="맑은 고딕"/>
+              </a:defRPr>
+            </a:lvl4pPr>
+            <a:lvl5pPr marL="2057400" indent="-228600" latinLnBrk="1">
+              <a:lnSpc>
+                <a:spcPct val="90000"/>
+              </a:lnSpc>
+              <a:spcBef>
+                <a:spcPts val="500"/>
+              </a:spcBef>
+              <a:buFont typeface="Arial"/>
+              <a:buChar char="•"/>
+              <a:defRPr>
+                <a:solidFill>
+                  <a:schemeClr val="tx1"/>
+                </a:solidFill>
+                <a:latin typeface="Calibri"/>
+                <a:ea typeface="맑은 고딕"/>
+              </a:defRPr>
+            </a:lvl5pPr>
+            <a:lvl6pPr marL="2514600" indent="-228600" eaLnBrk="0" fontAlgn="base" hangingPunct="0">
+              <a:lnSpc>
+                <a:spcPct val="90000"/>
+              </a:lnSpc>
+              <a:spcBef>
+                <a:spcPts val="500"/>
+              </a:spcBef>
+              <a:spcAft>
+                <a:spcPct val="0"/>
+              </a:spcAft>
+              <a:buFont typeface="Arial"/>
+              <a:buChar char="•"/>
+              <a:defRPr>
+                <a:solidFill>
+                  <a:schemeClr val="tx1"/>
+                </a:solidFill>
+                <a:latin typeface="Calibri"/>
+                <a:ea typeface="맑은 고딕"/>
+              </a:defRPr>
+            </a:lvl6pPr>
+            <a:lvl7pPr marL="2971800" indent="-228600" eaLnBrk="0" fontAlgn="base" hangingPunct="0">
+              <a:lnSpc>
+                <a:spcPct val="90000"/>
+              </a:lnSpc>
+              <a:spcBef>
+                <a:spcPts val="500"/>
+              </a:spcBef>
+              <a:spcAft>
+                <a:spcPct val="0"/>
+              </a:spcAft>
+              <a:buFont typeface="Arial"/>
+              <a:buChar char="•"/>
+              <a:defRPr>
+                <a:solidFill>
+                  <a:schemeClr val="tx1"/>
+                </a:solidFill>
+                <a:latin typeface="Calibri"/>
+                <a:ea typeface="맑은 고딕"/>
+              </a:defRPr>
+            </a:lvl7pPr>
+            <a:lvl8pPr marL="3429000" indent="-228600" eaLnBrk="0" fontAlgn="base" hangingPunct="0">
+              <a:lnSpc>
+                <a:spcPct val="90000"/>
+              </a:lnSpc>
+              <a:spcBef>
+                <a:spcPts val="500"/>
+              </a:spcBef>
+              <a:spcAft>
+                <a:spcPct val="0"/>
+              </a:spcAft>
+              <a:buFont typeface="Arial"/>
+              <a:buChar char="•"/>
+              <a:defRPr>
+                <a:solidFill>
+                  <a:schemeClr val="tx1"/>
+                </a:solidFill>
+                <a:latin typeface="Calibri"/>
+                <a:ea typeface="맑은 고딕"/>
+              </a:defRPr>
+            </a:lvl8pPr>
+            <a:lvl9pPr marL="3886200" indent="-228600" eaLnBrk="0" fontAlgn="base" hangingPunct="0">
+              <a:lnSpc>
+                <a:spcPct val="90000"/>
+              </a:lnSpc>
+              <a:spcBef>
+                <a:spcPts val="500"/>
+              </a:spcBef>
+              <a:spcAft>
+                <a:spcPct val="0"/>
+              </a:spcAft>
+              <a:buFont typeface="Arial"/>
+              <a:buChar char="•"/>
+              <a:defRPr>
+                <a:solidFill>
+                  <a:schemeClr val="tx1"/>
+                </a:solidFill>
+                <a:latin typeface="Calibri"/>
+                <a:ea typeface="맑은 고딕"/>
+              </a:defRPr>
+            </a:lvl9pPr>
+          </a:lstStyle>
+          <a:p>
+            <a:pPr latinLnBrk="0">
+              <a:lnSpc>
+                <a:spcPct val="100000"/>
+              </a:lnSpc>
+              <a:spcBef>
+                <a:spcPct val="0"/>
+              </a:spcBef>
+              <a:buNone/>
+              <a:defRPr lang="ko-KR"/>
+            </a:pPr>
+            <a:r>
+              <a:rPr lang="en-US" altLang="ko-KR" sz="3600">
+                <a:solidFill>
+                  <a:schemeClr val="bg1"/>
+                </a:solidFill>
+                <a:latin typeface="Arial Black"/>
+                <a:ea typeface="가는각진제목체"/>
+              </a:rPr>
+              <a:t>Con</a:t>
+            </a:r>
+            <a:r>
+              <a:rPr lang="en-US" altLang="ko-KR" sz="3600" b="1">
+                <a:solidFill>
+                  <a:schemeClr val="bg1">
+                    <a:lumMod val="50000"/>
+                  </a:schemeClr>
+                </a:solidFill>
+                <a:latin typeface="Arial Black"/>
+                <a:ea typeface="가는각진제목체"/>
+              </a:rPr>
+              <a:t>tents</a:t>
+            </a:r>
+            <a:endParaRPr lang="en-US" altLang="ko-KR" sz="3600" b="1">
+              <a:solidFill>
+                <a:schemeClr val="bg1">
+                  <a:lumMod val="50000"/>
+                </a:schemeClr>
+              </a:solidFill>
+              <a:latin typeface="Arial Black"/>
+              <a:ea typeface="가는각진제목체"/>
+            </a:endParaRPr>
+          </a:p>
+        </p:txBody>
+      </p:sp>
+      <p:sp>
+        <p:nvSpPr>
+          <p:cNvPr id="10" name="Rectangle 8"/>
+          <p:cNvSpPr>
+            <a:spLocks noChangeArrowheads="1"/>
+          </p:cNvSpPr>
+          <p:nvPr/>
+        </p:nvSpPr>
+        <p:spPr>
+          <a:xfrm>
+            <a:off x="1944688" y="1130300"/>
+            <a:ext cx="1342230" cy="390770"/>
+          </a:xfrm>
+          <a:prstGeom prst="rect">
+            <a:avLst/>
+          </a:prstGeom>
+          <a:solidFill>
+            <a:schemeClr val="tx1">
+              <a:lumMod val="65000"/>
+              <a:lumOff val="35000"/>
+            </a:schemeClr>
+          </a:solidFill>
+          <a:ln>
+            <a:noFill/>
+          </a:ln>
+          <a:effectLst/>
+        </p:spPr>
+        <p:txBody>
+          <a:bodyPr wrap="none" anchor="ctr"/>
+          <a:lstStyle/>
+          <a:p>
+            <a:pPr algn="ctr">
+              <a:lnSpc>
+                <a:spcPct val="90000"/>
+              </a:lnSpc>
+              <a:spcBef>
+                <a:spcPct val="30000"/>
+              </a:spcBef>
+              <a:buFont typeface="Wingdings"/>
+              <a:buNone/>
+              <a:defRPr lang="ko-KR"/>
+            </a:pPr>
+            <a:endParaRPr lang="ko-KR" altLang="ko-KR" b="1">
+              <a:solidFill>
+                <a:schemeClr val="bg1"/>
+              </a:solidFill>
+              <a:latin typeface="+mj-ea"/>
+              <a:ea typeface="+mj-ea"/>
+              <a:cs typeface="Arial"/>
+            </a:endParaRPr>
+          </a:p>
+        </p:txBody>
+      </p:sp>
+      <p:sp>
+        <p:nvSpPr>
+          <p:cNvPr id="21" name="Line 9"/>
+          <p:cNvSpPr>
+            <a:spLocks noChangeShapeType="1"/>
+          </p:cNvSpPr>
+          <p:nvPr/>
+        </p:nvSpPr>
+        <p:spPr>
+          <a:xfrm>
+            <a:off x="3286916" y="1521070"/>
+            <a:ext cx="2" cy="5002560"/>
+          </a:xfrm>
+          <a:prstGeom prst="line">
+            <a:avLst/>
+          </a:prstGeom>
+          <a:ln>
+            <a:solidFill>
+              <a:schemeClr val="tx1">
+                <a:lumMod val="40000"/>
+                <a:lumOff val="60000"/>
+              </a:schemeClr>
+            </a:solidFill>
+          </a:ln>
+        </p:spPr>
+        <p:style>
+          <a:lnRef idx="1">
+            <a:schemeClr val="accent4"/>
+          </a:lnRef>
+          <a:fillRef idx="0">
+            <a:schemeClr val="accent4"/>
+          </a:fillRef>
+          <a:effectRef idx="0">
+            <a:schemeClr val="accent4"/>
+          </a:effectRef>
+          <a:fontRef idx="minor">
+            <a:schemeClr val="tx1"/>
+          </a:fontRef>
+        </p:style>
+        <p:txBody>
+          <a:bodyPr wrap="square">
+            <a:spAutoFit/>
+          </a:bodyPr>
+          <a:lstStyle/>
+          <a:p>
+            <a:pPr>
+              <a:defRPr lang="ko-KR"/>
+            </a:pPr>
+            <a:endParaRPr lang="ko-KR" altLang="en-US">
+              <a:latin typeface="+mj-ea"/>
+              <a:ea typeface="+mj-ea"/>
+            </a:endParaRPr>
+          </a:p>
+        </p:txBody>
+      </p:sp>
+      <p:sp>
+        <p:nvSpPr>
+          <p:cNvPr id="34" name="제목 2"/>
+          <p:cNvSpPr txBox="1"/>
+          <p:nvPr/>
+        </p:nvSpPr>
+        <p:spPr>
+          <a:xfrm>
+            <a:off x="2615803" y="2204403"/>
+            <a:ext cx="6162675" cy="485775"/>
+          </a:xfrm>
+          <a:prstGeom prst="rect">
+            <a:avLst/>
+          </a:prstGeom>
+          <a:solidFill>
+            <a:schemeClr val="tx1">
+              <a:lumMod val="65000"/>
+              <a:lumOff val="35000"/>
+            </a:schemeClr>
+          </a:solidFill>
+          <a:effectLst/>
+        </p:spPr>
+        <p:txBody>
+          <a:bodyPr lIns="144000" anchor="ctr"/>
+          <a:lstStyle/>
+          <a:p>
+            <a:pPr marL="288000" indent="-216000">
+              <a:defRPr lang="ko-KR"/>
+            </a:pPr>
+            <a:endParaRPr lang="ko-KR" altLang="en-US" sz="2000" b="1" spc="-80">
+              <a:solidFill>
+                <a:schemeClr val="bg1"/>
+              </a:solidFill>
+              <a:latin typeface="+mj-ea"/>
+              <a:ea typeface="+mj-ea"/>
+              <a:cs typeface="+mj-cs"/>
+            </a:endParaRPr>
+          </a:p>
+        </p:txBody>
+      </p:sp>
+      <p:sp>
+        <p:nvSpPr>
+          <p:cNvPr id="35" name="제목 3"/>
+          <p:cNvSpPr txBox="1"/>
+          <p:nvPr/>
+        </p:nvSpPr>
+        <p:spPr>
+          <a:xfrm>
+            <a:off x="2798365" y="2269490"/>
+            <a:ext cx="5821363" cy="385763"/>
+          </a:xfrm>
+          <a:prstGeom prst="rect">
+            <a:avLst/>
+          </a:prstGeom>
+        </p:spPr>
+        <p:txBody>
+          <a:bodyPr vert="horz" lIns="0" tIns="0" rIns="0" bIns="0" anchor="b">
+            <a:noAutofit/>
+          </a:bodyPr>
+          <a:lstStyle/>
+          <a:p>
+            <a:pPr marL="609600" indent="-609600" defTabSz="420133">
+              <a:lnSpc>
+                <a:spcPct val="150000"/>
+              </a:lnSpc>
+              <a:spcBef>
+                <a:spcPct val="20000"/>
+              </a:spcBef>
+              <a:defRPr lang="ko-KR"/>
+            </a:pPr>
+            <a:r>
+              <a:rPr lang="en-US" altLang="ko-KR" sz="2000" b="1">
+                <a:latin typeface="+mj-ea"/>
+                <a:cs typeface="Arial"/>
+              </a:rPr>
+              <a:t>Ⅰ.	</a:t>
+            </a:r>
+            <a:r>
+              <a:rPr lang="ko-KR" altLang="en-US" sz="2000" b="1">
+                <a:latin typeface="+mj-ea"/>
+                <a:cs typeface="Arial"/>
+              </a:rPr>
+              <a:t>프로그램 개발 동기</a:t>
+            </a:r>
+            <a:endParaRPr lang="ko-KR" altLang="en-US" sz="2000" b="1">
+              <a:latin typeface="+mj-ea"/>
+              <a:cs typeface="Arial"/>
+            </a:endParaRPr>
+          </a:p>
+        </p:txBody>
+      </p:sp>
+      <p:sp>
+        <p:nvSpPr>
+          <p:cNvPr id="36" name="제목 2"/>
+          <p:cNvSpPr txBox="1"/>
+          <p:nvPr/>
+        </p:nvSpPr>
+        <p:spPr>
+          <a:xfrm>
+            <a:off x="2615803" y="4390390"/>
+            <a:ext cx="6162675" cy="485775"/>
+          </a:xfrm>
+          <a:prstGeom prst="rect">
+            <a:avLst/>
+          </a:prstGeom>
+          <a:solidFill>
+            <a:schemeClr val="bg1"/>
+          </a:solidFill>
+          <a:effectLst/>
+        </p:spPr>
+        <p:txBody>
+          <a:bodyPr lIns="144000" anchor="ctr"/>
+          <a:lstStyle/>
+          <a:p>
+            <a:pPr>
+              <a:defRPr lang="ko-KR"/>
+            </a:pPr>
+            <a:endParaRPr lang="ko-KR" altLang="en-US" sz="2000"/>
+          </a:p>
+        </p:txBody>
+      </p:sp>
+      <p:sp>
+        <p:nvSpPr>
+          <p:cNvPr id="37" name="제목 1"/>
+          <p:cNvSpPr txBox="1"/>
+          <p:nvPr/>
+        </p:nvSpPr>
+        <p:spPr>
+          <a:xfrm>
+            <a:off x="2826940" y="4399915"/>
+            <a:ext cx="5821363" cy="385763"/>
+          </a:xfrm>
+          <a:prstGeom prst="rect">
+            <a:avLst/>
+          </a:prstGeom>
+          <a:noFill/>
+          <a:ln>
+            <a:noFill/>
+          </a:ln>
+        </p:spPr>
+        <p:txBody>
+          <a:bodyPr lIns="0" tIns="0" rIns="0" bIns="0" anchor="ctr"/>
+          <a:lstStyle/>
+          <a:p>
+            <a:pPr latinLnBrk="1">
+              <a:lnSpc>
+                <a:spcPct val="150000"/>
+              </a:lnSpc>
+              <a:spcBef>
+                <a:spcPct val="20000"/>
+              </a:spcBef>
+              <a:defRPr lang="ko-KR" altLang="en-US"/>
+            </a:pPr>
+            <a:r>
+              <a:rPr lang="en-US" altLang="ko-KR" sz="2000" b="1">
+                <a:solidFill>
+                  <a:srgbClr val="7f7f7f"/>
+                </a:solidFill>
+                <a:latin typeface="맑은 고딕"/>
+                <a:cs typeface="Arial"/>
+              </a:rPr>
+              <a:t>Ⅳ.   </a:t>
+            </a:r>
+            <a:r>
+              <a:rPr lang="ko-KR" altLang="en-US" sz="2000" b="1">
+                <a:solidFill>
+                  <a:srgbClr val="7f7f7f"/>
+                </a:solidFill>
+                <a:latin typeface="맑은 고딕"/>
+                <a:cs typeface="Arial"/>
+              </a:rPr>
+              <a:t>시연 영상</a:t>
+            </a:r>
+            <a:endParaRPr lang="ko-KR" altLang="en-US" sz="2000" b="1">
+              <a:solidFill>
+                <a:srgbClr val="7f7f7f"/>
+              </a:solidFill>
+              <a:latin typeface="맑은 고딕"/>
+              <a:cs typeface="Arial"/>
+            </a:endParaRPr>
+          </a:p>
+        </p:txBody>
+      </p:sp>
+      <p:sp>
+        <p:nvSpPr>
+          <p:cNvPr id="38" name="제목 2"/>
+          <p:cNvSpPr txBox="1"/>
+          <p:nvPr/>
+        </p:nvSpPr>
+        <p:spPr>
+          <a:xfrm>
+            <a:off x="2615803" y="3661728"/>
+            <a:ext cx="6162675" cy="485775"/>
+          </a:xfrm>
+          <a:prstGeom prst="rect">
+            <a:avLst/>
+          </a:prstGeom>
+          <a:solidFill>
+            <a:schemeClr val="bg1"/>
+          </a:solidFill>
+          <a:effectLst/>
+        </p:spPr>
+        <p:txBody>
+          <a:bodyPr lIns="144000" anchor="ctr"/>
+          <a:lstStyle/>
+          <a:p>
+            <a:pPr>
+              <a:defRPr lang="ko-KR"/>
+            </a:pPr>
+            <a:endParaRPr lang="ko-KR" altLang="en-US" sz="2000"/>
+          </a:p>
+        </p:txBody>
+      </p:sp>
+      <p:sp>
+        <p:nvSpPr>
+          <p:cNvPr id="39" name="제목 1"/>
+          <p:cNvSpPr txBox="1"/>
+          <p:nvPr/>
+        </p:nvSpPr>
+        <p:spPr>
+          <a:xfrm>
+            <a:off x="2826940" y="3671253"/>
+            <a:ext cx="5821363" cy="385762"/>
+          </a:xfrm>
+          <a:prstGeom prst="rect">
+            <a:avLst/>
+          </a:prstGeom>
+          <a:noFill/>
+          <a:ln>
+            <a:noFill/>
+          </a:ln>
+        </p:spPr>
+        <p:txBody>
+          <a:bodyPr lIns="0" tIns="0" rIns="0" bIns="0" anchor="ctr"/>
+          <a:lstStyle/>
+          <a:p>
+            <a:pPr latinLnBrk="1">
+              <a:lnSpc>
+                <a:spcPct val="150000"/>
+              </a:lnSpc>
+              <a:spcBef>
+                <a:spcPct val="20000"/>
+              </a:spcBef>
+              <a:defRPr lang="ko-KR" altLang="en-US"/>
+            </a:pPr>
+            <a:r>
+              <a:rPr lang="en-US" altLang="ko-KR" sz="2000" b="1">
+                <a:solidFill>
+                  <a:srgbClr val="7f7f7f"/>
+                </a:solidFill>
+                <a:latin typeface="맑은 고딕"/>
+                <a:cs typeface="Arial"/>
+              </a:rPr>
+              <a:t>Ⅲ.   </a:t>
+            </a:r>
+            <a:r>
+              <a:rPr lang="ko-KR" altLang="en-US" sz="2000" b="1">
+                <a:solidFill>
+                  <a:srgbClr val="7f7f7f"/>
+                </a:solidFill>
+                <a:latin typeface="맑은 고딕"/>
+                <a:cs typeface="Arial"/>
+              </a:rPr>
+              <a:t>프로그램 동작 원리</a:t>
+            </a:r>
+            <a:endParaRPr lang="ko-KR" altLang="en-US" sz="2000" b="1">
+              <a:solidFill>
+                <a:srgbClr val="7f7f7f"/>
+              </a:solidFill>
+              <a:latin typeface="맑은 고딕"/>
+              <a:cs typeface="Arial"/>
+            </a:endParaRPr>
+          </a:p>
+        </p:txBody>
+      </p:sp>
+      <p:sp>
+        <p:nvSpPr>
+          <p:cNvPr id="40" name="제목 2"/>
+          <p:cNvSpPr txBox="1"/>
+          <p:nvPr/>
+        </p:nvSpPr>
+        <p:spPr>
+          <a:xfrm>
+            <a:off x="2615803" y="2933065"/>
+            <a:ext cx="6162675" cy="485775"/>
+          </a:xfrm>
+          <a:prstGeom prst="rect">
+            <a:avLst/>
+          </a:prstGeom>
+          <a:solidFill>
+            <a:schemeClr val="bg1"/>
+          </a:solidFill>
+          <a:effectLst/>
+        </p:spPr>
+        <p:txBody>
+          <a:bodyPr lIns="144000" anchor="ctr"/>
+          <a:lstStyle/>
+          <a:p>
+            <a:pPr marL="288000" indent="-216000">
+              <a:defRPr lang="ko-KR"/>
+            </a:pPr>
+            <a:endParaRPr lang="ko-KR" altLang="en-US" sz="2000" b="1" spc="-80">
+              <a:solidFill>
+                <a:schemeClr val="bg1"/>
+              </a:solidFill>
+              <a:latin typeface="+mj-ea"/>
+              <a:ea typeface="+mj-ea"/>
+              <a:cs typeface="+mj-cs"/>
+            </a:endParaRPr>
+          </a:p>
+        </p:txBody>
+      </p:sp>
+      <p:sp>
+        <p:nvSpPr>
+          <p:cNvPr id="41" name="직사각형 18"/>
+          <p:cNvSpPr/>
+          <p:nvPr/>
+        </p:nvSpPr>
+        <p:spPr>
+          <a:xfrm>
+            <a:off x="5857794" y="3488174"/>
+            <a:ext cx="184731" cy="369332"/>
+          </a:xfrm>
+          <a:prstGeom prst="rect">
+            <a:avLst/>
+          </a:prstGeom>
+        </p:spPr>
+        <p:txBody>
+          <a:bodyPr wrap="none">
+            <a:spAutoFit/>
+          </a:bodyPr>
+          <a:lstStyle/>
+          <a:p>
+            <a:pPr lvl="0">
+              <a:defRPr lang="ko-KR" altLang="en-US"/>
+            </a:pPr>
+            <a:endParaRPr lang="ko-KR" altLang="en-US"/>
+          </a:p>
+        </p:txBody>
+      </p:sp>
+      <p:sp>
+        <p:nvSpPr>
+          <p:cNvPr id="42" name="제목 1"/>
+          <p:cNvSpPr txBox="1"/>
+          <p:nvPr/>
+        </p:nvSpPr>
+        <p:spPr>
+          <a:xfrm>
+            <a:off x="2817812" y="2966720"/>
+            <a:ext cx="5821363" cy="385762"/>
+          </a:xfrm>
+          <a:prstGeom prst="rect">
+            <a:avLst/>
+          </a:prstGeom>
+          <a:noFill/>
+          <a:ln>
+            <a:noFill/>
+          </a:ln>
+        </p:spPr>
+        <p:txBody>
+          <a:bodyPr lIns="0" tIns="0" rIns="0" bIns="0" anchor="ctr"/>
+          <a:lstStyle/>
+          <a:p>
+            <a:pPr latinLnBrk="1">
+              <a:lnSpc>
+                <a:spcPct val="150000"/>
+              </a:lnSpc>
+              <a:spcBef>
+                <a:spcPct val="20000"/>
+              </a:spcBef>
+              <a:defRPr lang="ko-KR" altLang="en-US"/>
+            </a:pPr>
+            <a:r>
+              <a:rPr lang="en-US" altLang="ko-KR" sz="2000" b="1">
+                <a:solidFill>
+                  <a:schemeClr val="bg2">
+                    <a:lumMod val="50000"/>
+                  </a:schemeClr>
+                </a:solidFill>
+                <a:latin typeface="맑은 고딕"/>
+                <a:cs typeface="Arial"/>
+              </a:rPr>
+              <a:t>Ⅱ</a:t>
+            </a:r>
+            <a:r>
+              <a:rPr lang="en-US" altLang="ko-KR" sz="2000" b="1">
+                <a:solidFill>
+                  <a:srgbClr val="7f7f7f"/>
+                </a:solidFill>
+                <a:latin typeface="맑은 고딕"/>
+                <a:cs typeface="Arial"/>
+              </a:rPr>
+              <a:t>.</a:t>
+            </a:r>
+            <a:r>
+              <a:rPr lang="ko-KR" altLang="en-US" sz="2000" b="1">
+                <a:solidFill>
+                  <a:srgbClr val="7f7f7f"/>
+                </a:solidFill>
+                <a:latin typeface="맑은 고딕"/>
+                <a:cs typeface="Arial"/>
+              </a:rPr>
+              <a:t>   개발 환경</a:t>
+            </a:r>
+            <a:endParaRPr lang="ko-KR" altLang="en-US" sz="2000" b="1">
+              <a:solidFill>
+                <a:srgbClr val="7f7f7f"/>
+              </a:solidFill>
+              <a:latin typeface="맑은 고딕"/>
+              <a:cs typeface="Arial"/>
+            </a:endParaRPr>
+          </a:p>
+        </p:txBody>
+      </p:sp>
+      <p:sp>
+        <p:nvSpPr>
+          <p:cNvPr id="43" name="제목 2"/>
+          <p:cNvSpPr txBox="1"/>
+          <p:nvPr/>
+        </p:nvSpPr>
+        <p:spPr>
+          <a:xfrm>
+            <a:off x="2606675" y="5040194"/>
+            <a:ext cx="6162675" cy="485775"/>
+          </a:xfrm>
+          <a:prstGeom prst="rect">
+            <a:avLst/>
+          </a:prstGeom>
+          <a:solidFill>
+            <a:schemeClr val="bg1"/>
+          </a:solidFill>
+          <a:effectLst/>
+        </p:spPr>
+        <p:txBody>
+          <a:bodyPr lIns="144000" anchor="ctr"/>
+          <a:lstStyle/>
+          <a:p>
+            <a:pPr>
+              <a:defRPr lang="ko-KR"/>
+            </a:pPr>
+            <a:endParaRPr lang="ko-KR" altLang="en-US" sz="2000"/>
+          </a:p>
+        </p:txBody>
+      </p:sp>
+      <p:sp>
+        <p:nvSpPr>
+          <p:cNvPr id="44" name="제목 1"/>
+          <p:cNvSpPr txBox="1"/>
+          <p:nvPr/>
+        </p:nvSpPr>
+        <p:spPr>
+          <a:xfrm>
+            <a:off x="2817812" y="5049719"/>
+            <a:ext cx="5821363" cy="385763"/>
+          </a:xfrm>
+          <a:prstGeom prst="rect">
+            <a:avLst/>
+          </a:prstGeom>
+          <a:noFill/>
+          <a:ln>
+            <a:noFill/>
+          </a:ln>
+        </p:spPr>
+        <p:txBody>
+          <a:bodyPr lIns="0" tIns="0" rIns="0" bIns="0" anchor="ctr"/>
+          <a:lstStyle/>
+          <a:p>
+            <a:pPr latinLnBrk="1">
+              <a:lnSpc>
+                <a:spcPct val="150000"/>
+              </a:lnSpc>
+              <a:spcBef>
+                <a:spcPct val="20000"/>
+              </a:spcBef>
+              <a:defRPr lang="ko-KR" altLang="en-US"/>
+            </a:pPr>
+            <a:r>
+              <a:rPr lang="en-US" altLang="ko-KR" sz="2000" b="1">
+                <a:solidFill>
+                  <a:srgbClr val="7f7f7f"/>
+                </a:solidFill>
+                <a:latin typeface="맑은 고딕"/>
+                <a:cs typeface="Arial"/>
+              </a:rPr>
+              <a:t>Ⅴ.   </a:t>
+            </a:r>
+            <a:r>
+              <a:rPr lang="ko-KR" altLang="en-US" sz="2000" b="1">
+                <a:solidFill>
+                  <a:srgbClr val="7f7f7f"/>
+                </a:solidFill>
+                <a:latin typeface="맑은 고딕"/>
+                <a:cs typeface="Arial"/>
+              </a:rPr>
+              <a:t>향후 계획</a:t>
+            </a:r>
+            <a:endParaRPr lang="en-US" altLang="ko-KR" sz="2000" b="1">
+              <a:solidFill>
+                <a:srgbClr val="7f7f7f"/>
+              </a:solidFill>
+              <a:latin typeface="맑은 고딕"/>
+              <a:cs typeface="Arial"/>
+            </a:endParaRPr>
+          </a:p>
+        </p:txBody>
+      </p:sp>
+    </p:spTree>
+  </p:cSld>
+  <p:clrMapOvr>
+    <a:masterClrMapping/>
+  </p:clrMapOvr>
+  <mc:AlternateContent xmlns:mc="http://schemas.openxmlformats.org/markup-compatibility/2006">
+    <mc:Choice xmlns:p14="http://schemas.microsoft.com/office/powerpoint/2010/main" Requires="p14">
+      <p:transition xmlns:mc="http://schemas.openxmlformats.org/markup-compatibility/2006" xmlns:p14="http://schemas.microsoft.com/office/powerpoint/2010/main" mc:Ignorable="p14" p14:dur="700">
+        <p:fade/>
+      </p:transition>
+    </mc:Choice>
+    <mc:Fallback>
+      <p:transition xmlns:mc="http://schemas.openxmlformats.org/markup-compatibility/2006" xmlns:hp="http://schemas.haansoft.com/office/presentation/8.0" mc:Ignorable="hp" hp:hslDur="700">
+        <p:fade/>
+      </p:transition>
+    </mc:Fallback>
+  </mc:AlternateContent>
+</p:sld>
+</file>
+
+<file path=ppt/slides/slide20.xml><?xml version="1.0" encoding="utf-8"?>
+<p:sld xmlns:r="http://schemas.openxmlformats.org/officeDocument/2006/relationships" xmlns:c="http://schemas.openxmlformats.org/drawingml/2006/chart" xmlns:a="http://schemas.openxmlformats.org/drawingml/2006/main" xmlns:dgm="http://schemas.openxmlformats.org/drawingml/2006/diagram" xmlns:dsp="http://schemas.microsoft.com/office/drawing/2008/diagram" xmlns:p="http://schemas.openxmlformats.org/presentationml/2006/main">
+  <p:cSld>
+    <p:spTree>
+      <p:nvGrpSpPr>
+        <p:cNvPr id="1" name=""/>
+        <p:cNvGrpSpPr/>
+        <p:nvPr/>
+      </p:nvGrpSpPr>
+      <p:grpSpPr>
+        <a:xfrm>
+          <a:off x="0" y="0"/>
+          <a:ext cx="0" cy="0"/>
+          <a:chOff x="0" y="0"/>
+          <a:chExt cx="0" cy="0"/>
+        </a:xfrm>
+      </p:grpSpPr>
+      <p:sp>
+        <p:nvSpPr>
           <p:cNvPr id="2" name="제목 1"/>
           <p:cNvSpPr>
             <a:spLocks noGrp="1"/>
@@ -7655,7 +9667,7 @@
             </a:pPr>
             <a:r>
               <a:rPr lang="ko-KR" altLang="en-US"/>
-              <a:t>향후 계획</a:t>
+              <a:t/>
             </a:r>
             <a:endParaRPr lang="ko-KR" altLang="en-US"/>
           </a:p>
@@ -7671,106 +9683,22 @@
             <p:ph idx="1"/>
           </p:nvPr>
         </p:nvSpPr>
-        <p:spPr>
-          <a:xfrm>
-            <a:off x="1598469" y="5422324"/>
-            <a:ext cx="9601200" cy="1254990"/>
-          </a:xfrm>
-        </p:spPr>
+        <p:spPr/>
         <p:txBody>
           <a:bodyPr/>
           <a:lstStyle/>
           <a:p>
-            <a:pPr algn="ctr">
-              <a:buNone/>
+            <a:pPr>
               <a:defRPr lang="ko-KR" altLang="en-US"/>
             </a:pPr>
             <a:r>
-              <a:rPr lang="en-US" altLang="ko-KR"/>
-              <a:t>NetHunter</a:t>
-            </a:r>
-            <a:r>
               <a:rPr lang="ko-KR" altLang="en-US"/>
-              <a:t> 와 라즈베리 파이를 이용하여 휴대성과 편리함↑</a:t>
+              <a:t>동영상</a:t>
             </a:r>
             <a:endParaRPr lang="ko-KR" altLang="en-US"/>
           </a:p>
-          <a:p>
-            <a:pPr algn="ctr">
-              <a:buNone/>
-              <a:defRPr lang="ko-KR" altLang="en-US"/>
-            </a:pPr>
-            <a:r>
-              <a:rPr lang="ko-KR" altLang="en-US"/>
-              <a:t>라즈베리파이를 </a:t>
-            </a:r>
-            <a:r>
-              <a:rPr lang="en-US" altLang="ko-KR"/>
-              <a:t>AP</a:t>
-            </a:r>
-            <a:r>
-              <a:rPr lang="ko-KR" altLang="en-US"/>
-              <a:t>화 하여 필요한 공유기 통합</a:t>
-            </a:r>
-            <a:endParaRPr lang="ko-KR" altLang="en-US"/>
-          </a:p>
-          <a:p>
-            <a:pPr>
-              <a:buNone/>
-              <a:defRPr lang="ko-KR" altLang="en-US"/>
-            </a:pPr>
-            <a:endParaRPr lang="ko-KR" altLang="en-US"/>
-          </a:p>
-        </p:txBody>
-      </p:sp>
-      <p:pic>
-        <p:nvPicPr>
-          <p:cNvPr id="4" name=""/>
-          <p:cNvPicPr>
-            <a:picLocks noChangeAspect="1"/>
-          </p:cNvPicPr>
-          <p:nvPr/>
-        </p:nvPicPr>
-        <p:blipFill rotWithShape="1">
-          <a:blip r:embed="rId2"/>
-          <a:stretch>
-            <a:fillRect/>
-          </a:stretch>
-        </p:blipFill>
-        <p:spPr>
-          <a:xfrm>
-            <a:off x="3293339" y="1854488"/>
-            <a:ext cx="2802660" cy="3149023"/>
-          </a:xfrm>
-          <a:prstGeom prst="rect">
-            <a:avLst/>
-          </a:prstGeom>
-        </p:spPr>
-      </p:pic>
-      <p:pic>
-        <p:nvPicPr>
-          <p:cNvPr id="5" name=""/>
-          <p:cNvPicPr>
-            <a:picLocks noChangeAspect="1"/>
-          </p:cNvPicPr>
-          <p:nvPr/>
-        </p:nvPicPr>
-        <p:blipFill rotWithShape="1">
-          <a:blip r:embed="rId3"/>
-          <a:stretch>
-            <a:fillRect/>
-          </a:stretch>
-        </p:blipFill>
-        <p:spPr>
-          <a:xfrm>
-            <a:off x="6096000" y="1851602"/>
-            <a:ext cx="2946977" cy="3154795"/>
-          </a:xfrm>
-          <a:prstGeom prst="rect">
-            <a:avLst/>
-          </a:prstGeom>
-        </p:spPr>
-      </p:pic>
+        </p:txBody>
+      </p:sp>
     </p:spTree>
   </p:cSld>
   <p:clrMapOvr>
@@ -7787,7 +9715,7 @@
 </p:sld>
 </file>
 
-<file path=ppt/slides/slide18.xml><?xml version="1.0" encoding="utf-8"?>
+<file path=ppt/slides/slide21.xml><?xml version="1.0" encoding="utf-8"?>
 <p:sld xmlns:r="http://schemas.openxmlformats.org/officeDocument/2006/relationships" xmlns:c="http://schemas.openxmlformats.org/drawingml/2006/chart" xmlns:a="http://schemas.openxmlformats.org/drawingml/2006/main" xmlns:dgm="http://schemas.openxmlformats.org/drawingml/2006/diagram" xmlns:dsp="http://schemas.microsoft.com/office/drawing/2008/diagram" xmlns:p="http://schemas.openxmlformats.org/presentationml/2006/main">
   <p:cSld>
     <p:spTree>
@@ -7806,6 +9734,328 @@
       </p:grpSpPr>
       <p:sp>
         <p:nvSpPr>
+          <p:cNvPr id="2" name="Rectangle 6"/>
+          <p:cNvSpPr>
+            <a:spLocks noChangeArrowheads="1"/>
+          </p:cNvSpPr>
+          <p:nvPr/>
+        </p:nvSpPr>
+        <p:spPr>
+          <a:xfrm>
+            <a:off x="0" y="1493519"/>
+            <a:ext cx="12192000" cy="3855721"/>
+          </a:xfrm>
+          <a:prstGeom prst="rect">
+            <a:avLst/>
+          </a:prstGeom>
+          <a:solidFill>
+            <a:schemeClr val="tx1">
+              <a:lumMod val="65000"/>
+              <a:lumOff val="35000"/>
+              <a:alpha val="70000"/>
+            </a:schemeClr>
+          </a:solidFill>
+          <a:ln>
+            <a:noFill/>
+          </a:ln>
+          <a:effectLst/>
+        </p:spPr>
+        <p:txBody>
+          <a:bodyPr wrap="none" anchor="ctr"/>
+          <a:lstStyle/>
+          <a:p>
+            <a:pPr algn="ctr">
+              <a:lnSpc>
+                <a:spcPct val="90000"/>
+              </a:lnSpc>
+              <a:spcBef>
+                <a:spcPct val="30000"/>
+              </a:spcBef>
+              <a:buFont typeface="Wingdings"/>
+              <a:buNone/>
+              <a:defRPr lang="ko-KR"/>
+            </a:pPr>
+            <a:endParaRPr lang="ko-KR" altLang="ko-KR" b="1">
+              <a:solidFill>
+                <a:schemeClr val="bg1"/>
+              </a:solidFill>
+              <a:latin typeface="+mj-ea"/>
+              <a:ea typeface="+mj-ea"/>
+              <a:cs typeface="Arial"/>
+            </a:endParaRPr>
+          </a:p>
+        </p:txBody>
+      </p:sp>
+      <p:sp>
+        <p:nvSpPr>
+          <p:cNvPr id="3" name="Text Box 7"/>
+          <p:cNvSpPr txBox="1">
+            <a:spLocks noChangeArrowheads="1"/>
+          </p:cNvSpPr>
+          <p:nvPr/>
+        </p:nvSpPr>
+        <p:spPr>
+          <a:xfrm>
+            <a:off x="3990295" y="3128991"/>
+            <a:ext cx="4187869" cy="574329"/>
+          </a:xfrm>
+          <a:prstGeom prst="rect">
+            <a:avLst/>
+          </a:prstGeom>
+          <a:noFill/>
+          <a:ln>
+            <a:noFill/>
+          </a:ln>
+          <a:effectLst/>
+        </p:spPr>
+        <p:txBody>
+          <a:bodyPr wrap="square">
+            <a:spAutoFit/>
+          </a:bodyPr>
+          <a:lstStyle>
+            <a:lvl1pPr latinLnBrk="1">
+              <a:lnSpc>
+                <a:spcPct val="90000"/>
+              </a:lnSpc>
+              <a:spcBef>
+                <a:spcPts val="1000"/>
+              </a:spcBef>
+              <a:buFont typeface="Arial"/>
+              <a:buChar char="•"/>
+              <a:defRPr sz="2800">
+                <a:solidFill>
+                  <a:schemeClr val="tx1"/>
+                </a:solidFill>
+                <a:latin typeface="Calibri"/>
+                <a:ea typeface="맑은 고딕"/>
+              </a:defRPr>
+            </a:lvl1pPr>
+            <a:lvl2pPr marL="742950" indent="-285750" latinLnBrk="1">
+              <a:lnSpc>
+                <a:spcPct val="90000"/>
+              </a:lnSpc>
+              <a:spcBef>
+                <a:spcPts val="500"/>
+              </a:spcBef>
+              <a:buFont typeface="Arial"/>
+              <a:buChar char="•"/>
+              <a:defRPr sz="2400">
+                <a:solidFill>
+                  <a:schemeClr val="tx1"/>
+                </a:solidFill>
+                <a:latin typeface="Calibri"/>
+                <a:ea typeface="맑은 고딕"/>
+              </a:defRPr>
+            </a:lvl2pPr>
+            <a:lvl3pPr marL="1143000" indent="-228600" latinLnBrk="1">
+              <a:lnSpc>
+                <a:spcPct val="90000"/>
+              </a:lnSpc>
+              <a:spcBef>
+                <a:spcPts val="500"/>
+              </a:spcBef>
+              <a:buFont typeface="Arial"/>
+              <a:buChar char="•"/>
+              <a:defRPr sz="2000">
+                <a:solidFill>
+                  <a:schemeClr val="tx1"/>
+                </a:solidFill>
+                <a:latin typeface="Calibri"/>
+                <a:ea typeface="맑은 고딕"/>
+              </a:defRPr>
+            </a:lvl3pPr>
+            <a:lvl4pPr marL="1600200" indent="-228600" latinLnBrk="1">
+              <a:lnSpc>
+                <a:spcPct val="90000"/>
+              </a:lnSpc>
+              <a:spcBef>
+                <a:spcPts val="500"/>
+              </a:spcBef>
+              <a:buFont typeface="Arial"/>
+              <a:buChar char="•"/>
+              <a:defRPr>
+                <a:solidFill>
+                  <a:schemeClr val="tx1"/>
+                </a:solidFill>
+                <a:latin typeface="Calibri"/>
+                <a:ea typeface="맑은 고딕"/>
+              </a:defRPr>
+            </a:lvl4pPr>
+            <a:lvl5pPr marL="2057400" indent="-228600" latinLnBrk="1">
+              <a:lnSpc>
+                <a:spcPct val="90000"/>
+              </a:lnSpc>
+              <a:spcBef>
+                <a:spcPts val="500"/>
+              </a:spcBef>
+              <a:buFont typeface="Arial"/>
+              <a:buChar char="•"/>
+              <a:defRPr>
+                <a:solidFill>
+                  <a:schemeClr val="tx1"/>
+                </a:solidFill>
+                <a:latin typeface="Calibri"/>
+                <a:ea typeface="맑은 고딕"/>
+              </a:defRPr>
+            </a:lvl5pPr>
+            <a:lvl6pPr marL="2514600" indent="-228600" eaLnBrk="0" fontAlgn="base" hangingPunct="0">
+              <a:lnSpc>
+                <a:spcPct val="90000"/>
+              </a:lnSpc>
+              <a:spcBef>
+                <a:spcPts val="500"/>
+              </a:spcBef>
+              <a:spcAft>
+                <a:spcPct val="0"/>
+              </a:spcAft>
+              <a:buFont typeface="Arial"/>
+              <a:buChar char="•"/>
+              <a:defRPr>
+                <a:solidFill>
+                  <a:schemeClr val="tx1"/>
+                </a:solidFill>
+                <a:latin typeface="Calibri"/>
+                <a:ea typeface="맑은 고딕"/>
+              </a:defRPr>
+            </a:lvl6pPr>
+            <a:lvl7pPr marL="2971800" indent="-228600" eaLnBrk="0" fontAlgn="base" hangingPunct="0">
+              <a:lnSpc>
+                <a:spcPct val="90000"/>
+              </a:lnSpc>
+              <a:spcBef>
+                <a:spcPts val="500"/>
+              </a:spcBef>
+              <a:spcAft>
+                <a:spcPct val="0"/>
+              </a:spcAft>
+              <a:buFont typeface="Arial"/>
+              <a:buChar char="•"/>
+              <a:defRPr>
+                <a:solidFill>
+                  <a:schemeClr val="tx1"/>
+                </a:solidFill>
+                <a:latin typeface="Calibri"/>
+                <a:ea typeface="맑은 고딕"/>
+              </a:defRPr>
+            </a:lvl7pPr>
+            <a:lvl8pPr marL="3429000" indent="-228600" eaLnBrk="0" fontAlgn="base" hangingPunct="0">
+              <a:lnSpc>
+                <a:spcPct val="90000"/>
+              </a:lnSpc>
+              <a:spcBef>
+                <a:spcPts val="500"/>
+              </a:spcBef>
+              <a:spcAft>
+                <a:spcPct val="0"/>
+              </a:spcAft>
+              <a:buFont typeface="Arial"/>
+              <a:buChar char="•"/>
+              <a:defRPr>
+                <a:solidFill>
+                  <a:schemeClr val="tx1"/>
+                </a:solidFill>
+                <a:latin typeface="Calibri"/>
+                <a:ea typeface="맑은 고딕"/>
+              </a:defRPr>
+            </a:lvl8pPr>
+            <a:lvl9pPr marL="3886200" indent="-228600" eaLnBrk="0" fontAlgn="base" hangingPunct="0">
+              <a:lnSpc>
+                <a:spcPct val="90000"/>
+              </a:lnSpc>
+              <a:spcBef>
+                <a:spcPts val="500"/>
+              </a:spcBef>
+              <a:spcAft>
+                <a:spcPct val="0"/>
+              </a:spcAft>
+              <a:buFont typeface="Arial"/>
+              <a:buChar char="•"/>
+              <a:defRPr>
+                <a:solidFill>
+                  <a:schemeClr val="tx1"/>
+                </a:solidFill>
+                <a:latin typeface="Calibri"/>
+                <a:ea typeface="맑은 고딕"/>
+              </a:defRPr>
+            </a:lvl9pPr>
+          </a:lstStyle>
+          <a:p>
+            <a:pPr algn="ctr" latinLnBrk="0">
+              <a:lnSpc>
+                <a:spcPct val="100000"/>
+              </a:lnSpc>
+              <a:spcBef>
+                <a:spcPct val="0"/>
+              </a:spcBef>
+              <a:buNone/>
+              <a:defRPr lang="ko-KR"/>
+            </a:pPr>
+            <a:r>
+              <a:rPr lang="ko-KR" altLang="en-US" sz="3200">
+                <a:solidFill>
+                  <a:schemeClr val="bg1"/>
+                </a:solidFill>
+                <a:latin typeface="HY견고딕"/>
+                <a:ea typeface="HY견고딕"/>
+              </a:rPr>
+              <a:t>향후 계획</a:t>
+            </a:r>
+            <a:endParaRPr lang="ko-KR" altLang="en-US" sz="3200">
+              <a:solidFill>
+                <a:schemeClr val="bg1"/>
+              </a:solidFill>
+              <a:latin typeface="HY견고딕"/>
+              <a:ea typeface="HY견고딕"/>
+            </a:endParaRPr>
+          </a:p>
+        </p:txBody>
+      </p:sp>
+    </p:spTree>
+  </p:cSld>
+  <p:clrMapOvr>
+    <a:masterClrMapping/>
+  </p:clrMapOvr>
+  <mc:AlternateContent xmlns:mc="http://schemas.openxmlformats.org/markup-compatibility/2006">
+    <mc:Choice xmlns:p14="http://schemas.microsoft.com/office/powerpoint/2010/main" Requires="p14">
+      <p:transition xmlns:mc="http://schemas.openxmlformats.org/markup-compatibility/2006" xmlns:p14="http://schemas.microsoft.com/office/powerpoint/2010/main" mc:Ignorable="p14" p14:dur="700">
+        <p:fade/>
+      </p:transition>
+    </mc:Choice>
+    <mc:Fallback>
+      <p:transition xmlns:mc="http://schemas.openxmlformats.org/markup-compatibility/2006" xmlns:hp="http://schemas.haansoft.com/office/presentation/8.0" mc:Ignorable="hp" hp:hslDur="700">
+        <p:fade/>
+      </p:transition>
+    </mc:Fallback>
+  </mc:AlternateContent>
+  <p:timing>
+    <p:tnLst>
+      <p:par>
+        <p:cTn id="1" dur="indefinite" restart="never" nodeType="tmRoot"/>
+      </p:par>
+    </p:tnLst>
+  </p:timing>
+</p:sld>
+</file>
+
+<file path=ppt/slides/slide22.xml><?xml version="1.0" encoding="utf-8"?>
+<p:sld xmlns:r="http://schemas.openxmlformats.org/officeDocument/2006/relationships" xmlns:c="http://schemas.openxmlformats.org/drawingml/2006/chart" xmlns:a="http://schemas.openxmlformats.org/drawingml/2006/main" xmlns:dgm="http://schemas.openxmlformats.org/drawingml/2006/diagram" xmlns:dsp="http://schemas.microsoft.com/office/drawing/2008/diagram" xmlns:p="http://schemas.openxmlformats.org/presentationml/2006/main">
+  <p:cSld>
+    <p:spTree>
+      <p:nvGrpSpPr>
+        <p:cNvPr id="1" name=""/>
+        <p:cNvGrpSpPr/>
+        <p:nvPr/>
+      </p:nvGrpSpPr>
+      <p:grpSpPr>
+        <a:xfrm>
+          <a:off x="0" y="0"/>
+          <a:ext cx="0" cy="0"/>
+          <a:chOff x="0" y="0"/>
+          <a:chExt cx="0" cy="0"/>
+        </a:xfrm>
+      </p:grpSpPr>
+      <p:sp>
+        <p:nvSpPr>
           <p:cNvPr id="2" name="제목 1"/>
           <p:cNvSpPr>
             <a:spLocks noGrp="1"/>
@@ -7842,7 +10092,7 @@
         </p:nvGraphicFramePr>
         <p:xfrm>
           <a:off x="1295400" y="1828800"/>
-          <a:ext cx="9608359" cy="3337560"/>
+          <a:ext cx="9608358" cy="3337560"/>
         </p:xfrm>
         <a:graphic>
           <a:graphicData uri="http://schemas.openxmlformats.org/drawingml/2006/table">
@@ -8220,10 +10470,10 @@
                         <a:defRPr lang="ko-KR" altLang="en-US"/>
                       </a:pPr>
                       <a:r>
-                        <a:rPr lang="ko-KR" altLang="en-US"/>
-                        <a:t>각종 연동</a:t>
+                        <a:rPr lang="ko-KR" altLang="en-US" b="0" spc="-300"/>
+                        <a:t>각종 연동(라즈베리파이)</a:t>
                       </a:r>
-                      <a:endParaRPr lang="ko-KR" altLang="en-US"/>
+                      <a:endParaRPr lang="ko-KR" altLang="en-US" b="0" spc="-300"/>
                     </a:p>
                   </a:txBody>
                   <a:tcPr marL="91440" marR="91440"/>
@@ -8305,7 +10555,7 @@
                       </a:pPr>
                       <a:r>
                         <a:rPr lang="en-US" altLang="ko-KR"/>
-                        <a:t>sayhellow </a:t>
+                        <a:t>sayhello </a:t>
                       </a:r>
                       <a:r>
                         <a:rPr lang="ko-KR" altLang="en-US"/>
@@ -8645,7 +10895,7 @@
 </p:sld>
 </file>
 
-<file path=ppt/slides/slide19.xml><?xml version="1.0" encoding="utf-8"?>
+<file path=ppt/slides/slide23.xml><?xml version="1.0" encoding="utf-8"?>
 <p:sld xmlns:r="http://schemas.openxmlformats.org/officeDocument/2006/relationships" xmlns:c="http://schemas.openxmlformats.org/drawingml/2006/chart" xmlns:a="http://schemas.openxmlformats.org/drawingml/2006/main" xmlns:dgm="http://schemas.openxmlformats.org/drawingml/2006/diagram" xmlns:dsp="http://schemas.microsoft.com/office/drawing/2008/diagram" xmlns:p="http://schemas.openxmlformats.org/presentationml/2006/main">
   <p:cSld>
     <p:spTree>
@@ -8967,1115 +11217,6 @@
 </p:sld>
 </file>
 
-<file path=ppt/slides/slide2.xml><?xml version="1.0" encoding="utf-8"?>
-<p:sld xmlns:r="http://schemas.openxmlformats.org/officeDocument/2006/relationships" xmlns:c="http://schemas.openxmlformats.org/drawingml/2006/chart" xmlns:a="http://schemas.openxmlformats.org/drawingml/2006/main" xmlns:dgm="http://schemas.openxmlformats.org/drawingml/2006/diagram" xmlns:dsp="http://schemas.microsoft.com/office/drawing/2008/diagram" xmlns:p="http://schemas.openxmlformats.org/presentationml/2006/main">
-  <p:cSld>
-    <p:spTree>
-      <p:nvGrpSpPr>
-        <p:cNvPr id="1" name=""/>
-        <p:cNvGrpSpPr/>
-        <p:nvPr/>
-      </p:nvGrpSpPr>
-      <p:grpSpPr>
-        <a:xfrm>
-          <a:off x="0" y="0"/>
-          <a:ext cx="0" cy="0"/>
-          <a:chOff x="0" y="0"/>
-          <a:chExt cx="0" cy="0"/>
-        </a:xfrm>
-      </p:grpSpPr>
-      <p:sp>
-        <p:nvSpPr>
-          <p:cNvPr id="2" name="직사각형 1"/>
-          <p:cNvSpPr/>
-          <p:nvPr/>
-        </p:nvSpPr>
-        <p:spPr>
-          <a:xfrm>
-            <a:off x="0" y="1362807"/>
-            <a:ext cx="12192000" cy="79131"/>
-          </a:xfrm>
-          <a:prstGeom prst="rect">
-            <a:avLst/>
-          </a:prstGeom>
-          <a:blipFill rotWithShape="1">
-            <a:blip r:embed="rId2"/>
-            <a:tile tx="0" ty="0" sx="100000" sy="100000" flip="none" algn="tl"/>
-          </a:blipFill>
-          <a:ln>
-            <a:noFill/>
-          </a:ln>
-        </p:spPr>
-        <p:style>
-          <a:lnRef idx="2">
-            <a:schemeClr val="accent3">
-              <a:shade val="50000"/>
-            </a:schemeClr>
-          </a:lnRef>
-          <a:fillRef idx="1">
-            <a:schemeClr val="accent3"/>
-          </a:fillRef>
-          <a:effectRef idx="0">
-            <a:schemeClr val="accent3"/>
-          </a:effectRef>
-          <a:fontRef idx="minor">
-            <a:schemeClr val="lt1"/>
-          </a:fontRef>
-        </p:style>
-        <p:txBody>
-          <a:bodyPr anchor="ctr"/>
-          <a:lstStyle/>
-          <a:p>
-            <a:pPr algn="ctr">
-              <a:defRPr lang="ko-KR" altLang="en-US"/>
-            </a:pPr>
-            <a:endParaRPr lang="ko-KR" altLang="en-US"/>
-          </a:p>
-        </p:txBody>
-      </p:sp>
-      <p:sp>
-        <p:nvSpPr>
-          <p:cNvPr id="3" name="직사각형 2"/>
-          <p:cNvSpPr/>
-          <p:nvPr/>
-        </p:nvSpPr>
-        <p:spPr>
-          <a:xfrm>
-            <a:off x="0" y="1441938"/>
-            <a:ext cx="12192000" cy="79131"/>
-          </a:xfrm>
-          <a:prstGeom prst="rect">
-            <a:avLst/>
-          </a:prstGeom>
-          <a:blipFill rotWithShape="1">
-            <a:blip r:embed="rId3"/>
-            <a:tile tx="0" ty="0" sx="100000" sy="100000" flip="none" algn="tl"/>
-          </a:blipFill>
-          <a:ln>
-            <a:noFill/>
-          </a:ln>
-        </p:spPr>
-        <p:style>
-          <a:lnRef idx="2">
-            <a:schemeClr val="accent3">
-              <a:shade val="50000"/>
-            </a:schemeClr>
-          </a:lnRef>
-          <a:fillRef idx="1">
-            <a:schemeClr val="accent3"/>
-          </a:fillRef>
-          <a:effectRef idx="0">
-            <a:schemeClr val="accent3"/>
-          </a:effectRef>
-          <a:fontRef idx="minor">
-            <a:schemeClr val="lt1"/>
-          </a:fontRef>
-        </p:style>
-        <p:txBody>
-          <a:bodyPr anchor="ctr"/>
-          <a:lstStyle/>
-          <a:p>
-            <a:pPr algn="ctr">
-              <a:defRPr lang="ko-KR" altLang="en-US"/>
-            </a:pPr>
-            <a:endParaRPr lang="ko-KR" altLang="en-US"/>
-          </a:p>
-        </p:txBody>
-      </p:sp>
-      <p:pic>
-        <p:nvPicPr>
-          <p:cNvPr id="6" name="Picture 3"/>
-          <p:cNvPicPr>
-            <a:picLocks noChangeAspect="1" noChangeArrowheads="1"/>
-          </p:cNvPicPr>
-          <p:nvPr/>
-        </p:nvPicPr>
-        <p:blipFill rotWithShape="1">
-          <a:blip r:embed="rId4"/>
-          <a:srcRect/>
-          <a:stretch>
-            <a:fillRect/>
-          </a:stretch>
-        </p:blipFill>
-        <p:spPr>
-          <a:xfrm>
-            <a:off x="-7937" y="-30769"/>
-            <a:ext cx="12199938" cy="1403956"/>
-          </a:xfrm>
-          <a:prstGeom prst="rect">
-            <a:avLst/>
-          </a:prstGeom>
-          <a:noFill/>
-          <a:ln>
-            <a:noFill/>
-          </a:ln>
-        </p:spPr>
-      </p:pic>
-      <p:sp>
-        <p:nvSpPr>
-          <p:cNvPr id="7" name="Line 4"/>
-          <p:cNvSpPr>
-            <a:spLocks noChangeShapeType="1"/>
-          </p:cNvSpPr>
-          <p:nvPr/>
-        </p:nvSpPr>
-        <p:spPr>
-          <a:xfrm>
-            <a:off x="1936750" y="1604963"/>
-            <a:ext cx="7431088" cy="0"/>
-          </a:xfrm>
-          <a:prstGeom prst="line">
-            <a:avLst/>
-          </a:prstGeom>
-          <a:noFill/>
-          <a:ln w="12700">
-            <a:solidFill>
-              <a:schemeClr val="bg2"/>
-            </a:solidFill>
-            <a:round/>
-            <a:tailEnd type="oval" w="lg" len="lg"/>
-          </a:ln>
-          <a:effectLst/>
-        </p:spPr>
-        <p:txBody>
-          <a:bodyPr wrap="square" anchor="ctr"/>
-          <a:lstStyle/>
-          <a:p>
-            <a:pPr>
-              <a:defRPr lang="ko-KR"/>
-            </a:pPr>
-            <a:endParaRPr lang="ko-KR" altLang="en-US">
-              <a:latin typeface="+mj-ea"/>
-              <a:ea typeface="+mj-ea"/>
-            </a:endParaRPr>
-          </a:p>
-        </p:txBody>
-      </p:sp>
-      <p:sp>
-        <p:nvSpPr>
-          <p:cNvPr id="8" name="Rectangle 6"/>
-          <p:cNvSpPr>
-            <a:spLocks noChangeArrowheads="1"/>
-          </p:cNvSpPr>
-          <p:nvPr/>
-        </p:nvSpPr>
-        <p:spPr>
-          <a:xfrm>
-            <a:off x="-7938" y="518160"/>
-            <a:ext cx="1952626" cy="604203"/>
-          </a:xfrm>
-          <a:prstGeom prst="rect">
-            <a:avLst/>
-          </a:prstGeom>
-          <a:solidFill>
-            <a:schemeClr val="tx1">
-              <a:lumMod val="65000"/>
-              <a:lumOff val="35000"/>
-            </a:schemeClr>
-          </a:solidFill>
-          <a:ln>
-            <a:noFill/>
-          </a:ln>
-          <a:effectLst/>
-        </p:spPr>
-        <p:txBody>
-          <a:bodyPr wrap="none" anchor="ctr"/>
-          <a:lstStyle/>
-          <a:p>
-            <a:pPr algn="ctr">
-              <a:lnSpc>
-                <a:spcPct val="90000"/>
-              </a:lnSpc>
-              <a:spcBef>
-                <a:spcPct val="30000"/>
-              </a:spcBef>
-              <a:buFont typeface="Wingdings"/>
-              <a:buNone/>
-              <a:defRPr lang="ko-KR"/>
-            </a:pPr>
-            <a:endParaRPr lang="ko-KR" altLang="ko-KR" b="1">
-              <a:solidFill>
-                <a:schemeClr val="bg1"/>
-              </a:solidFill>
-              <a:latin typeface="+mj-ea"/>
-              <a:ea typeface="+mj-ea"/>
-              <a:cs typeface="Arial"/>
-            </a:endParaRPr>
-          </a:p>
-        </p:txBody>
-      </p:sp>
-      <p:sp>
-        <p:nvSpPr>
-          <p:cNvPr id="9" name="Text Box 7"/>
-          <p:cNvSpPr txBox="1">
-            <a:spLocks noChangeArrowheads="1"/>
-          </p:cNvSpPr>
-          <p:nvPr/>
-        </p:nvSpPr>
-        <p:spPr>
-          <a:xfrm>
-            <a:off x="896620" y="609600"/>
-            <a:ext cx="2442845" cy="636270"/>
-          </a:xfrm>
-          <a:prstGeom prst="rect">
-            <a:avLst/>
-          </a:prstGeom>
-          <a:noFill/>
-          <a:ln>
-            <a:noFill/>
-          </a:ln>
-          <a:effectLst/>
-        </p:spPr>
-        <p:txBody>
-          <a:bodyPr wrap="none">
-            <a:spAutoFit/>
-          </a:bodyPr>
-          <a:lstStyle>
-            <a:lvl1pPr latinLnBrk="1">
-              <a:lnSpc>
-                <a:spcPct val="90000"/>
-              </a:lnSpc>
-              <a:spcBef>
-                <a:spcPts val="1000"/>
-              </a:spcBef>
-              <a:buFont typeface="Arial"/>
-              <a:buChar char="•"/>
-              <a:defRPr sz="2800">
-                <a:solidFill>
-                  <a:schemeClr val="tx1"/>
-                </a:solidFill>
-                <a:latin typeface="Calibri"/>
-                <a:ea typeface="맑은 고딕"/>
-              </a:defRPr>
-            </a:lvl1pPr>
-            <a:lvl2pPr marL="742950" indent="-285750" latinLnBrk="1">
-              <a:lnSpc>
-                <a:spcPct val="90000"/>
-              </a:lnSpc>
-              <a:spcBef>
-                <a:spcPts val="500"/>
-              </a:spcBef>
-              <a:buFont typeface="Arial"/>
-              <a:buChar char="•"/>
-              <a:defRPr sz="2400">
-                <a:solidFill>
-                  <a:schemeClr val="tx1"/>
-                </a:solidFill>
-                <a:latin typeface="Calibri"/>
-                <a:ea typeface="맑은 고딕"/>
-              </a:defRPr>
-            </a:lvl2pPr>
-            <a:lvl3pPr marL="1143000" indent="-228600" latinLnBrk="1">
-              <a:lnSpc>
-                <a:spcPct val="90000"/>
-              </a:lnSpc>
-              <a:spcBef>
-                <a:spcPts val="500"/>
-              </a:spcBef>
-              <a:buFont typeface="Arial"/>
-              <a:buChar char="•"/>
-              <a:defRPr sz="2000">
-                <a:solidFill>
-                  <a:schemeClr val="tx1"/>
-                </a:solidFill>
-                <a:latin typeface="Calibri"/>
-                <a:ea typeface="맑은 고딕"/>
-              </a:defRPr>
-            </a:lvl3pPr>
-            <a:lvl4pPr marL="1600200" indent="-228600" latinLnBrk="1">
-              <a:lnSpc>
-                <a:spcPct val="90000"/>
-              </a:lnSpc>
-              <a:spcBef>
-                <a:spcPts val="500"/>
-              </a:spcBef>
-              <a:buFont typeface="Arial"/>
-              <a:buChar char="•"/>
-              <a:defRPr>
-                <a:solidFill>
-                  <a:schemeClr val="tx1"/>
-                </a:solidFill>
-                <a:latin typeface="Calibri"/>
-                <a:ea typeface="맑은 고딕"/>
-              </a:defRPr>
-            </a:lvl4pPr>
-            <a:lvl5pPr marL="2057400" indent="-228600" latinLnBrk="1">
-              <a:lnSpc>
-                <a:spcPct val="90000"/>
-              </a:lnSpc>
-              <a:spcBef>
-                <a:spcPts val="500"/>
-              </a:spcBef>
-              <a:buFont typeface="Arial"/>
-              <a:buChar char="•"/>
-              <a:defRPr>
-                <a:solidFill>
-                  <a:schemeClr val="tx1"/>
-                </a:solidFill>
-                <a:latin typeface="Calibri"/>
-                <a:ea typeface="맑은 고딕"/>
-              </a:defRPr>
-            </a:lvl5pPr>
-            <a:lvl6pPr marL="2514600" indent="-228600" eaLnBrk="0" fontAlgn="base" hangingPunct="0">
-              <a:lnSpc>
-                <a:spcPct val="90000"/>
-              </a:lnSpc>
-              <a:spcBef>
-                <a:spcPts val="500"/>
-              </a:spcBef>
-              <a:spcAft>
-                <a:spcPct val="0"/>
-              </a:spcAft>
-              <a:buFont typeface="Arial"/>
-              <a:buChar char="•"/>
-              <a:defRPr>
-                <a:solidFill>
-                  <a:schemeClr val="tx1"/>
-                </a:solidFill>
-                <a:latin typeface="Calibri"/>
-                <a:ea typeface="맑은 고딕"/>
-              </a:defRPr>
-            </a:lvl6pPr>
-            <a:lvl7pPr marL="2971800" indent="-228600" eaLnBrk="0" fontAlgn="base" hangingPunct="0">
-              <a:lnSpc>
-                <a:spcPct val="90000"/>
-              </a:lnSpc>
-              <a:spcBef>
-                <a:spcPts val="500"/>
-              </a:spcBef>
-              <a:spcAft>
-                <a:spcPct val="0"/>
-              </a:spcAft>
-              <a:buFont typeface="Arial"/>
-              <a:buChar char="•"/>
-              <a:defRPr>
-                <a:solidFill>
-                  <a:schemeClr val="tx1"/>
-                </a:solidFill>
-                <a:latin typeface="Calibri"/>
-                <a:ea typeface="맑은 고딕"/>
-              </a:defRPr>
-            </a:lvl7pPr>
-            <a:lvl8pPr marL="3429000" indent="-228600" eaLnBrk="0" fontAlgn="base" hangingPunct="0">
-              <a:lnSpc>
-                <a:spcPct val="90000"/>
-              </a:lnSpc>
-              <a:spcBef>
-                <a:spcPts val="500"/>
-              </a:spcBef>
-              <a:spcAft>
-                <a:spcPct val="0"/>
-              </a:spcAft>
-              <a:buFont typeface="Arial"/>
-              <a:buChar char="•"/>
-              <a:defRPr>
-                <a:solidFill>
-                  <a:schemeClr val="tx1"/>
-                </a:solidFill>
-                <a:latin typeface="Calibri"/>
-                <a:ea typeface="맑은 고딕"/>
-              </a:defRPr>
-            </a:lvl8pPr>
-            <a:lvl9pPr marL="3886200" indent="-228600" eaLnBrk="0" fontAlgn="base" hangingPunct="0">
-              <a:lnSpc>
-                <a:spcPct val="90000"/>
-              </a:lnSpc>
-              <a:spcBef>
-                <a:spcPts val="500"/>
-              </a:spcBef>
-              <a:spcAft>
-                <a:spcPct val="0"/>
-              </a:spcAft>
-              <a:buFont typeface="Arial"/>
-              <a:buChar char="•"/>
-              <a:defRPr>
-                <a:solidFill>
-                  <a:schemeClr val="tx1"/>
-                </a:solidFill>
-                <a:latin typeface="Calibri"/>
-                <a:ea typeface="맑은 고딕"/>
-              </a:defRPr>
-            </a:lvl9pPr>
-          </a:lstStyle>
-          <a:p>
-            <a:pPr latinLnBrk="0">
-              <a:lnSpc>
-                <a:spcPct val="100000"/>
-              </a:lnSpc>
-              <a:spcBef>
-                <a:spcPct val="0"/>
-              </a:spcBef>
-              <a:buNone/>
-              <a:defRPr lang="ko-KR"/>
-            </a:pPr>
-            <a:r>
-              <a:rPr lang="en-US" altLang="ko-KR" sz="3600">
-                <a:solidFill>
-                  <a:schemeClr val="bg1"/>
-                </a:solidFill>
-                <a:latin typeface="Arial Black"/>
-                <a:ea typeface="가는각진제목체"/>
-              </a:rPr>
-              <a:t>Con</a:t>
-            </a:r>
-            <a:r>
-              <a:rPr lang="en-US" altLang="ko-KR" sz="3600" b="1">
-                <a:solidFill>
-                  <a:schemeClr val="bg1">
-                    <a:lumMod val="50000"/>
-                  </a:schemeClr>
-                </a:solidFill>
-                <a:latin typeface="Arial Black"/>
-                <a:ea typeface="가는각진제목체"/>
-              </a:rPr>
-              <a:t>tents</a:t>
-            </a:r>
-            <a:endParaRPr lang="en-US" altLang="ko-KR" sz="3600" b="1">
-              <a:solidFill>
-                <a:schemeClr val="bg1">
-                  <a:lumMod val="50000"/>
-                </a:schemeClr>
-              </a:solidFill>
-              <a:latin typeface="Arial Black"/>
-              <a:ea typeface="가는각진제목체"/>
-            </a:endParaRPr>
-          </a:p>
-        </p:txBody>
-      </p:sp>
-      <p:sp>
-        <p:nvSpPr>
-          <p:cNvPr id="10" name="Rectangle 8"/>
-          <p:cNvSpPr>
-            <a:spLocks noChangeArrowheads="1"/>
-          </p:cNvSpPr>
-          <p:nvPr/>
-        </p:nvSpPr>
-        <p:spPr>
-          <a:xfrm>
-            <a:off x="1944688" y="1130300"/>
-            <a:ext cx="1342230" cy="390770"/>
-          </a:xfrm>
-          <a:prstGeom prst="rect">
-            <a:avLst/>
-          </a:prstGeom>
-          <a:solidFill>
-            <a:schemeClr val="tx1">
-              <a:lumMod val="65000"/>
-              <a:lumOff val="35000"/>
-            </a:schemeClr>
-          </a:solidFill>
-          <a:ln>
-            <a:noFill/>
-          </a:ln>
-          <a:effectLst/>
-        </p:spPr>
-        <p:txBody>
-          <a:bodyPr wrap="none" anchor="ctr"/>
-          <a:lstStyle/>
-          <a:p>
-            <a:pPr algn="ctr">
-              <a:lnSpc>
-                <a:spcPct val="90000"/>
-              </a:lnSpc>
-              <a:spcBef>
-                <a:spcPct val="30000"/>
-              </a:spcBef>
-              <a:buFont typeface="Wingdings"/>
-              <a:buNone/>
-              <a:defRPr lang="ko-KR"/>
-            </a:pPr>
-            <a:endParaRPr lang="ko-KR" altLang="ko-KR" b="1">
-              <a:solidFill>
-                <a:schemeClr val="bg1"/>
-              </a:solidFill>
-              <a:latin typeface="+mj-ea"/>
-              <a:ea typeface="+mj-ea"/>
-              <a:cs typeface="Arial"/>
-            </a:endParaRPr>
-          </a:p>
-        </p:txBody>
-      </p:sp>
-      <p:sp>
-        <p:nvSpPr>
-          <p:cNvPr id="21" name="Line 9"/>
-          <p:cNvSpPr>
-            <a:spLocks noChangeShapeType="1"/>
-          </p:cNvSpPr>
-          <p:nvPr/>
-        </p:nvSpPr>
-        <p:spPr>
-          <a:xfrm>
-            <a:off x="3286916" y="1521070"/>
-            <a:ext cx="2" cy="5002560"/>
-          </a:xfrm>
-          <a:prstGeom prst="line">
-            <a:avLst/>
-          </a:prstGeom>
-          <a:ln>
-            <a:solidFill>
-              <a:schemeClr val="tx1">
-                <a:lumMod val="40000"/>
-                <a:lumOff val="60000"/>
-              </a:schemeClr>
-            </a:solidFill>
-          </a:ln>
-        </p:spPr>
-        <p:style>
-          <a:lnRef idx="1">
-            <a:schemeClr val="accent4"/>
-          </a:lnRef>
-          <a:fillRef idx="0">
-            <a:schemeClr val="accent4"/>
-          </a:fillRef>
-          <a:effectRef idx="0">
-            <a:schemeClr val="accent4"/>
-          </a:effectRef>
-          <a:fontRef idx="minor">
-            <a:schemeClr val="tx1"/>
-          </a:fontRef>
-        </p:style>
-        <p:txBody>
-          <a:bodyPr wrap="square">
-            <a:spAutoFit/>
-          </a:bodyPr>
-          <a:lstStyle/>
-          <a:p>
-            <a:pPr>
-              <a:defRPr lang="ko-KR"/>
-            </a:pPr>
-            <a:endParaRPr lang="ko-KR" altLang="en-US">
-              <a:latin typeface="+mj-ea"/>
-              <a:ea typeface="+mj-ea"/>
-            </a:endParaRPr>
-          </a:p>
-        </p:txBody>
-      </p:sp>
-      <p:sp>
-        <p:nvSpPr>
-          <p:cNvPr id="34" name="제목 2"/>
-          <p:cNvSpPr txBox="1"/>
-          <p:nvPr/>
-        </p:nvSpPr>
-        <p:spPr>
-          <a:xfrm>
-            <a:off x="2615803" y="2204403"/>
-            <a:ext cx="6162675" cy="485775"/>
-          </a:xfrm>
-          <a:prstGeom prst="rect">
-            <a:avLst/>
-          </a:prstGeom>
-          <a:solidFill>
-            <a:schemeClr val="tx1">
-              <a:lumMod val="65000"/>
-              <a:lumOff val="35000"/>
-            </a:schemeClr>
-          </a:solidFill>
-          <a:effectLst/>
-        </p:spPr>
-        <p:txBody>
-          <a:bodyPr lIns="144000" anchor="ctr"/>
-          <a:lstStyle/>
-          <a:p>
-            <a:pPr marL="288000" indent="-216000">
-              <a:defRPr lang="ko-KR"/>
-            </a:pPr>
-            <a:endParaRPr lang="ko-KR" altLang="en-US" sz="2000" b="1" spc="-80">
-              <a:solidFill>
-                <a:schemeClr val="bg1"/>
-              </a:solidFill>
-              <a:latin typeface="+mj-ea"/>
-              <a:ea typeface="+mj-ea"/>
-              <a:cs typeface="+mj-cs"/>
-            </a:endParaRPr>
-          </a:p>
-        </p:txBody>
-      </p:sp>
-      <p:sp>
-        <p:nvSpPr>
-          <p:cNvPr id="35" name="제목 3"/>
-          <p:cNvSpPr txBox="1"/>
-          <p:nvPr/>
-        </p:nvSpPr>
-        <p:spPr>
-          <a:xfrm>
-            <a:off x="2798365" y="2269490"/>
-            <a:ext cx="5821363" cy="385763"/>
-          </a:xfrm>
-          <a:prstGeom prst="rect">
-            <a:avLst/>
-          </a:prstGeom>
-        </p:spPr>
-        <p:txBody>
-          <a:bodyPr vert="horz" lIns="0" tIns="0" rIns="0" bIns="0" anchor="b">
-            <a:noAutofit/>
-          </a:bodyPr>
-          <a:lstStyle/>
-          <a:p>
-            <a:pPr marL="609600" indent="-609600" defTabSz="420133">
-              <a:lnSpc>
-                <a:spcPct val="150000"/>
-              </a:lnSpc>
-              <a:spcBef>
-                <a:spcPct val="20000"/>
-              </a:spcBef>
-              <a:defRPr lang="ko-KR"/>
-            </a:pPr>
-            <a:r>
-              <a:rPr lang="en-US" altLang="ko-KR" sz="2000" b="1">
-                <a:latin typeface="+mj-ea"/>
-                <a:cs typeface="Arial"/>
-              </a:rPr>
-              <a:t>Ⅰ.	</a:t>
-            </a:r>
-            <a:r>
-              <a:rPr lang="ko-KR" altLang="en-US" sz="2000" b="1">
-                <a:latin typeface="+mj-ea"/>
-                <a:cs typeface="Arial"/>
-              </a:rPr>
-              <a:t>프로그램 개발 동기</a:t>
-            </a:r>
-            <a:endParaRPr lang="ko-KR" altLang="en-US" sz="2000" b="1">
-              <a:latin typeface="+mj-ea"/>
-              <a:cs typeface="Arial"/>
-            </a:endParaRPr>
-          </a:p>
-        </p:txBody>
-      </p:sp>
-      <p:sp>
-        <p:nvSpPr>
-          <p:cNvPr id="36" name="제목 2"/>
-          <p:cNvSpPr txBox="1"/>
-          <p:nvPr/>
-        </p:nvSpPr>
-        <p:spPr>
-          <a:xfrm>
-            <a:off x="2615803" y="4390390"/>
-            <a:ext cx="6162675" cy="485775"/>
-          </a:xfrm>
-          <a:prstGeom prst="rect">
-            <a:avLst/>
-          </a:prstGeom>
-          <a:solidFill>
-            <a:schemeClr val="bg1"/>
-          </a:solidFill>
-          <a:effectLst/>
-        </p:spPr>
-        <p:txBody>
-          <a:bodyPr lIns="144000" anchor="ctr"/>
-          <a:lstStyle/>
-          <a:p>
-            <a:pPr>
-              <a:defRPr lang="ko-KR"/>
-            </a:pPr>
-            <a:endParaRPr lang="ko-KR" altLang="en-US" sz="2000"/>
-          </a:p>
-        </p:txBody>
-      </p:sp>
-      <p:sp>
-        <p:nvSpPr>
-          <p:cNvPr id="37" name="제목 1"/>
-          <p:cNvSpPr txBox="1"/>
-          <p:nvPr/>
-        </p:nvSpPr>
-        <p:spPr>
-          <a:xfrm>
-            <a:off x="2826940" y="4399915"/>
-            <a:ext cx="5821363" cy="385763"/>
-          </a:xfrm>
-          <a:prstGeom prst="rect">
-            <a:avLst/>
-          </a:prstGeom>
-          <a:noFill/>
-          <a:ln>
-            <a:noFill/>
-          </a:ln>
-        </p:spPr>
-        <p:txBody>
-          <a:bodyPr lIns="0" tIns="0" rIns="0" bIns="0" anchor="ctr"/>
-          <a:lstStyle/>
-          <a:p>
-            <a:pPr latinLnBrk="1">
-              <a:lnSpc>
-                <a:spcPct val="150000"/>
-              </a:lnSpc>
-              <a:spcBef>
-                <a:spcPct val="20000"/>
-              </a:spcBef>
-              <a:defRPr lang="ko-KR" altLang="en-US"/>
-            </a:pPr>
-            <a:r>
-              <a:rPr lang="en-US" altLang="ko-KR" sz="2000" b="1">
-                <a:solidFill>
-                  <a:srgbClr val="7f7f7f"/>
-                </a:solidFill>
-                <a:latin typeface="맑은 고딕"/>
-                <a:cs typeface="Arial"/>
-              </a:rPr>
-              <a:t>Ⅳ.   </a:t>
-            </a:r>
-            <a:r>
-              <a:rPr lang="ko-KR" altLang="en-US" sz="2000" b="1">
-                <a:solidFill>
-                  <a:srgbClr val="7f7f7f"/>
-                </a:solidFill>
-                <a:latin typeface="맑은 고딕"/>
-                <a:cs typeface="Arial"/>
-              </a:rPr>
-              <a:t>시연 영상</a:t>
-            </a:r>
-            <a:endParaRPr lang="ko-KR" altLang="en-US" sz="2000" b="1">
-              <a:solidFill>
-                <a:srgbClr val="7f7f7f"/>
-              </a:solidFill>
-              <a:latin typeface="맑은 고딕"/>
-              <a:cs typeface="Arial"/>
-            </a:endParaRPr>
-          </a:p>
-        </p:txBody>
-      </p:sp>
-      <p:sp>
-        <p:nvSpPr>
-          <p:cNvPr id="38" name="제목 2"/>
-          <p:cNvSpPr txBox="1"/>
-          <p:nvPr/>
-        </p:nvSpPr>
-        <p:spPr>
-          <a:xfrm>
-            <a:off x="2615803" y="3661728"/>
-            <a:ext cx="6162675" cy="485775"/>
-          </a:xfrm>
-          <a:prstGeom prst="rect">
-            <a:avLst/>
-          </a:prstGeom>
-          <a:solidFill>
-            <a:schemeClr val="bg1"/>
-          </a:solidFill>
-          <a:effectLst/>
-        </p:spPr>
-        <p:txBody>
-          <a:bodyPr lIns="144000" anchor="ctr"/>
-          <a:lstStyle/>
-          <a:p>
-            <a:pPr>
-              <a:defRPr lang="ko-KR"/>
-            </a:pPr>
-            <a:endParaRPr lang="ko-KR" altLang="en-US" sz="2000"/>
-          </a:p>
-        </p:txBody>
-      </p:sp>
-      <p:sp>
-        <p:nvSpPr>
-          <p:cNvPr id="39" name="제목 1"/>
-          <p:cNvSpPr txBox="1"/>
-          <p:nvPr/>
-        </p:nvSpPr>
-        <p:spPr>
-          <a:xfrm>
-            <a:off x="2826940" y="3671253"/>
-            <a:ext cx="5821363" cy="385762"/>
-          </a:xfrm>
-          <a:prstGeom prst="rect">
-            <a:avLst/>
-          </a:prstGeom>
-          <a:noFill/>
-          <a:ln>
-            <a:noFill/>
-          </a:ln>
-        </p:spPr>
-        <p:txBody>
-          <a:bodyPr lIns="0" tIns="0" rIns="0" bIns="0" anchor="ctr"/>
-          <a:lstStyle/>
-          <a:p>
-            <a:pPr latinLnBrk="1">
-              <a:lnSpc>
-                <a:spcPct val="150000"/>
-              </a:lnSpc>
-              <a:spcBef>
-                <a:spcPct val="20000"/>
-              </a:spcBef>
-              <a:defRPr lang="ko-KR" altLang="en-US"/>
-            </a:pPr>
-            <a:r>
-              <a:rPr lang="en-US" altLang="ko-KR" sz="2000" b="1">
-                <a:solidFill>
-                  <a:srgbClr val="7f7f7f"/>
-                </a:solidFill>
-                <a:latin typeface="맑은 고딕"/>
-                <a:cs typeface="Arial"/>
-              </a:rPr>
-              <a:t>Ⅲ.   </a:t>
-            </a:r>
-            <a:r>
-              <a:rPr lang="ko-KR" altLang="en-US" sz="2000" b="1">
-                <a:solidFill>
-                  <a:srgbClr val="7f7f7f"/>
-                </a:solidFill>
-                <a:latin typeface="맑은 고딕"/>
-                <a:cs typeface="Arial"/>
-              </a:rPr>
-              <a:t>프로그램 동작 원리</a:t>
-            </a:r>
-            <a:endParaRPr lang="ko-KR" altLang="en-US" sz="2000" b="1">
-              <a:solidFill>
-                <a:srgbClr val="7f7f7f"/>
-              </a:solidFill>
-              <a:latin typeface="맑은 고딕"/>
-              <a:cs typeface="Arial"/>
-            </a:endParaRPr>
-          </a:p>
-        </p:txBody>
-      </p:sp>
-      <p:sp>
-        <p:nvSpPr>
-          <p:cNvPr id="40" name="제목 2"/>
-          <p:cNvSpPr txBox="1"/>
-          <p:nvPr/>
-        </p:nvSpPr>
-        <p:spPr>
-          <a:xfrm>
-            <a:off x="2615803" y="2933065"/>
-            <a:ext cx="6162675" cy="485775"/>
-          </a:xfrm>
-          <a:prstGeom prst="rect">
-            <a:avLst/>
-          </a:prstGeom>
-          <a:solidFill>
-            <a:schemeClr val="bg1"/>
-          </a:solidFill>
-          <a:effectLst/>
-        </p:spPr>
-        <p:txBody>
-          <a:bodyPr lIns="144000" anchor="ctr"/>
-          <a:lstStyle/>
-          <a:p>
-            <a:pPr marL="288000" indent="-216000">
-              <a:defRPr lang="ko-KR"/>
-            </a:pPr>
-            <a:endParaRPr lang="ko-KR" altLang="en-US" sz="2000" b="1" spc="-80">
-              <a:solidFill>
-                <a:schemeClr val="bg1"/>
-              </a:solidFill>
-              <a:latin typeface="+mj-ea"/>
-              <a:ea typeface="+mj-ea"/>
-              <a:cs typeface="+mj-cs"/>
-            </a:endParaRPr>
-          </a:p>
-        </p:txBody>
-      </p:sp>
-      <p:sp>
-        <p:nvSpPr>
-          <p:cNvPr id="41" name="직사각형 18"/>
-          <p:cNvSpPr/>
-          <p:nvPr/>
-        </p:nvSpPr>
-        <p:spPr>
-          <a:xfrm>
-            <a:off x="5857794" y="3488174"/>
-            <a:ext cx="184731" cy="369332"/>
-          </a:xfrm>
-          <a:prstGeom prst="rect">
-            <a:avLst/>
-          </a:prstGeom>
-        </p:spPr>
-        <p:txBody>
-          <a:bodyPr wrap="none">
-            <a:spAutoFit/>
-          </a:bodyPr>
-          <a:lstStyle/>
-          <a:p>
-            <a:pPr lvl="0">
-              <a:defRPr lang="ko-KR" altLang="en-US"/>
-            </a:pPr>
-            <a:endParaRPr lang="ko-KR" altLang="en-US"/>
-          </a:p>
-        </p:txBody>
-      </p:sp>
-      <p:sp>
-        <p:nvSpPr>
-          <p:cNvPr id="42" name="제목 1"/>
-          <p:cNvSpPr txBox="1"/>
-          <p:nvPr/>
-        </p:nvSpPr>
-        <p:spPr>
-          <a:xfrm>
-            <a:off x="2817812" y="2966720"/>
-            <a:ext cx="5821363" cy="385762"/>
-          </a:xfrm>
-          <a:prstGeom prst="rect">
-            <a:avLst/>
-          </a:prstGeom>
-          <a:noFill/>
-          <a:ln>
-            <a:noFill/>
-          </a:ln>
-        </p:spPr>
-        <p:txBody>
-          <a:bodyPr lIns="0" tIns="0" rIns="0" bIns="0" anchor="ctr"/>
-          <a:lstStyle/>
-          <a:p>
-            <a:pPr latinLnBrk="1">
-              <a:lnSpc>
-                <a:spcPct val="150000"/>
-              </a:lnSpc>
-              <a:spcBef>
-                <a:spcPct val="20000"/>
-              </a:spcBef>
-              <a:defRPr lang="ko-KR" altLang="en-US"/>
-            </a:pPr>
-            <a:r>
-              <a:rPr lang="en-US" altLang="ko-KR" sz="2000" b="1">
-                <a:solidFill>
-                  <a:schemeClr val="bg2">
-                    <a:lumMod val="50000"/>
-                  </a:schemeClr>
-                </a:solidFill>
-                <a:latin typeface="맑은 고딕"/>
-                <a:cs typeface="Arial"/>
-              </a:rPr>
-              <a:t>Ⅱ</a:t>
-            </a:r>
-            <a:r>
-              <a:rPr lang="en-US" altLang="ko-KR" sz="2000" b="1">
-                <a:solidFill>
-                  <a:srgbClr val="7f7f7f"/>
-                </a:solidFill>
-                <a:latin typeface="맑은 고딕"/>
-                <a:cs typeface="Arial"/>
-              </a:rPr>
-              <a:t>.</a:t>
-            </a:r>
-            <a:r>
-              <a:rPr lang="ko-KR" altLang="en-US" sz="2000" b="1">
-                <a:solidFill>
-                  <a:srgbClr val="7f7f7f"/>
-                </a:solidFill>
-                <a:latin typeface="맑은 고딕"/>
-                <a:cs typeface="Arial"/>
-              </a:rPr>
-              <a:t>   개발 환경</a:t>
-            </a:r>
-            <a:endParaRPr lang="ko-KR" altLang="en-US" sz="2000" b="1">
-              <a:solidFill>
-                <a:srgbClr val="7f7f7f"/>
-              </a:solidFill>
-              <a:latin typeface="맑은 고딕"/>
-              <a:cs typeface="Arial"/>
-            </a:endParaRPr>
-          </a:p>
-        </p:txBody>
-      </p:sp>
-      <p:sp>
-        <p:nvSpPr>
-          <p:cNvPr id="43" name="제목 2"/>
-          <p:cNvSpPr txBox="1"/>
-          <p:nvPr/>
-        </p:nvSpPr>
-        <p:spPr>
-          <a:xfrm>
-            <a:off x="2606675" y="5040194"/>
-            <a:ext cx="6162675" cy="485775"/>
-          </a:xfrm>
-          <a:prstGeom prst="rect">
-            <a:avLst/>
-          </a:prstGeom>
-          <a:solidFill>
-            <a:schemeClr val="bg1"/>
-          </a:solidFill>
-          <a:effectLst/>
-        </p:spPr>
-        <p:txBody>
-          <a:bodyPr lIns="144000" anchor="ctr"/>
-          <a:lstStyle/>
-          <a:p>
-            <a:pPr>
-              <a:defRPr lang="ko-KR"/>
-            </a:pPr>
-            <a:endParaRPr lang="ko-KR" altLang="en-US" sz="2000"/>
-          </a:p>
-        </p:txBody>
-      </p:sp>
-      <p:sp>
-        <p:nvSpPr>
-          <p:cNvPr id="44" name="제목 1"/>
-          <p:cNvSpPr txBox="1"/>
-          <p:nvPr/>
-        </p:nvSpPr>
-        <p:spPr>
-          <a:xfrm>
-            <a:off x="2817812" y="5049719"/>
-            <a:ext cx="5821363" cy="385763"/>
-          </a:xfrm>
-          <a:prstGeom prst="rect">
-            <a:avLst/>
-          </a:prstGeom>
-          <a:noFill/>
-          <a:ln>
-            <a:noFill/>
-          </a:ln>
-        </p:spPr>
-        <p:txBody>
-          <a:bodyPr lIns="0" tIns="0" rIns="0" bIns="0" anchor="ctr"/>
-          <a:lstStyle/>
-          <a:p>
-            <a:pPr latinLnBrk="1">
-              <a:lnSpc>
-                <a:spcPct val="150000"/>
-              </a:lnSpc>
-              <a:spcBef>
-                <a:spcPct val="20000"/>
-              </a:spcBef>
-              <a:defRPr lang="ko-KR" altLang="en-US"/>
-            </a:pPr>
-            <a:r>
-              <a:rPr lang="en-US" altLang="ko-KR" sz="2000" b="1">
-                <a:solidFill>
-                  <a:srgbClr val="7f7f7f"/>
-                </a:solidFill>
-                <a:latin typeface="맑은 고딕"/>
-                <a:cs typeface="Arial"/>
-              </a:rPr>
-              <a:t>Ⅴ.   </a:t>
-            </a:r>
-            <a:r>
-              <a:rPr lang="ko-KR" altLang="en-US" sz="2000" b="1">
-                <a:solidFill>
-                  <a:srgbClr val="7f7f7f"/>
-                </a:solidFill>
-                <a:latin typeface="맑은 고딕"/>
-                <a:cs typeface="Arial"/>
-              </a:rPr>
-              <a:t>향후 계획</a:t>
-            </a:r>
-            <a:endParaRPr lang="en-US" altLang="ko-KR" sz="2000" b="1">
-              <a:solidFill>
-                <a:srgbClr val="7f7f7f"/>
-              </a:solidFill>
-              <a:latin typeface="맑은 고딕"/>
-              <a:cs typeface="Arial"/>
-            </a:endParaRPr>
-          </a:p>
-        </p:txBody>
-      </p:sp>
-    </p:spTree>
-  </p:cSld>
-  <p:clrMapOvr>
-    <a:masterClrMapping/>
-  </p:clrMapOvr>
-  <mc:AlternateContent xmlns:mc="http://schemas.openxmlformats.org/markup-compatibility/2006">
-    <mc:Choice xmlns:p14="http://schemas.microsoft.com/office/powerpoint/2010/main" Requires="p14">
-      <p:transition xmlns:mc="http://schemas.openxmlformats.org/markup-compatibility/2006" xmlns:p14="http://schemas.microsoft.com/office/powerpoint/2010/main" mc:Ignorable="p14" p14:dur="700">
-        <p:fade/>
-      </p:transition>
-    </mc:Choice>
-    <mc:Fallback>
-      <p:transition xmlns:mc="http://schemas.openxmlformats.org/markup-compatibility/2006" xmlns:hp="http://schemas.haansoft.com/office/presentation/8.0" mc:Ignorable="hp" hp:hslDur="700">
-        <p:fade/>
-      </p:transition>
-    </mc:Fallback>
-  </mc:AlternateContent>
-</p:sld>
-</file>
-
 <file path=ppt/slides/slide3.xml><?xml version="1.0" encoding="utf-8"?>
 <p:sld xmlns:r="http://schemas.openxmlformats.org/officeDocument/2006/relationships" xmlns:c="http://schemas.openxmlformats.org/drawingml/2006/chart" xmlns:a="http://schemas.openxmlformats.org/drawingml/2006/main" xmlns:dgm="http://schemas.openxmlformats.org/drawingml/2006/diagram" xmlns:dsp="http://schemas.microsoft.com/office/drawing/2008/diagram" xmlns:p="http://schemas.openxmlformats.org/presentationml/2006/main">
   <p:cSld>
@@ -11338,279 +12479,92 @@
       </p:grpSpPr>
       <p:sp>
         <p:nvSpPr>
-          <p:cNvPr id="2" name="Rectangle 6"/>
+          <p:cNvPr id="2" name="제목 1"/>
           <p:cNvSpPr>
-            <a:spLocks noChangeArrowheads="1"/>
+            <a:spLocks noGrp="1"/>
           </p:cNvSpPr>
+          <p:nvPr>
+            <p:ph type="title" idx="0"/>
+          </p:nvPr>
+        </p:nvSpPr>
+        <p:spPr/>
+        <p:txBody>
+          <a:bodyPr/>
+          <a:lstStyle/>
+          <a:p>
+            <a:pPr>
+              <a:defRPr lang="ko-KR" altLang="en-US"/>
+            </a:pPr>
+            <a:r>
+              <a:rPr lang="ko-KR" altLang="en-US"/>
+              <a:t>개발환경</a:t>
+            </a:r>
+            <a:endParaRPr lang="ko-KR" altLang="en-US"/>
+          </a:p>
+        </p:txBody>
+      </p:sp>
+      <p:pic>
+        <p:nvPicPr>
+          <p:cNvPr id="4" name=""/>
+          <p:cNvPicPr>
+            <a:picLocks noChangeAspect="1"/>
+          </p:cNvPicPr>
           <p:nvPr/>
-        </p:nvSpPr>
+        </p:nvPicPr>
+        <p:blipFill rotWithShape="1">
+          <a:blip r:embed="rId2"/>
+          <a:stretch>
+            <a:fillRect/>
+          </a:stretch>
+        </p:blipFill>
         <p:spPr>
           <a:xfrm>
-            <a:off x="0" y="1493519"/>
-            <a:ext cx="12192000" cy="3855721"/>
+            <a:off x="3382818" y="2039216"/>
+            <a:ext cx="5458114" cy="3154795"/>
           </a:xfrm>
           <a:prstGeom prst="rect">
             <a:avLst/>
           </a:prstGeom>
-          <a:solidFill>
-            <a:schemeClr val="tx1">
-              <a:lumMod val="65000"/>
-              <a:lumOff val="35000"/>
-              <a:alpha val="70000"/>
-            </a:schemeClr>
-          </a:solidFill>
-          <a:ln>
-            <a:noFill/>
-          </a:ln>
-          <a:effectLst/>
         </p:spPr>
-        <p:txBody>
-          <a:bodyPr wrap="none" anchor="ctr"/>
-          <a:lstStyle/>
-          <a:p>
-            <a:pPr algn="ctr">
-              <a:lnSpc>
-                <a:spcPct val="90000"/>
-              </a:lnSpc>
-              <a:spcBef>
-                <a:spcPct val="30000"/>
-              </a:spcBef>
-              <a:buFont typeface="Wingdings"/>
-              <a:buNone/>
-              <a:defRPr lang="ko-KR"/>
-            </a:pPr>
-            <a:endParaRPr lang="ko-KR" altLang="ko-KR" b="1">
-              <a:solidFill>
-                <a:schemeClr val="bg1"/>
-              </a:solidFill>
-              <a:latin typeface="+mj-ea"/>
-              <a:ea typeface="+mj-ea"/>
-              <a:cs typeface="Arial"/>
-            </a:endParaRPr>
-          </a:p>
-        </p:txBody>
-      </p:sp>
-      <p:sp>
-        <p:nvSpPr>
-          <p:cNvPr id="3" name="Text Box 7"/>
-          <p:cNvSpPr txBox="1">
-            <a:spLocks noChangeArrowheads="1"/>
+      </p:pic>
+      <p:sp>
+        <p:nvSpPr>
+          <p:cNvPr id="5" name="내용 개체 틀 2"/>
+          <p:cNvSpPr>
+            <a:spLocks noGrp="1"/>
           </p:cNvSpPr>
-          <p:nvPr/>
+          <p:nvPr>
+            <p:ph idx="1"/>
+          </p:nvPr>
         </p:nvSpPr>
         <p:spPr>
           <a:xfrm>
-            <a:off x="3990295" y="3128991"/>
-            <a:ext cx="4187869" cy="574329"/>
-          </a:xfrm>
-          <a:prstGeom prst="rect">
-            <a:avLst/>
-          </a:prstGeom>
-          <a:noFill/>
-          <a:ln>
-            <a:noFill/>
-          </a:ln>
-          <a:effectLst/>
+            <a:off x="5148697" y="5776190"/>
+            <a:ext cx="9384722" cy="1630218"/>
+          </a:xfrm>
         </p:spPr>
         <p:txBody>
-          <a:bodyPr wrap="square">
-            <a:spAutoFit/>
+          <a:bodyPr vert="horz" lIns="91440" tIns="45720" rIns="91440" bIns="45720">
+            <a:normAutofit/>
           </a:bodyPr>
-          <a:lstStyle>
-            <a:lvl1pPr latinLnBrk="1">
-              <a:lnSpc>
-                <a:spcPct val="90000"/>
-              </a:lnSpc>
-              <a:spcBef>
-                <a:spcPts val="1000"/>
-              </a:spcBef>
-              <a:buFont typeface="Arial"/>
-              <a:buChar char="•"/>
-              <a:defRPr sz="2800">
-                <a:solidFill>
-                  <a:schemeClr val="tx1"/>
-                </a:solidFill>
-                <a:latin typeface="Calibri"/>
-                <a:ea typeface="맑은 고딕"/>
-              </a:defRPr>
-            </a:lvl1pPr>
-            <a:lvl2pPr marL="742950" indent="-285750" latinLnBrk="1">
-              <a:lnSpc>
-                <a:spcPct val="90000"/>
-              </a:lnSpc>
-              <a:spcBef>
-                <a:spcPts val="500"/>
-              </a:spcBef>
-              <a:buFont typeface="Arial"/>
-              <a:buChar char="•"/>
-              <a:defRPr sz="2400">
-                <a:solidFill>
-                  <a:schemeClr val="tx1"/>
-                </a:solidFill>
-                <a:latin typeface="Calibri"/>
-                <a:ea typeface="맑은 고딕"/>
-              </a:defRPr>
-            </a:lvl2pPr>
-            <a:lvl3pPr marL="1143000" indent="-228600" latinLnBrk="1">
-              <a:lnSpc>
-                <a:spcPct val="90000"/>
-              </a:lnSpc>
-              <a:spcBef>
-                <a:spcPts val="500"/>
-              </a:spcBef>
-              <a:buFont typeface="Arial"/>
-              <a:buChar char="•"/>
-              <a:defRPr sz="2000">
-                <a:solidFill>
-                  <a:schemeClr val="tx1"/>
-                </a:solidFill>
-                <a:latin typeface="Calibri"/>
-                <a:ea typeface="맑은 고딕"/>
-              </a:defRPr>
-            </a:lvl3pPr>
-            <a:lvl4pPr marL="1600200" indent="-228600" latinLnBrk="1">
-              <a:lnSpc>
-                <a:spcPct val="90000"/>
-              </a:lnSpc>
-              <a:spcBef>
-                <a:spcPts val="500"/>
-              </a:spcBef>
-              <a:buFont typeface="Arial"/>
-              <a:buChar char="•"/>
-              <a:defRPr>
-                <a:solidFill>
-                  <a:schemeClr val="tx1"/>
-                </a:solidFill>
-                <a:latin typeface="Calibri"/>
-                <a:ea typeface="맑은 고딕"/>
-              </a:defRPr>
-            </a:lvl4pPr>
-            <a:lvl5pPr marL="2057400" indent="-228600" latinLnBrk="1">
-              <a:lnSpc>
-                <a:spcPct val="90000"/>
-              </a:lnSpc>
-              <a:spcBef>
-                <a:spcPts val="500"/>
-              </a:spcBef>
-              <a:buFont typeface="Arial"/>
-              <a:buChar char="•"/>
-              <a:defRPr>
-                <a:solidFill>
-                  <a:schemeClr val="tx1"/>
-                </a:solidFill>
-                <a:latin typeface="Calibri"/>
-                <a:ea typeface="맑은 고딕"/>
-              </a:defRPr>
-            </a:lvl5pPr>
-            <a:lvl6pPr marL="2514600" indent="-228600" eaLnBrk="0" fontAlgn="base" hangingPunct="0">
-              <a:lnSpc>
-                <a:spcPct val="90000"/>
-              </a:lnSpc>
-              <a:spcBef>
-                <a:spcPts val="500"/>
-              </a:spcBef>
-              <a:spcAft>
-                <a:spcPct val="0"/>
-              </a:spcAft>
-              <a:buFont typeface="Arial"/>
-              <a:buChar char="•"/>
-              <a:defRPr>
-                <a:solidFill>
-                  <a:schemeClr val="tx1"/>
-                </a:solidFill>
-                <a:latin typeface="Calibri"/>
-                <a:ea typeface="맑은 고딕"/>
-              </a:defRPr>
-            </a:lvl6pPr>
-            <a:lvl7pPr marL="2971800" indent="-228600" eaLnBrk="0" fontAlgn="base" hangingPunct="0">
-              <a:lnSpc>
-                <a:spcPct val="90000"/>
-              </a:lnSpc>
-              <a:spcBef>
-                <a:spcPts val="500"/>
-              </a:spcBef>
-              <a:spcAft>
-                <a:spcPct val="0"/>
-              </a:spcAft>
-              <a:buFont typeface="Arial"/>
-              <a:buChar char="•"/>
-              <a:defRPr>
-                <a:solidFill>
-                  <a:schemeClr val="tx1"/>
-                </a:solidFill>
-                <a:latin typeface="Calibri"/>
-                <a:ea typeface="맑은 고딕"/>
-              </a:defRPr>
-            </a:lvl7pPr>
-            <a:lvl8pPr marL="3429000" indent="-228600" eaLnBrk="0" fontAlgn="base" hangingPunct="0">
-              <a:lnSpc>
-                <a:spcPct val="90000"/>
-              </a:lnSpc>
-              <a:spcBef>
-                <a:spcPts val="500"/>
-              </a:spcBef>
-              <a:spcAft>
-                <a:spcPct val="0"/>
-              </a:spcAft>
-              <a:buFont typeface="Arial"/>
-              <a:buChar char="•"/>
-              <a:defRPr>
-                <a:solidFill>
-                  <a:schemeClr val="tx1"/>
-                </a:solidFill>
-                <a:latin typeface="Calibri"/>
-                <a:ea typeface="맑은 고딕"/>
-              </a:defRPr>
-            </a:lvl8pPr>
-            <a:lvl9pPr marL="3886200" indent="-228600" eaLnBrk="0" fontAlgn="base" hangingPunct="0">
-              <a:lnSpc>
-                <a:spcPct val="90000"/>
-              </a:lnSpc>
-              <a:spcBef>
-                <a:spcPts val="500"/>
-              </a:spcBef>
-              <a:spcAft>
-                <a:spcPct val="0"/>
-              </a:spcAft>
-              <a:buFont typeface="Arial"/>
-              <a:buChar char="•"/>
-              <a:defRPr>
-                <a:solidFill>
-                  <a:schemeClr val="tx1"/>
-                </a:solidFill>
-                <a:latin typeface="Calibri"/>
-                <a:ea typeface="맑은 고딕"/>
-              </a:defRPr>
-            </a:lvl9pPr>
-          </a:lstStyle>
-          <a:p>
-            <a:pPr algn="ctr" latinLnBrk="0">
-              <a:lnSpc>
-                <a:spcPct val="100000"/>
-              </a:lnSpc>
-              <a:spcBef>
-                <a:spcPct val="0"/>
-              </a:spcBef>
-              <a:buNone/>
-              <a:defRPr lang="ko-KR"/>
+          <a:lstStyle/>
+          <a:p>
+            <a:pPr>
+              <a:buNone/>
+              <a:defRPr lang="ko-KR" altLang="en-US"/>
             </a:pPr>
             <a:r>
-              <a:rPr lang="ko-KR" altLang="en-US" sz="3200">
-                <a:solidFill>
-                  <a:schemeClr val="bg1"/>
-                </a:solidFill>
-                <a:latin typeface="HY견고딕"/>
-                <a:ea typeface="HY견고딕"/>
-              </a:rPr>
-              <a:t>프로그램 동작 원리</a:t>
-            </a:r>
-            <a:endParaRPr lang="ko-KR" altLang="en-US" sz="3200">
-              <a:solidFill>
-                <a:schemeClr val="bg1"/>
-              </a:solidFill>
-              <a:latin typeface="HY견고딕"/>
-              <a:ea typeface="HY견고딕"/>
-            </a:endParaRPr>
+              <a:rPr lang="ko-KR" altLang="en-US"/>
+              <a:t>라즈베리파이</a:t>
+            </a:r>
+            <a:endParaRPr lang="ko-KR" altLang="en-US"/>
+          </a:p>
+          <a:p>
+            <a:pPr>
+              <a:buNone/>
+              <a:defRPr lang="ko-KR" altLang="en-US"/>
+            </a:pPr>
+            <a:endParaRPr lang="ko-KR" altLang="en-US"/>
           </a:p>
         </p:txBody>
       </p:sp>
@@ -11621,23 +12575,12 @@
   </p:clrMapOvr>
   <mc:AlternateContent xmlns:mc="http://schemas.openxmlformats.org/markup-compatibility/2006">
     <mc:Choice xmlns:p14="http://schemas.microsoft.com/office/powerpoint/2010/main" Requires="p14">
-      <p:transition xmlns:mc="http://schemas.openxmlformats.org/markup-compatibility/2006" xmlns:p14="http://schemas.microsoft.com/office/powerpoint/2010/main" mc:Ignorable="p14" p14:dur="700">
-        <p:fade/>
-      </p:transition>
+      <p:transition xmlns:mc="http://schemas.openxmlformats.org/markup-compatibility/2006" xmlns:p14="http://schemas.microsoft.com/office/powerpoint/2010/main" mc:Ignorable="p14" p14:dur="500"/>
     </mc:Choice>
     <mc:Fallback>
-      <p:transition xmlns:mc="http://schemas.openxmlformats.org/markup-compatibility/2006" xmlns:hp="http://schemas.haansoft.com/office/presentation/8.0" mc:Ignorable="hp" hp:hslDur="700">
-        <p:fade/>
-      </p:transition>
+      <p:transition/>
     </mc:Fallback>
   </mc:AlternateContent>
-  <p:timing>
-    <p:tnLst>
-      <p:par>
-        <p:cTn id="1" dur="indefinite" restart="never" nodeType="tmRoot"/>
-      </p:par>
-    </p:tnLst>
-  </p:timing>
 </p:sld>
 </file>
 
